--- a/presenation/presenation.pptx
+++ b/presenation/presenation.pptx
@@ -2,17 +2,18 @@
 <file path=ppt/presentation.xml><?xml version="1.0" encoding="utf-8"?>
 <p:presentation xmlns:a="http://schemas.openxmlformats.org/drawingml/2006/main" xmlns:r="http://schemas.openxmlformats.org/officeDocument/2006/relationships" xmlns:p="http://schemas.openxmlformats.org/presentationml/2006/main" saveSubsetFonts="1" autoCompressPictures="0">
   <p:sldMasterIdLst>
-    <p:sldMasterId id="2147483648" r:id="rId1"/>
+    <p:sldMasterId id="2147483688" r:id="rId1"/>
   </p:sldMasterIdLst>
+  <p:notesMasterIdLst>
+    <p:notesMasterId r:id="rId8"/>
+  </p:notesMasterIdLst>
   <p:sldIdLst>
     <p:sldId id="256" r:id="rId2"/>
     <p:sldId id="262" r:id="rId3"/>
     <p:sldId id="259" r:id="rId4"/>
-    <p:sldId id="261" r:id="rId5"/>
-    <p:sldId id="263" r:id="rId6"/>
-    <p:sldId id="257" r:id="rId7"/>
-    <p:sldId id="258" r:id="rId8"/>
-    <p:sldId id="260" r:id="rId9"/>
+    <p:sldId id="266" r:id="rId5"/>
+    <p:sldId id="264" r:id="rId6"/>
+    <p:sldId id="263" r:id="rId7"/>
   </p:sldIdLst>
   <p:sldSz cx="9144000" cy="6858000" type="screen4x3"/>
   <p:notesSz cx="6858000" cy="9144000"/>
@@ -114,6 +115,1530 @@
 </p:presentation>
 </file>
 
+<file path=ppt/notesMasters/notesMaster1.xml><?xml version="1.0" encoding="utf-8"?>
+<p:notesMaster xmlns:a="http://schemas.openxmlformats.org/drawingml/2006/main" xmlns:r="http://schemas.openxmlformats.org/officeDocument/2006/relationships" xmlns:p="http://schemas.openxmlformats.org/presentationml/2006/main">
+  <p:cSld>
+    <p:bg>
+      <p:bgRef idx="1001">
+        <a:schemeClr val="bg1"/>
+      </p:bgRef>
+    </p:bg>
+    <p:spTree>
+      <p:nvGrpSpPr>
+        <p:cNvPr id="1" name=""/>
+        <p:cNvGrpSpPr/>
+        <p:nvPr/>
+      </p:nvGrpSpPr>
+      <p:grpSpPr>
+        <a:xfrm>
+          <a:off x="0" y="0"/>
+          <a:ext cx="0" cy="0"/>
+          <a:chOff x="0" y="0"/>
+          <a:chExt cx="0" cy="0"/>
+        </a:xfrm>
+      </p:grpSpPr>
+      <p:sp>
+        <p:nvSpPr>
+          <p:cNvPr id="2" name="Header Placeholder 1"/>
+          <p:cNvSpPr>
+            <a:spLocks noGrp="1"/>
+          </p:cNvSpPr>
+          <p:nvPr>
+            <p:ph type="hdr" sz="quarter"/>
+          </p:nvPr>
+        </p:nvSpPr>
+        <p:spPr>
+          <a:xfrm>
+            <a:off x="0" y="0"/>
+            <a:ext cx="2971800" cy="457200"/>
+          </a:xfrm>
+          <a:prstGeom prst="rect">
+            <a:avLst/>
+          </a:prstGeom>
+        </p:spPr>
+        <p:txBody>
+          <a:bodyPr vert="horz" lIns="91440" tIns="45720" rIns="91440" bIns="45720" rtlCol="0"/>
+          <a:lstStyle>
+            <a:lvl1pPr algn="l">
+              <a:defRPr sz="1200"/>
+            </a:lvl1pPr>
+          </a:lstStyle>
+          <a:p>
+            <a:endParaRPr lang="en-US"/>
+          </a:p>
+        </p:txBody>
+      </p:sp>
+      <p:sp>
+        <p:nvSpPr>
+          <p:cNvPr id="3" name="Date Placeholder 2"/>
+          <p:cNvSpPr>
+            <a:spLocks noGrp="1"/>
+          </p:cNvSpPr>
+          <p:nvPr>
+            <p:ph type="dt" idx="1"/>
+          </p:nvPr>
+        </p:nvSpPr>
+        <p:spPr>
+          <a:xfrm>
+            <a:off x="3884613" y="0"/>
+            <a:ext cx="2971800" cy="457200"/>
+          </a:xfrm>
+          <a:prstGeom prst="rect">
+            <a:avLst/>
+          </a:prstGeom>
+        </p:spPr>
+        <p:txBody>
+          <a:bodyPr vert="horz" lIns="91440" tIns="45720" rIns="91440" bIns="45720" rtlCol="0"/>
+          <a:lstStyle>
+            <a:lvl1pPr algn="r">
+              <a:defRPr sz="1200"/>
+            </a:lvl1pPr>
+          </a:lstStyle>
+          <a:p>
+            <a:fld id="{F3ED7100-36B5-6944-AD6D-85EFAD577C60}" type="datetimeFigureOut">
+              <a:rPr lang="en-US" smtClean="0"/>
+              <a:t>27/05/2012</a:t>
+            </a:fld>
+            <a:endParaRPr lang="en-US"/>
+          </a:p>
+        </p:txBody>
+      </p:sp>
+      <p:sp>
+        <p:nvSpPr>
+          <p:cNvPr id="4" name="Slide Image Placeholder 3"/>
+          <p:cNvSpPr>
+            <a:spLocks noGrp="1" noRot="1" noChangeAspect="1"/>
+          </p:cNvSpPr>
+          <p:nvPr>
+            <p:ph type="sldImg" idx="2"/>
+          </p:nvPr>
+        </p:nvSpPr>
+        <p:spPr>
+          <a:xfrm>
+            <a:off x="1143000" y="685800"/>
+            <a:ext cx="4572000" cy="3429000"/>
+          </a:xfrm>
+          <a:prstGeom prst="rect">
+            <a:avLst/>
+          </a:prstGeom>
+          <a:noFill/>
+          <a:ln w="12700">
+            <a:solidFill>
+              <a:prstClr val="black"/>
+            </a:solidFill>
+          </a:ln>
+        </p:spPr>
+        <p:txBody>
+          <a:bodyPr vert="horz" lIns="91440" tIns="45720" rIns="91440" bIns="45720" rtlCol="0" anchor="ctr"/>
+          <a:lstStyle/>
+          <a:p>
+            <a:endParaRPr lang="en-US"/>
+          </a:p>
+        </p:txBody>
+      </p:sp>
+      <p:sp>
+        <p:nvSpPr>
+          <p:cNvPr id="5" name="Notes Placeholder 4"/>
+          <p:cNvSpPr>
+            <a:spLocks noGrp="1"/>
+          </p:cNvSpPr>
+          <p:nvPr>
+            <p:ph type="body" sz="quarter" idx="3"/>
+          </p:nvPr>
+        </p:nvSpPr>
+        <p:spPr>
+          <a:xfrm>
+            <a:off x="685800" y="4343400"/>
+            <a:ext cx="5486400" cy="4114800"/>
+          </a:xfrm>
+          <a:prstGeom prst="rect">
+            <a:avLst/>
+          </a:prstGeom>
+        </p:spPr>
+        <p:txBody>
+          <a:bodyPr vert="horz" lIns="91440" tIns="45720" rIns="91440" bIns="45720" rtlCol="0"/>
+          <a:lstStyle/>
+          <a:p>
+            <a:pPr lvl="0"/>
+            <a:r>
+              <a:rPr lang="en-GB" smtClean="0"/>
+              <a:t>Click to edit Master text styles</a:t>
+            </a:r>
+          </a:p>
+          <a:p>
+            <a:pPr lvl="1"/>
+            <a:r>
+              <a:rPr lang="en-GB" smtClean="0"/>
+              <a:t>Second level</a:t>
+            </a:r>
+          </a:p>
+          <a:p>
+            <a:pPr lvl="2"/>
+            <a:r>
+              <a:rPr lang="en-GB" smtClean="0"/>
+              <a:t>Third level</a:t>
+            </a:r>
+          </a:p>
+          <a:p>
+            <a:pPr lvl="3"/>
+            <a:r>
+              <a:rPr lang="en-GB" smtClean="0"/>
+              <a:t>Fourth level</a:t>
+            </a:r>
+          </a:p>
+          <a:p>
+            <a:pPr lvl="4"/>
+            <a:r>
+              <a:rPr lang="en-GB" smtClean="0"/>
+              <a:t>Fifth level</a:t>
+            </a:r>
+            <a:endParaRPr lang="en-US"/>
+          </a:p>
+        </p:txBody>
+      </p:sp>
+      <p:sp>
+        <p:nvSpPr>
+          <p:cNvPr id="6" name="Footer Placeholder 5"/>
+          <p:cNvSpPr>
+            <a:spLocks noGrp="1"/>
+          </p:cNvSpPr>
+          <p:nvPr>
+            <p:ph type="ftr" sz="quarter" idx="4"/>
+          </p:nvPr>
+        </p:nvSpPr>
+        <p:spPr>
+          <a:xfrm>
+            <a:off x="0" y="8685213"/>
+            <a:ext cx="2971800" cy="457200"/>
+          </a:xfrm>
+          <a:prstGeom prst="rect">
+            <a:avLst/>
+          </a:prstGeom>
+        </p:spPr>
+        <p:txBody>
+          <a:bodyPr vert="horz" lIns="91440" tIns="45720" rIns="91440" bIns="45720" rtlCol="0" anchor="b"/>
+          <a:lstStyle>
+            <a:lvl1pPr algn="l">
+              <a:defRPr sz="1200"/>
+            </a:lvl1pPr>
+          </a:lstStyle>
+          <a:p>
+            <a:endParaRPr lang="en-US"/>
+          </a:p>
+        </p:txBody>
+      </p:sp>
+      <p:sp>
+        <p:nvSpPr>
+          <p:cNvPr id="7" name="Slide Number Placeholder 6"/>
+          <p:cNvSpPr>
+            <a:spLocks noGrp="1"/>
+          </p:cNvSpPr>
+          <p:nvPr>
+            <p:ph type="sldNum" sz="quarter" idx="5"/>
+          </p:nvPr>
+        </p:nvSpPr>
+        <p:spPr>
+          <a:xfrm>
+            <a:off x="3884613" y="8685213"/>
+            <a:ext cx="2971800" cy="457200"/>
+          </a:xfrm>
+          <a:prstGeom prst="rect">
+            <a:avLst/>
+          </a:prstGeom>
+        </p:spPr>
+        <p:txBody>
+          <a:bodyPr vert="horz" lIns="91440" tIns="45720" rIns="91440" bIns="45720" rtlCol="0" anchor="b"/>
+          <a:lstStyle>
+            <a:lvl1pPr algn="r">
+              <a:defRPr sz="1200"/>
+            </a:lvl1pPr>
+          </a:lstStyle>
+          <a:p>
+            <a:fld id="{830B366C-54C1-A24D-A2FD-3F67056A114B}" type="slidenum">
+              <a:rPr lang="en-US" smtClean="0"/>
+              <a:t>‹#›</a:t>
+            </a:fld>
+            <a:endParaRPr lang="en-US"/>
+          </a:p>
+        </p:txBody>
+      </p:sp>
+    </p:spTree>
+    <p:extLst>
+      <p:ext uri="{BB962C8B-B14F-4D97-AF65-F5344CB8AC3E}">
+        <p14:creationId xmlns:p14="http://schemas.microsoft.com/office/powerpoint/2010/main" val="2606837708"/>
+      </p:ext>
+    </p:extLst>
+  </p:cSld>
+  <p:clrMap bg1="lt1" tx1="dk1" bg2="lt2" tx2="dk2" accent1="accent1" accent2="accent2" accent3="accent3" accent4="accent4" accent5="accent5" accent6="accent6" hlink="hlink" folHlink="folHlink"/>
+  <p:notesStyle>
+    <a:lvl1pPr marL="0" algn="l" defTabSz="457200" rtl="0" eaLnBrk="1" latinLnBrk="0" hangingPunct="1">
+      <a:defRPr sz="1200" kern="1200">
+        <a:solidFill>
+          <a:schemeClr val="tx1"/>
+        </a:solidFill>
+        <a:latin typeface="+mn-lt"/>
+        <a:ea typeface="+mn-ea"/>
+        <a:cs typeface="+mn-cs"/>
+      </a:defRPr>
+    </a:lvl1pPr>
+    <a:lvl2pPr marL="457200" algn="l" defTabSz="457200" rtl="0" eaLnBrk="1" latinLnBrk="0" hangingPunct="1">
+      <a:defRPr sz="1200" kern="1200">
+        <a:solidFill>
+          <a:schemeClr val="tx1"/>
+        </a:solidFill>
+        <a:latin typeface="+mn-lt"/>
+        <a:ea typeface="+mn-ea"/>
+        <a:cs typeface="+mn-cs"/>
+      </a:defRPr>
+    </a:lvl2pPr>
+    <a:lvl3pPr marL="914400" algn="l" defTabSz="457200" rtl="0" eaLnBrk="1" latinLnBrk="0" hangingPunct="1">
+      <a:defRPr sz="1200" kern="1200">
+        <a:solidFill>
+          <a:schemeClr val="tx1"/>
+        </a:solidFill>
+        <a:latin typeface="+mn-lt"/>
+        <a:ea typeface="+mn-ea"/>
+        <a:cs typeface="+mn-cs"/>
+      </a:defRPr>
+    </a:lvl3pPr>
+    <a:lvl4pPr marL="1371600" algn="l" defTabSz="457200" rtl="0" eaLnBrk="1" latinLnBrk="0" hangingPunct="1">
+      <a:defRPr sz="1200" kern="1200">
+        <a:solidFill>
+          <a:schemeClr val="tx1"/>
+        </a:solidFill>
+        <a:latin typeface="+mn-lt"/>
+        <a:ea typeface="+mn-ea"/>
+        <a:cs typeface="+mn-cs"/>
+      </a:defRPr>
+    </a:lvl4pPr>
+    <a:lvl5pPr marL="1828800" algn="l" defTabSz="457200" rtl="0" eaLnBrk="1" latinLnBrk="0" hangingPunct="1">
+      <a:defRPr sz="1200" kern="1200">
+        <a:solidFill>
+          <a:schemeClr val="tx1"/>
+        </a:solidFill>
+        <a:latin typeface="+mn-lt"/>
+        <a:ea typeface="+mn-ea"/>
+        <a:cs typeface="+mn-cs"/>
+      </a:defRPr>
+    </a:lvl5pPr>
+    <a:lvl6pPr marL="2286000" algn="l" defTabSz="457200" rtl="0" eaLnBrk="1" latinLnBrk="0" hangingPunct="1">
+      <a:defRPr sz="1200" kern="1200">
+        <a:solidFill>
+          <a:schemeClr val="tx1"/>
+        </a:solidFill>
+        <a:latin typeface="+mn-lt"/>
+        <a:ea typeface="+mn-ea"/>
+        <a:cs typeface="+mn-cs"/>
+      </a:defRPr>
+    </a:lvl6pPr>
+    <a:lvl7pPr marL="2743200" algn="l" defTabSz="457200" rtl="0" eaLnBrk="1" latinLnBrk="0" hangingPunct="1">
+      <a:defRPr sz="1200" kern="1200">
+        <a:solidFill>
+          <a:schemeClr val="tx1"/>
+        </a:solidFill>
+        <a:latin typeface="+mn-lt"/>
+        <a:ea typeface="+mn-ea"/>
+        <a:cs typeface="+mn-cs"/>
+      </a:defRPr>
+    </a:lvl7pPr>
+    <a:lvl8pPr marL="3200400" algn="l" defTabSz="457200" rtl="0" eaLnBrk="1" latinLnBrk="0" hangingPunct="1">
+      <a:defRPr sz="1200" kern="1200">
+        <a:solidFill>
+          <a:schemeClr val="tx1"/>
+        </a:solidFill>
+        <a:latin typeface="+mn-lt"/>
+        <a:ea typeface="+mn-ea"/>
+        <a:cs typeface="+mn-cs"/>
+      </a:defRPr>
+    </a:lvl8pPr>
+    <a:lvl9pPr marL="3657600" algn="l" defTabSz="457200" rtl="0" eaLnBrk="1" latinLnBrk="0" hangingPunct="1">
+      <a:defRPr sz="1200" kern="1200">
+        <a:solidFill>
+          <a:schemeClr val="tx1"/>
+        </a:solidFill>
+        <a:latin typeface="+mn-lt"/>
+        <a:ea typeface="+mn-ea"/>
+        <a:cs typeface="+mn-cs"/>
+      </a:defRPr>
+    </a:lvl9pPr>
+  </p:notesStyle>
+</p:notesMaster>
+</file>
+
+<file path=ppt/notesSlides/notesSlide1.xml><?xml version="1.0" encoding="utf-8"?>
+<p:notes xmlns:a="http://schemas.openxmlformats.org/drawingml/2006/main" xmlns:r="http://schemas.openxmlformats.org/officeDocument/2006/relationships" xmlns:p="http://schemas.openxmlformats.org/presentationml/2006/main">
+  <p:cSld>
+    <p:spTree>
+      <p:nvGrpSpPr>
+        <p:cNvPr id="1" name=""/>
+        <p:cNvGrpSpPr/>
+        <p:nvPr/>
+      </p:nvGrpSpPr>
+      <p:grpSpPr>
+        <a:xfrm>
+          <a:off x="0" y="0"/>
+          <a:ext cx="0" cy="0"/>
+          <a:chOff x="0" y="0"/>
+          <a:chExt cx="0" cy="0"/>
+        </a:xfrm>
+      </p:grpSpPr>
+      <p:sp>
+        <p:nvSpPr>
+          <p:cNvPr id="2" name="Slide Image Placeholder 1"/>
+          <p:cNvSpPr>
+            <a:spLocks noGrp="1" noRot="1" noChangeAspect="1"/>
+          </p:cNvSpPr>
+          <p:nvPr>
+            <p:ph type="sldImg"/>
+          </p:nvPr>
+        </p:nvSpPr>
+        <p:spPr/>
+      </p:sp>
+      <p:sp>
+        <p:nvSpPr>
+          <p:cNvPr id="3" name="Notes Placeholder 2"/>
+          <p:cNvSpPr>
+            <a:spLocks noGrp="1"/>
+          </p:cNvSpPr>
+          <p:nvPr>
+            <p:ph type="body" idx="1"/>
+          </p:nvPr>
+        </p:nvSpPr>
+        <p:spPr/>
+        <p:txBody>
+          <a:bodyPr/>
+          <a:lstStyle/>
+          <a:p>
+            <a:r>
+              <a:rPr lang="en-US" dirty="0" smtClean="0"/>
+              <a:t>Overuse and abuse, forgetting, and alteration of schedules and doses. </a:t>
+            </a:r>
+          </a:p>
+          <a:p>
+            <a:endParaRPr lang="en-US" dirty="0" smtClean="0"/>
+          </a:p>
+          <a:p>
+            <a:pPr marL="0" marR="0" indent="0" algn="l" defTabSz="457200" rtl="0" eaLnBrk="1" fontAlgn="auto" latinLnBrk="0" hangingPunct="1">
+              <a:lnSpc>
+                <a:spcPct val="100000"/>
+              </a:lnSpc>
+              <a:spcBef>
+                <a:spcPts val="0"/>
+              </a:spcBef>
+              <a:spcAft>
+                <a:spcPts val="0"/>
+              </a:spcAft>
+              <a:buClrTx/>
+              <a:buSzTx/>
+              <a:buFontTx/>
+              <a:buNone/>
+              <a:tabLst/>
+              <a:defRPr/>
+            </a:pPr>
+            <a:r>
+              <a:rPr lang="en-US" dirty="0" smtClean="0"/>
+              <a:t>The New York Times has</a:t>
+            </a:r>
+            <a:r>
+              <a:rPr lang="en-US" baseline="0" dirty="0" smtClean="0"/>
+              <a:t> called it</a:t>
+            </a:r>
+            <a:r>
+              <a:rPr lang="en-US" dirty="0" smtClean="0"/>
+              <a:t> the world’s "other drug problem".</a:t>
+            </a:r>
+          </a:p>
+          <a:p>
+            <a:pPr marL="0" marR="0" indent="0" algn="l" defTabSz="457200" rtl="0" eaLnBrk="1" fontAlgn="auto" latinLnBrk="0" hangingPunct="1">
+              <a:lnSpc>
+                <a:spcPct val="100000"/>
+              </a:lnSpc>
+              <a:spcBef>
+                <a:spcPts val="0"/>
+              </a:spcBef>
+              <a:spcAft>
+                <a:spcPts val="0"/>
+              </a:spcAft>
+              <a:buClrTx/>
+              <a:buSzTx/>
+              <a:buFontTx/>
+              <a:buNone/>
+              <a:tabLst/>
+              <a:defRPr/>
+            </a:pPr>
+            <a:endParaRPr lang="en-US" dirty="0" smtClean="0"/>
+          </a:p>
+          <a:p>
+            <a:pPr marL="0" marR="0" indent="0" algn="l" defTabSz="457200" rtl="0" eaLnBrk="1" fontAlgn="auto" latinLnBrk="0" hangingPunct="1">
+              <a:lnSpc>
+                <a:spcPct val="100000"/>
+              </a:lnSpc>
+              <a:spcBef>
+                <a:spcPts val="0"/>
+              </a:spcBef>
+              <a:spcAft>
+                <a:spcPts val="0"/>
+              </a:spcAft>
+              <a:buClrTx/>
+              <a:buSzTx/>
+              <a:buFontTx/>
+              <a:buNone/>
+              <a:tabLst/>
+              <a:defRPr/>
+            </a:pPr>
+            <a:r>
+              <a:rPr lang="en-US" dirty="0" smtClean="0"/>
+              <a:t>World Health Organization reports that only around 50% of people typically follow their doctors' orders when it comes to taking prescription drugs, a billion-dollar compliance problem</a:t>
+            </a:r>
+          </a:p>
+          <a:p>
+            <a:endParaRPr lang="en-US" dirty="0" smtClean="0"/>
+          </a:p>
+          <a:p>
+            <a:r>
+              <a:rPr lang="en-US" dirty="0" smtClean="0"/>
+              <a:t>Drugs that treat asymptomatic conditions are the most likely not to be taken</a:t>
+            </a:r>
+          </a:p>
+          <a:p>
+            <a:endParaRPr lang="en-US" dirty="0" smtClean="0"/>
+          </a:p>
+          <a:p>
+            <a:r>
+              <a:rPr lang="en-US" dirty="0" smtClean="0"/>
+              <a:t>people can simply become overwhelmed by the number of different medications they're on</a:t>
+            </a:r>
+          </a:p>
+          <a:p>
+            <a:endParaRPr lang="en-US" dirty="0" smtClean="0"/>
+          </a:p>
+          <a:p>
+            <a:r>
+              <a:rPr lang="en-US" dirty="0" smtClean="0"/>
+              <a:t>In particular, low rates of adherence to therapies for asthma, diabetes, and hypertension are thought to contribute substantially to the human and economic burden of those conditions</a:t>
+            </a:r>
+          </a:p>
+          <a:p>
+            <a:endParaRPr lang="en-US" dirty="0" smtClean="0"/>
+          </a:p>
+          <a:p>
+            <a:pPr marL="0" marR="0" indent="0" algn="l" defTabSz="457200" rtl="0" eaLnBrk="1" fontAlgn="auto" latinLnBrk="0" hangingPunct="1">
+              <a:lnSpc>
+                <a:spcPct val="100000"/>
+              </a:lnSpc>
+              <a:spcBef>
+                <a:spcPts val="0"/>
+              </a:spcBef>
+              <a:spcAft>
+                <a:spcPts val="0"/>
+              </a:spcAft>
+              <a:buClrTx/>
+              <a:buSzTx/>
+              <a:buFontTx/>
+              <a:buNone/>
+              <a:tabLst/>
+              <a:defRPr/>
+            </a:pPr>
+            <a:r>
+              <a:rPr lang="en-US" dirty="0" smtClean="0"/>
+              <a:t>Particularly an issue with elderly people</a:t>
+            </a:r>
+            <a:r>
+              <a:rPr lang="en-US" baseline="0" dirty="0" smtClean="0"/>
+              <a:t>. </a:t>
+            </a:r>
+            <a:r>
+              <a:rPr lang="en-US" dirty="0" smtClean="0"/>
+              <a:t>Hypertension, schizophrenia,</a:t>
+            </a:r>
+            <a:r>
+              <a:rPr lang="en-US" baseline="0" dirty="0" smtClean="0"/>
+              <a:t> epilepsy</a:t>
+            </a:r>
+          </a:p>
+          <a:p>
+            <a:pPr marL="0" marR="0" indent="0" algn="l" defTabSz="457200" rtl="0" eaLnBrk="1" fontAlgn="auto" latinLnBrk="0" hangingPunct="1">
+              <a:lnSpc>
+                <a:spcPct val="100000"/>
+              </a:lnSpc>
+              <a:spcBef>
+                <a:spcPts val="0"/>
+              </a:spcBef>
+              <a:spcAft>
+                <a:spcPts val="0"/>
+              </a:spcAft>
+              <a:buClrTx/>
+              <a:buSzTx/>
+              <a:buFontTx/>
+              <a:buNone/>
+              <a:tabLst/>
+              <a:defRPr/>
+            </a:pPr>
+            <a:endParaRPr lang="en-US" baseline="0" dirty="0" smtClean="0"/>
+          </a:p>
+          <a:p>
+            <a:pPr marL="0" marR="0" indent="0" algn="l" defTabSz="457200" rtl="0" eaLnBrk="1" fontAlgn="auto" latinLnBrk="0" hangingPunct="1">
+              <a:lnSpc>
+                <a:spcPct val="100000"/>
+              </a:lnSpc>
+              <a:spcBef>
+                <a:spcPts val="0"/>
+              </a:spcBef>
+              <a:spcAft>
+                <a:spcPts val="0"/>
+              </a:spcAft>
+              <a:buClrTx/>
+              <a:buSzTx/>
+              <a:buFontTx/>
+              <a:buNone/>
+              <a:tabLst/>
+              <a:defRPr/>
+            </a:pPr>
+            <a:r>
+              <a:rPr lang="en-US" baseline="0" dirty="0" smtClean="0"/>
+              <a:t>Diabetes non-compliance (98% in US) is the principal cause of complications related to diabetes including nerve damage and kidney failure</a:t>
+            </a:r>
+          </a:p>
+          <a:p>
+            <a:pPr marL="0" marR="0" indent="0" algn="l" defTabSz="457200" rtl="0" eaLnBrk="1" fontAlgn="auto" latinLnBrk="0" hangingPunct="1">
+              <a:lnSpc>
+                <a:spcPct val="100000"/>
+              </a:lnSpc>
+              <a:spcBef>
+                <a:spcPts val="0"/>
+              </a:spcBef>
+              <a:spcAft>
+                <a:spcPts val="0"/>
+              </a:spcAft>
+              <a:buClrTx/>
+              <a:buSzTx/>
+              <a:buFontTx/>
+              <a:buNone/>
+              <a:tabLst/>
+              <a:defRPr/>
+            </a:pPr>
+            <a:endParaRPr lang="en-US" baseline="0" dirty="0" smtClean="0"/>
+          </a:p>
+          <a:p>
+            <a:pPr marL="0" marR="0" indent="0" algn="l" defTabSz="457200" rtl="0" eaLnBrk="1" fontAlgn="auto" latinLnBrk="0" hangingPunct="1">
+              <a:lnSpc>
+                <a:spcPct val="100000"/>
+              </a:lnSpc>
+              <a:spcBef>
+                <a:spcPts val="0"/>
+              </a:spcBef>
+              <a:spcAft>
+                <a:spcPts val="0"/>
+              </a:spcAft>
+              <a:buClrTx/>
+              <a:buSzTx/>
+              <a:buFontTx/>
+              <a:buNone/>
+              <a:tabLst/>
+              <a:defRPr/>
+            </a:pPr>
+            <a:r>
+              <a:rPr lang="en-US" baseline="0" dirty="0" smtClean="0"/>
+              <a:t>Hypertension non-compliance (93% in US, 70% in UK) is the main cause of uncontrolled hypertension-associated heart attack and stroke</a:t>
+            </a:r>
+          </a:p>
+          <a:p>
+            <a:pPr marL="0" marR="0" indent="0" algn="l" defTabSz="457200" rtl="0" eaLnBrk="1" fontAlgn="auto" latinLnBrk="0" hangingPunct="1">
+              <a:lnSpc>
+                <a:spcPct val="100000"/>
+              </a:lnSpc>
+              <a:spcBef>
+                <a:spcPts val="0"/>
+              </a:spcBef>
+              <a:spcAft>
+                <a:spcPts val="0"/>
+              </a:spcAft>
+              <a:buClrTx/>
+              <a:buSzTx/>
+              <a:buFontTx/>
+              <a:buNone/>
+              <a:tabLst/>
+              <a:defRPr/>
+            </a:pPr>
+            <a:endParaRPr lang="en-US" baseline="0" dirty="0" smtClean="0"/>
+          </a:p>
+          <a:p>
+            <a:pPr marL="0" marR="0" indent="0" algn="l" defTabSz="457200" rtl="0" eaLnBrk="1" fontAlgn="auto" latinLnBrk="0" hangingPunct="1">
+              <a:lnSpc>
+                <a:spcPct val="100000"/>
+              </a:lnSpc>
+              <a:spcBef>
+                <a:spcPts val="0"/>
+              </a:spcBef>
+              <a:spcAft>
+                <a:spcPts val="0"/>
+              </a:spcAft>
+              <a:buClrTx/>
+              <a:buSzTx/>
+              <a:buFontTx/>
+              <a:buNone/>
+              <a:tabLst/>
+              <a:defRPr/>
+            </a:pPr>
+            <a:r>
+              <a:rPr lang="en-US" baseline="0" dirty="0" smtClean="0"/>
+              <a:t>Asthma non-compliance (28-70% worldwide) increase the risk of severe asthma attacks requiring hospitalization</a:t>
+            </a:r>
+          </a:p>
+          <a:p>
+            <a:pPr marL="0" marR="0" indent="0" algn="l" defTabSz="457200" rtl="0" eaLnBrk="1" fontAlgn="auto" latinLnBrk="0" hangingPunct="1">
+              <a:lnSpc>
+                <a:spcPct val="100000"/>
+              </a:lnSpc>
+              <a:spcBef>
+                <a:spcPts val="0"/>
+              </a:spcBef>
+              <a:spcAft>
+                <a:spcPts val="0"/>
+              </a:spcAft>
+              <a:buClrTx/>
+              <a:buSzTx/>
+              <a:buFontTx/>
+              <a:buNone/>
+              <a:tabLst/>
+              <a:defRPr/>
+            </a:pPr>
+            <a:endParaRPr lang="en-US" dirty="0" smtClean="0"/>
+          </a:p>
+          <a:p>
+            <a:endParaRPr lang="en-US" dirty="0" smtClean="0"/>
+          </a:p>
+          <a:p>
+            <a:endParaRPr lang="en-US" dirty="0" smtClean="0"/>
+          </a:p>
+        </p:txBody>
+      </p:sp>
+      <p:sp>
+        <p:nvSpPr>
+          <p:cNvPr id="4" name="Slide Number Placeholder 3"/>
+          <p:cNvSpPr>
+            <a:spLocks noGrp="1"/>
+          </p:cNvSpPr>
+          <p:nvPr>
+            <p:ph type="sldNum" sz="quarter" idx="10"/>
+          </p:nvPr>
+        </p:nvSpPr>
+        <p:spPr/>
+        <p:txBody>
+          <a:bodyPr/>
+          <a:lstStyle/>
+          <a:p>
+            <a:fld id="{830B366C-54C1-A24D-A2FD-3F67056A114B}" type="slidenum">
+              <a:rPr lang="en-US" smtClean="0"/>
+              <a:t>3</a:t>
+            </a:fld>
+            <a:endParaRPr lang="en-US"/>
+          </a:p>
+        </p:txBody>
+      </p:sp>
+    </p:spTree>
+    <p:extLst>
+      <p:ext uri="{BB962C8B-B14F-4D97-AF65-F5344CB8AC3E}">
+        <p14:creationId xmlns:p14="http://schemas.microsoft.com/office/powerpoint/2010/main" val="1617980068"/>
+      </p:ext>
+    </p:extLst>
+  </p:cSld>
+  <p:clrMapOvr>
+    <a:masterClrMapping/>
+  </p:clrMapOvr>
+</p:notes>
+</file>
+
+<file path=ppt/notesSlides/notesSlide2.xml><?xml version="1.0" encoding="utf-8"?>
+<p:notes xmlns:a="http://schemas.openxmlformats.org/drawingml/2006/main" xmlns:r="http://schemas.openxmlformats.org/officeDocument/2006/relationships" xmlns:p="http://schemas.openxmlformats.org/presentationml/2006/main">
+  <p:cSld>
+    <p:spTree>
+      <p:nvGrpSpPr>
+        <p:cNvPr id="1" name=""/>
+        <p:cNvGrpSpPr/>
+        <p:nvPr/>
+      </p:nvGrpSpPr>
+      <p:grpSpPr>
+        <a:xfrm>
+          <a:off x="0" y="0"/>
+          <a:ext cx="0" cy="0"/>
+          <a:chOff x="0" y="0"/>
+          <a:chExt cx="0" cy="0"/>
+        </a:xfrm>
+      </p:grpSpPr>
+      <p:sp>
+        <p:nvSpPr>
+          <p:cNvPr id="2" name="Slide Image Placeholder 1"/>
+          <p:cNvSpPr>
+            <a:spLocks noGrp="1" noRot="1" noChangeAspect="1"/>
+          </p:cNvSpPr>
+          <p:nvPr>
+            <p:ph type="sldImg"/>
+          </p:nvPr>
+        </p:nvSpPr>
+        <p:spPr/>
+      </p:sp>
+      <p:sp>
+        <p:nvSpPr>
+          <p:cNvPr id="3" name="Notes Placeholder 2"/>
+          <p:cNvSpPr>
+            <a:spLocks noGrp="1"/>
+          </p:cNvSpPr>
+          <p:nvPr>
+            <p:ph type="body" idx="1"/>
+          </p:nvPr>
+        </p:nvSpPr>
+        <p:spPr/>
+        <p:txBody>
+          <a:bodyPr/>
+          <a:lstStyle/>
+          <a:p>
+            <a:pPr marL="0" marR="0" indent="0" algn="l" defTabSz="457200" rtl="0" eaLnBrk="1" fontAlgn="auto" latinLnBrk="0" hangingPunct="1">
+              <a:lnSpc>
+                <a:spcPct val="100000"/>
+              </a:lnSpc>
+              <a:spcBef>
+                <a:spcPts val="0"/>
+              </a:spcBef>
+              <a:spcAft>
+                <a:spcPts val="0"/>
+              </a:spcAft>
+              <a:buClrTx/>
+              <a:buSzTx/>
+              <a:buFontTx/>
+              <a:buNone/>
+              <a:tabLst/>
+              <a:defRPr/>
+            </a:pPr>
+            <a:r>
+              <a:rPr lang="en-US" dirty="0" smtClean="0"/>
+              <a:t>Between 2007 and 2008, 6.5 million appointments were missed</a:t>
+            </a:r>
+          </a:p>
+          <a:p>
+            <a:pPr marL="0" marR="0" indent="0" algn="l" defTabSz="457200" rtl="0" eaLnBrk="1" fontAlgn="auto" latinLnBrk="0" hangingPunct="1">
+              <a:lnSpc>
+                <a:spcPct val="100000"/>
+              </a:lnSpc>
+              <a:spcBef>
+                <a:spcPts val="0"/>
+              </a:spcBef>
+              <a:spcAft>
+                <a:spcPts val="0"/>
+              </a:spcAft>
+              <a:buClrTx/>
+              <a:buSzTx/>
+              <a:buFontTx/>
+              <a:buNone/>
+              <a:tabLst/>
+              <a:defRPr/>
+            </a:pPr>
+            <a:endParaRPr lang="en-US" dirty="0" smtClean="0"/>
+          </a:p>
+          <a:p>
+            <a:pPr marL="0" marR="0" indent="0" algn="l" defTabSz="457200" rtl="0" eaLnBrk="1" fontAlgn="auto" latinLnBrk="0" hangingPunct="1">
+              <a:lnSpc>
+                <a:spcPct val="100000"/>
+              </a:lnSpc>
+              <a:spcBef>
+                <a:spcPts val="0"/>
+              </a:spcBef>
+              <a:spcAft>
+                <a:spcPts val="0"/>
+              </a:spcAft>
+              <a:buClrTx/>
+              <a:buSzTx/>
+              <a:buFontTx/>
+              <a:buNone/>
+              <a:tabLst/>
+              <a:defRPr/>
+            </a:pPr>
+            <a:r>
+              <a:rPr lang="en-US" dirty="0" smtClean="0"/>
+              <a:t>The NHS said each missed booking cost about £126</a:t>
+            </a:r>
+          </a:p>
+          <a:p>
+            <a:pPr marL="0" marR="0" indent="0" algn="l" defTabSz="457200" rtl="0" eaLnBrk="1" fontAlgn="auto" latinLnBrk="0" hangingPunct="1">
+              <a:lnSpc>
+                <a:spcPct val="100000"/>
+              </a:lnSpc>
+              <a:spcBef>
+                <a:spcPts val="0"/>
+              </a:spcBef>
+              <a:spcAft>
+                <a:spcPts val="0"/>
+              </a:spcAft>
+              <a:buClrTx/>
+              <a:buSzTx/>
+              <a:buFontTx/>
+              <a:buNone/>
+              <a:tabLst/>
+              <a:defRPr/>
+            </a:pPr>
+            <a:endParaRPr lang="en-US" dirty="0" smtClean="0"/>
+          </a:p>
+          <a:p>
+            <a:pPr marL="0" marR="0" indent="0" algn="l" defTabSz="457200" rtl="0" eaLnBrk="1" fontAlgn="auto" latinLnBrk="0" hangingPunct="1">
+              <a:lnSpc>
+                <a:spcPct val="100000"/>
+              </a:lnSpc>
+              <a:spcBef>
+                <a:spcPts val="0"/>
+              </a:spcBef>
+              <a:spcAft>
+                <a:spcPts val="0"/>
+              </a:spcAft>
+              <a:buClrTx/>
+              <a:buSzTx/>
+              <a:buFontTx/>
+              <a:buNone/>
+              <a:tabLst/>
+              <a:defRPr/>
+            </a:pPr>
+            <a:r>
+              <a:rPr lang="en-US" dirty="0" smtClean="0"/>
+              <a:t>data has shown</a:t>
+            </a:r>
+            <a:r>
+              <a:rPr lang="en-US" baseline="0" dirty="0" smtClean="0"/>
+              <a:t> that </a:t>
+            </a:r>
+            <a:r>
+              <a:rPr lang="en-US" dirty="0" smtClean="0"/>
+              <a:t>Patients who fail to keep hospital appointments cost the NHS more than £600 million a year, enough to run two medium-size hospitals</a:t>
+            </a:r>
+          </a:p>
+          <a:p>
+            <a:pPr marL="0" marR="0" indent="0" algn="l" defTabSz="457200" rtl="0" eaLnBrk="1" fontAlgn="auto" latinLnBrk="0" hangingPunct="1">
+              <a:lnSpc>
+                <a:spcPct val="100000"/>
+              </a:lnSpc>
+              <a:spcBef>
+                <a:spcPts val="0"/>
+              </a:spcBef>
+              <a:spcAft>
+                <a:spcPts val="0"/>
+              </a:spcAft>
+              <a:buClrTx/>
+              <a:buSzTx/>
+              <a:buFontTx/>
+              <a:buNone/>
+              <a:tabLst/>
+              <a:defRPr/>
+            </a:pPr>
+            <a:endParaRPr lang="en-US" dirty="0" smtClean="0"/>
+          </a:p>
+          <a:p>
+            <a:pPr marL="0" marR="0" indent="0" algn="l" defTabSz="457200" rtl="0" eaLnBrk="1" fontAlgn="auto" latinLnBrk="0" hangingPunct="1">
+              <a:lnSpc>
+                <a:spcPct val="100000"/>
+              </a:lnSpc>
+              <a:spcBef>
+                <a:spcPts val="0"/>
+              </a:spcBef>
+              <a:spcAft>
+                <a:spcPts val="0"/>
+              </a:spcAft>
+              <a:buClrTx/>
+              <a:buSzTx/>
+              <a:buFontTx/>
+              <a:buNone/>
+              <a:tabLst/>
+              <a:defRPr/>
+            </a:pPr>
+            <a:r>
+              <a:rPr lang="en-US" dirty="0" smtClean="0"/>
+              <a:t>Some behavioral methods have worked,</a:t>
+            </a:r>
+            <a:r>
+              <a:rPr lang="en-US" baseline="0" dirty="0" smtClean="0"/>
+              <a:t> getting people to write it down themselves, </a:t>
+            </a:r>
+            <a:endParaRPr lang="en-US" dirty="0"/>
+          </a:p>
+        </p:txBody>
+      </p:sp>
+      <p:sp>
+        <p:nvSpPr>
+          <p:cNvPr id="4" name="Slide Number Placeholder 3"/>
+          <p:cNvSpPr>
+            <a:spLocks noGrp="1"/>
+          </p:cNvSpPr>
+          <p:nvPr>
+            <p:ph type="sldNum" sz="quarter" idx="10"/>
+          </p:nvPr>
+        </p:nvSpPr>
+        <p:spPr/>
+        <p:txBody>
+          <a:bodyPr/>
+          <a:lstStyle/>
+          <a:p>
+            <a:fld id="{830B366C-54C1-A24D-A2FD-3F67056A114B}" type="slidenum">
+              <a:rPr lang="en-US" smtClean="0"/>
+              <a:t>4</a:t>
+            </a:fld>
+            <a:endParaRPr lang="en-US"/>
+          </a:p>
+        </p:txBody>
+      </p:sp>
+    </p:spTree>
+    <p:extLst>
+      <p:ext uri="{BB962C8B-B14F-4D97-AF65-F5344CB8AC3E}">
+        <p14:creationId xmlns:p14="http://schemas.microsoft.com/office/powerpoint/2010/main" val="3011261525"/>
+      </p:ext>
+    </p:extLst>
+  </p:cSld>
+  <p:clrMapOvr>
+    <a:masterClrMapping/>
+  </p:clrMapOvr>
+</p:notes>
+</file>
+
+<file path=ppt/notesSlides/notesSlide3.xml><?xml version="1.0" encoding="utf-8"?>
+<p:notes xmlns:a="http://schemas.openxmlformats.org/drawingml/2006/main" xmlns:r="http://schemas.openxmlformats.org/officeDocument/2006/relationships" xmlns:p="http://schemas.openxmlformats.org/presentationml/2006/main">
+  <p:cSld>
+    <p:spTree>
+      <p:nvGrpSpPr>
+        <p:cNvPr id="1" name=""/>
+        <p:cNvGrpSpPr/>
+        <p:nvPr/>
+      </p:nvGrpSpPr>
+      <p:grpSpPr>
+        <a:xfrm>
+          <a:off x="0" y="0"/>
+          <a:ext cx="0" cy="0"/>
+          <a:chOff x="0" y="0"/>
+          <a:chExt cx="0" cy="0"/>
+        </a:xfrm>
+      </p:grpSpPr>
+      <p:sp>
+        <p:nvSpPr>
+          <p:cNvPr id="2" name="Slide Image Placeholder 1"/>
+          <p:cNvSpPr>
+            <a:spLocks noGrp="1" noRot="1" noChangeAspect="1"/>
+          </p:cNvSpPr>
+          <p:nvPr>
+            <p:ph type="sldImg"/>
+          </p:nvPr>
+        </p:nvSpPr>
+        <p:spPr/>
+      </p:sp>
+      <p:sp>
+        <p:nvSpPr>
+          <p:cNvPr id="3" name="Notes Placeholder 2"/>
+          <p:cNvSpPr>
+            <a:spLocks noGrp="1"/>
+          </p:cNvSpPr>
+          <p:nvPr>
+            <p:ph type="body" idx="1"/>
+          </p:nvPr>
+        </p:nvSpPr>
+        <p:spPr/>
+        <p:txBody>
+          <a:bodyPr/>
+          <a:lstStyle/>
+          <a:p>
+            <a:r>
+              <a:rPr lang="en-US" dirty="0" smtClean="0"/>
+              <a:t>Encouraging patients to take their medication at the right time with a daily or weekly reminder ensuring they get repeat prescriptions and avoid missing appointments.</a:t>
+            </a:r>
+          </a:p>
+        </p:txBody>
+      </p:sp>
+      <p:sp>
+        <p:nvSpPr>
+          <p:cNvPr id="4" name="Slide Number Placeholder 3"/>
+          <p:cNvSpPr>
+            <a:spLocks noGrp="1"/>
+          </p:cNvSpPr>
+          <p:nvPr>
+            <p:ph type="sldNum" sz="quarter" idx="10"/>
+          </p:nvPr>
+        </p:nvSpPr>
+        <p:spPr/>
+        <p:txBody>
+          <a:bodyPr/>
+          <a:lstStyle/>
+          <a:p>
+            <a:fld id="{830B366C-54C1-A24D-A2FD-3F67056A114B}" type="slidenum">
+              <a:rPr lang="en-US" smtClean="0"/>
+              <a:t>5</a:t>
+            </a:fld>
+            <a:endParaRPr lang="en-US"/>
+          </a:p>
+        </p:txBody>
+      </p:sp>
+    </p:spTree>
+    <p:extLst>
+      <p:ext uri="{BB962C8B-B14F-4D97-AF65-F5344CB8AC3E}">
+        <p14:creationId xmlns:p14="http://schemas.microsoft.com/office/powerpoint/2010/main" val="4279190545"/>
+      </p:ext>
+    </p:extLst>
+  </p:cSld>
+  <p:clrMapOvr>
+    <a:masterClrMapping/>
+  </p:clrMapOvr>
+</p:notes>
+</file>
+
+<file path=ppt/notesSlides/notesSlide4.xml><?xml version="1.0" encoding="utf-8"?>
+<p:notes xmlns:a="http://schemas.openxmlformats.org/drawingml/2006/main" xmlns:r="http://schemas.openxmlformats.org/officeDocument/2006/relationships" xmlns:p="http://schemas.openxmlformats.org/presentationml/2006/main">
+  <p:cSld>
+    <p:spTree>
+      <p:nvGrpSpPr>
+        <p:cNvPr id="1" name=""/>
+        <p:cNvGrpSpPr/>
+        <p:nvPr/>
+      </p:nvGrpSpPr>
+      <p:grpSpPr>
+        <a:xfrm>
+          <a:off x="0" y="0"/>
+          <a:ext cx="0" cy="0"/>
+          <a:chOff x="0" y="0"/>
+          <a:chExt cx="0" cy="0"/>
+        </a:xfrm>
+      </p:grpSpPr>
+      <p:sp>
+        <p:nvSpPr>
+          <p:cNvPr id="2" name="Slide Image Placeholder 1"/>
+          <p:cNvSpPr>
+            <a:spLocks noGrp="1" noRot="1" noChangeAspect="1"/>
+          </p:cNvSpPr>
+          <p:nvPr>
+            <p:ph type="sldImg"/>
+          </p:nvPr>
+        </p:nvSpPr>
+        <p:spPr/>
+      </p:sp>
+      <p:sp>
+        <p:nvSpPr>
+          <p:cNvPr id="3" name="Notes Placeholder 2"/>
+          <p:cNvSpPr>
+            <a:spLocks noGrp="1"/>
+          </p:cNvSpPr>
+          <p:nvPr>
+            <p:ph type="body" idx="1"/>
+          </p:nvPr>
+        </p:nvSpPr>
+        <p:spPr/>
+        <p:txBody>
+          <a:bodyPr/>
+          <a:lstStyle/>
+          <a:p>
+            <a:pPr marL="0" marR="0" indent="0" algn="l" defTabSz="457200" rtl="0" eaLnBrk="1" fontAlgn="auto" latinLnBrk="0" hangingPunct="1">
+              <a:lnSpc>
+                <a:spcPct val="100000"/>
+              </a:lnSpc>
+              <a:spcBef>
+                <a:spcPts val="0"/>
+              </a:spcBef>
+              <a:spcAft>
+                <a:spcPts val="0"/>
+              </a:spcAft>
+              <a:buClrTx/>
+              <a:buSzTx/>
+              <a:buFontTx/>
+              <a:buNone/>
+              <a:tabLst/>
+              <a:defRPr/>
+            </a:pPr>
+            <a:r>
+              <a:rPr lang="en-US" dirty="0" smtClean="0"/>
+              <a:t>Medication Scheme reminder service</a:t>
+            </a:r>
+            <a:r>
+              <a:rPr lang="en-US" baseline="0" dirty="0" smtClean="0"/>
+              <a:t> could be used to support supplementary physical processes (patients with severe memory less)</a:t>
+            </a:r>
+            <a:endParaRPr lang="en-US" dirty="0" smtClean="0"/>
+          </a:p>
+          <a:p>
+            <a:pPr marL="0" marR="0" indent="0" algn="l" defTabSz="457200" rtl="0" eaLnBrk="1" fontAlgn="auto" latinLnBrk="0" hangingPunct="1">
+              <a:lnSpc>
+                <a:spcPct val="100000"/>
+              </a:lnSpc>
+              <a:spcBef>
+                <a:spcPts val="0"/>
+              </a:spcBef>
+              <a:spcAft>
+                <a:spcPts val="0"/>
+              </a:spcAft>
+              <a:buClrTx/>
+              <a:buSzTx/>
+              <a:buFontTx/>
+              <a:buNone/>
+              <a:tabLst/>
+              <a:defRPr/>
+            </a:pPr>
+            <a:endParaRPr lang="en-US" dirty="0" smtClean="0"/>
+          </a:p>
+          <a:p>
+            <a:pPr marL="0" marR="0" indent="0" algn="l" defTabSz="457200" rtl="0" eaLnBrk="1" fontAlgn="auto" latinLnBrk="0" hangingPunct="1">
+              <a:lnSpc>
+                <a:spcPct val="100000"/>
+              </a:lnSpc>
+              <a:spcBef>
+                <a:spcPts val="0"/>
+              </a:spcBef>
+              <a:spcAft>
+                <a:spcPts val="0"/>
+              </a:spcAft>
+              <a:buClrTx/>
+              <a:buSzTx/>
+              <a:buFontTx/>
+              <a:buNone/>
+              <a:tabLst/>
+              <a:defRPr/>
+            </a:pPr>
+            <a:r>
+              <a:rPr lang="en-US" dirty="0" smtClean="0"/>
+              <a:t>Wizards to set up the message templates</a:t>
+            </a:r>
+          </a:p>
+          <a:p>
+            <a:pPr marL="0" marR="0" indent="0" algn="l" defTabSz="457200" rtl="0" eaLnBrk="1" fontAlgn="auto" latinLnBrk="0" hangingPunct="1">
+              <a:lnSpc>
+                <a:spcPct val="100000"/>
+              </a:lnSpc>
+              <a:spcBef>
+                <a:spcPts val="0"/>
+              </a:spcBef>
+              <a:spcAft>
+                <a:spcPts val="0"/>
+              </a:spcAft>
+              <a:buClrTx/>
+              <a:buSzTx/>
+              <a:buFontTx/>
+              <a:buNone/>
+              <a:tabLst/>
+              <a:defRPr/>
+            </a:pPr>
+            <a:endParaRPr lang="en-US" dirty="0" smtClean="0"/>
+          </a:p>
+          <a:p>
+            <a:pPr marL="0" marR="0" indent="0" algn="l" defTabSz="457200" rtl="0" eaLnBrk="1" fontAlgn="auto" latinLnBrk="0" hangingPunct="1">
+              <a:lnSpc>
+                <a:spcPct val="100000"/>
+              </a:lnSpc>
+              <a:spcBef>
+                <a:spcPts val="0"/>
+              </a:spcBef>
+              <a:spcAft>
+                <a:spcPts val="0"/>
+              </a:spcAft>
+              <a:buClrTx/>
+              <a:buSzTx/>
+              <a:buFontTx/>
+              <a:buNone/>
+              <a:tabLst/>
+              <a:defRPr/>
+            </a:pPr>
+            <a:r>
+              <a:rPr lang="en-US" dirty="0" smtClean="0"/>
+              <a:t>A</a:t>
+            </a:r>
+            <a:r>
+              <a:rPr lang="en-US" baseline="0" dirty="0" smtClean="0"/>
+              <a:t> </a:t>
+            </a:r>
+            <a:r>
+              <a:rPr lang="en-US" dirty="0" smtClean="0"/>
+              <a:t>Process to help healthcare professionals to identify patients that</a:t>
+            </a:r>
+            <a:r>
+              <a:rPr lang="en-US" baseline="0" dirty="0" smtClean="0"/>
+              <a:t> would benefit from this service</a:t>
+            </a:r>
+            <a:endParaRPr lang="en-US" dirty="0" smtClean="0"/>
+          </a:p>
+          <a:p>
+            <a:pPr marL="0" marR="0" indent="0" algn="l" defTabSz="457200" rtl="0" eaLnBrk="1" fontAlgn="auto" latinLnBrk="0" hangingPunct="1">
+              <a:lnSpc>
+                <a:spcPct val="100000"/>
+              </a:lnSpc>
+              <a:spcBef>
+                <a:spcPts val="0"/>
+              </a:spcBef>
+              <a:spcAft>
+                <a:spcPts val="0"/>
+              </a:spcAft>
+              <a:buClrTx/>
+              <a:buSzTx/>
+              <a:buFontTx/>
+              <a:buNone/>
+              <a:tabLst/>
+              <a:defRPr/>
+            </a:pPr>
+            <a:endParaRPr lang="en-US" dirty="0" smtClean="0"/>
+          </a:p>
+          <a:p>
+            <a:pPr marL="0" marR="0" indent="0" algn="l" defTabSz="457200" rtl="0" eaLnBrk="1" fontAlgn="auto" latinLnBrk="0" hangingPunct="1">
+              <a:lnSpc>
+                <a:spcPct val="100000"/>
+              </a:lnSpc>
+              <a:spcBef>
+                <a:spcPts val="0"/>
+              </a:spcBef>
+              <a:spcAft>
+                <a:spcPts val="0"/>
+              </a:spcAft>
+              <a:buClrTx/>
+              <a:buSzTx/>
+              <a:buFontTx/>
+              <a:buNone/>
+              <a:tabLst/>
+              <a:defRPr/>
+            </a:pPr>
+            <a:r>
+              <a:rPr lang="en-US" dirty="0" smtClean="0"/>
+              <a:t>System Integration</a:t>
+            </a:r>
+          </a:p>
+          <a:p>
+            <a:pPr marL="0" marR="0" indent="0" algn="l" defTabSz="457200" rtl="0" eaLnBrk="1" fontAlgn="auto" latinLnBrk="0" hangingPunct="1">
+              <a:lnSpc>
+                <a:spcPct val="100000"/>
+              </a:lnSpc>
+              <a:spcBef>
+                <a:spcPts val="0"/>
+              </a:spcBef>
+              <a:spcAft>
+                <a:spcPts val="0"/>
+              </a:spcAft>
+              <a:buClrTx/>
+              <a:buSzTx/>
+              <a:buFontTx/>
+              <a:buNone/>
+              <a:tabLst/>
+              <a:defRPr/>
+            </a:pPr>
+            <a:endParaRPr lang="en-US" dirty="0" smtClean="0"/>
+          </a:p>
+          <a:p>
+            <a:pPr marL="0" marR="0" indent="0" algn="l" defTabSz="457200" rtl="0" eaLnBrk="1" fontAlgn="auto" latinLnBrk="0" hangingPunct="1">
+              <a:lnSpc>
+                <a:spcPct val="100000"/>
+              </a:lnSpc>
+              <a:spcBef>
+                <a:spcPts val="0"/>
+              </a:spcBef>
+              <a:spcAft>
+                <a:spcPts val="0"/>
+              </a:spcAft>
+              <a:buClrTx/>
+              <a:buSzTx/>
+              <a:buFontTx/>
+              <a:buNone/>
+              <a:tabLst/>
+              <a:defRPr/>
+            </a:pPr>
+            <a:r>
+              <a:rPr lang="en-US" dirty="0" smtClean="0"/>
+              <a:t>Drools</a:t>
+            </a:r>
+            <a:r>
+              <a:rPr lang="en-US" baseline="0" dirty="0" smtClean="0"/>
+              <a:t> (Rule engine) -  mitigate risk of incorrect/interfering drug combinations</a:t>
+            </a:r>
+          </a:p>
+          <a:p>
+            <a:pPr marL="0" marR="0" indent="0" algn="l" defTabSz="457200" rtl="0" eaLnBrk="1" fontAlgn="auto" latinLnBrk="0" hangingPunct="1">
+              <a:lnSpc>
+                <a:spcPct val="100000"/>
+              </a:lnSpc>
+              <a:spcBef>
+                <a:spcPts val="0"/>
+              </a:spcBef>
+              <a:spcAft>
+                <a:spcPts val="0"/>
+              </a:spcAft>
+              <a:buClrTx/>
+              <a:buSzTx/>
+              <a:buFontTx/>
+              <a:buNone/>
+              <a:tabLst/>
+              <a:defRPr/>
+            </a:pPr>
+            <a:endParaRPr lang="en-US" baseline="0" dirty="0" smtClean="0"/>
+          </a:p>
+          <a:p>
+            <a:pPr marL="0" marR="0" indent="0" algn="l" defTabSz="457200" rtl="0" eaLnBrk="1" fontAlgn="auto" latinLnBrk="0" hangingPunct="1">
+              <a:lnSpc>
+                <a:spcPct val="100000"/>
+              </a:lnSpc>
+              <a:spcBef>
+                <a:spcPts val="0"/>
+              </a:spcBef>
+              <a:spcAft>
+                <a:spcPts val="0"/>
+              </a:spcAft>
+              <a:buClrTx/>
+              <a:buSzTx/>
+              <a:buFontTx/>
+              <a:buNone/>
+              <a:tabLst/>
+              <a:defRPr/>
+            </a:pPr>
+            <a:r>
+              <a:rPr lang="en-US" baseline="0" dirty="0" smtClean="0"/>
+              <a:t>Mobile app, that could provide a platform for:</a:t>
+            </a:r>
+          </a:p>
+          <a:p>
+            <a:pPr marL="0" marR="0" indent="0" algn="l" defTabSz="457200" rtl="0" eaLnBrk="1" fontAlgn="auto" latinLnBrk="0" hangingPunct="1">
+              <a:lnSpc>
+                <a:spcPct val="100000"/>
+              </a:lnSpc>
+              <a:spcBef>
+                <a:spcPts val="0"/>
+              </a:spcBef>
+              <a:spcAft>
+                <a:spcPts val="0"/>
+              </a:spcAft>
+              <a:buClrTx/>
+              <a:buSzTx/>
+              <a:buFontTx/>
+              <a:buNone/>
+              <a:tabLst/>
+              <a:defRPr/>
+            </a:pPr>
+            <a:r>
+              <a:rPr lang="en-US" baseline="0" dirty="0" smtClean="0"/>
+              <a:t> careers to monitor if patients are taking their meds ,</a:t>
+            </a:r>
+          </a:p>
+          <a:p>
+            <a:pPr marL="0" marR="0" indent="0" algn="l" defTabSz="457200" rtl="0" eaLnBrk="1" fontAlgn="auto" latinLnBrk="0" hangingPunct="1">
+              <a:lnSpc>
+                <a:spcPct val="100000"/>
+              </a:lnSpc>
+              <a:spcBef>
+                <a:spcPts val="0"/>
+              </a:spcBef>
+              <a:spcAft>
+                <a:spcPts val="0"/>
+              </a:spcAft>
+              <a:buClrTx/>
+              <a:buSzTx/>
+              <a:buFontTx/>
+              <a:buNone/>
+              <a:tabLst/>
+              <a:defRPr/>
+            </a:pPr>
+            <a:r>
+              <a:rPr lang="en-US" baseline="0" dirty="0" smtClean="0"/>
+              <a:t>capture any symptom's the user might be having as data to assess the effectiveness of medication.</a:t>
+            </a:r>
+          </a:p>
+          <a:p>
+            <a:pPr marL="0" marR="0" indent="0" algn="l" defTabSz="457200" rtl="0" eaLnBrk="1" fontAlgn="auto" latinLnBrk="0" hangingPunct="1">
+              <a:lnSpc>
+                <a:spcPct val="100000"/>
+              </a:lnSpc>
+              <a:spcBef>
+                <a:spcPts val="0"/>
+              </a:spcBef>
+              <a:spcAft>
+                <a:spcPts val="0"/>
+              </a:spcAft>
+              <a:buClrTx/>
+              <a:buSzTx/>
+              <a:buFontTx/>
+              <a:buNone/>
+              <a:tabLst/>
+              <a:defRPr/>
+            </a:pPr>
+            <a:r>
+              <a:rPr lang="en-US" baseline="0" dirty="0" smtClean="0"/>
+              <a:t>Improve health literacy, Advice on minimizing or coping with side effects</a:t>
+            </a:r>
+          </a:p>
+          <a:p>
+            <a:pPr marL="0" marR="0" indent="0" algn="l" defTabSz="457200" rtl="0" eaLnBrk="1" fontAlgn="auto" latinLnBrk="0" hangingPunct="1">
+              <a:lnSpc>
+                <a:spcPct val="100000"/>
+              </a:lnSpc>
+              <a:spcBef>
+                <a:spcPts val="0"/>
+              </a:spcBef>
+              <a:spcAft>
+                <a:spcPts val="0"/>
+              </a:spcAft>
+              <a:buClrTx/>
+              <a:buSzTx/>
+              <a:buFontTx/>
+              <a:buNone/>
+              <a:tabLst/>
+              <a:defRPr/>
+            </a:pPr>
+            <a:r>
+              <a:rPr lang="en-US" baseline="0" dirty="0" smtClean="0"/>
+              <a:t>Community support through social media</a:t>
+            </a:r>
+            <a:endParaRPr lang="en-US" dirty="0" smtClean="0"/>
+          </a:p>
+          <a:p>
+            <a:pPr marL="0" marR="0" indent="0" algn="l" defTabSz="457200" rtl="0" eaLnBrk="1" fontAlgn="auto" latinLnBrk="0" hangingPunct="1">
+              <a:lnSpc>
+                <a:spcPct val="100000"/>
+              </a:lnSpc>
+              <a:spcBef>
+                <a:spcPts val="0"/>
+              </a:spcBef>
+              <a:spcAft>
+                <a:spcPts val="0"/>
+              </a:spcAft>
+              <a:buClrTx/>
+              <a:buSzTx/>
+              <a:buFontTx/>
+              <a:buNone/>
+              <a:tabLst/>
+              <a:defRPr/>
+            </a:pPr>
+            <a:endParaRPr lang="en-US" dirty="0" smtClean="0"/>
+          </a:p>
+          <a:p>
+            <a:endParaRPr lang="en-US" dirty="0"/>
+          </a:p>
+        </p:txBody>
+      </p:sp>
+      <p:sp>
+        <p:nvSpPr>
+          <p:cNvPr id="4" name="Slide Number Placeholder 3"/>
+          <p:cNvSpPr>
+            <a:spLocks noGrp="1"/>
+          </p:cNvSpPr>
+          <p:nvPr>
+            <p:ph type="sldNum" sz="quarter" idx="10"/>
+          </p:nvPr>
+        </p:nvSpPr>
+        <p:spPr/>
+        <p:txBody>
+          <a:bodyPr/>
+          <a:lstStyle/>
+          <a:p>
+            <a:fld id="{830B366C-54C1-A24D-A2FD-3F67056A114B}" type="slidenum">
+              <a:rPr lang="en-US" smtClean="0"/>
+              <a:t>6</a:t>
+            </a:fld>
+            <a:endParaRPr lang="en-US"/>
+          </a:p>
+        </p:txBody>
+      </p:sp>
+    </p:spTree>
+    <p:extLst>
+      <p:ext uri="{BB962C8B-B14F-4D97-AF65-F5344CB8AC3E}">
+        <p14:creationId xmlns:p14="http://schemas.microsoft.com/office/powerpoint/2010/main" val="134204561"/>
+      </p:ext>
+    </p:extLst>
+  </p:cSld>
+  <p:clrMapOvr>
+    <a:masterClrMapping/>
+  </p:clrMapOvr>
+</p:notes>
+</file>
+
 <file path=ppt/slideLayouts/slideLayout1.xml><?xml version="1.0" encoding="utf-8"?>
 <p:sldLayout xmlns:a="http://schemas.openxmlformats.org/drawingml/2006/main" xmlns:r="http://schemas.openxmlformats.org/officeDocument/2006/relationships" xmlns:p="http://schemas.openxmlformats.org/presentationml/2006/main" type="title" preserve="1">
   <p:cSld name="Title Slide">
@@ -133,6 +1658,314 @@
       </p:grpSpPr>
       <p:sp>
         <p:nvSpPr>
+          <p:cNvPr id="10" name="Rounded Rectangle 9"/>
+          <p:cNvSpPr/>
+          <p:nvPr/>
+        </p:nvSpPr>
+        <p:spPr>
+          <a:xfrm rot="20707748">
+            <a:off x="-617539" y="-652551"/>
+            <a:ext cx="6664606" cy="3942692"/>
+          </a:xfrm>
+          <a:custGeom>
+            <a:avLst/>
+            <a:gdLst/>
+            <a:ahLst/>
+            <a:cxnLst/>
+            <a:rect l="l" t="t" r="r" b="b"/>
+            <a:pathLst>
+              <a:path w="6664606" h="3942692">
+                <a:moveTo>
+                  <a:pt x="1046923" y="0"/>
+                </a:moveTo>
+                <a:lnTo>
+                  <a:pt x="6664606" y="1491692"/>
+                </a:lnTo>
+                <a:lnTo>
+                  <a:pt x="6664606" y="3860602"/>
+                </a:lnTo>
+                <a:cubicBezTo>
+                  <a:pt x="6664606" y="3905939"/>
+                  <a:pt x="6627853" y="3942692"/>
+                  <a:pt x="6582516" y="3942692"/>
+                </a:cubicBezTo>
+                <a:lnTo>
+                  <a:pt x="0" y="3942692"/>
+                </a:lnTo>
+                <a:close/>
+              </a:path>
+            </a:pathLst>
+          </a:custGeom>
+          <a:solidFill>
+            <a:schemeClr val="bg1">
+              <a:alpha val="25000"/>
+            </a:schemeClr>
+          </a:solidFill>
+          <a:ln>
+            <a:noFill/>
+          </a:ln>
+          <a:effectLst/>
+        </p:spPr>
+        <p:style>
+          <a:lnRef idx="2">
+            <a:schemeClr val="accent1">
+              <a:shade val="50000"/>
+            </a:schemeClr>
+          </a:lnRef>
+          <a:fillRef idx="1">
+            <a:schemeClr val="accent1"/>
+          </a:fillRef>
+          <a:effectRef idx="0">
+            <a:schemeClr val="accent1"/>
+          </a:effectRef>
+          <a:fontRef idx="minor">
+            <a:schemeClr val="lt1"/>
+          </a:fontRef>
+        </p:style>
+        <p:txBody>
+          <a:bodyPr rtlCol="0" anchor="ctr"/>
+          <a:lstStyle/>
+          <a:p>
+            <a:pPr algn="ctr"/>
+            <a:endParaRPr lang="en-US"/>
+          </a:p>
+        </p:txBody>
+      </p:sp>
+      <p:sp>
+        <p:nvSpPr>
+          <p:cNvPr id="12" name="Rounded Rectangle 11"/>
+          <p:cNvSpPr/>
+          <p:nvPr/>
+        </p:nvSpPr>
+        <p:spPr>
+          <a:xfrm rot="20707748">
+            <a:off x="6168153" y="-441831"/>
+            <a:ext cx="3126510" cy="2426476"/>
+          </a:xfrm>
+          <a:custGeom>
+            <a:avLst/>
+            <a:gdLst/>
+            <a:ahLst/>
+            <a:cxnLst/>
+            <a:rect l="l" t="t" r="r" b="b"/>
+            <a:pathLst>
+              <a:path w="3126510" h="2426476">
+                <a:moveTo>
+                  <a:pt x="0" y="0"/>
+                </a:moveTo>
+                <a:lnTo>
+                  <a:pt x="3126510" y="830198"/>
+                </a:lnTo>
+                <a:lnTo>
+                  <a:pt x="2702642" y="2426476"/>
+                </a:lnTo>
+                <a:lnTo>
+                  <a:pt x="82091" y="2426476"/>
+                </a:lnTo>
+                <a:cubicBezTo>
+                  <a:pt x="36754" y="2426475"/>
+                  <a:pt x="1" y="2389722"/>
+                  <a:pt x="1" y="2344385"/>
+                </a:cubicBezTo>
+                <a:close/>
+              </a:path>
+            </a:pathLst>
+          </a:custGeom>
+          <a:solidFill>
+            <a:schemeClr val="bg1">
+              <a:alpha val="35000"/>
+            </a:schemeClr>
+          </a:solidFill>
+          <a:ln>
+            <a:noFill/>
+          </a:ln>
+          <a:effectLst/>
+        </p:spPr>
+        <p:style>
+          <a:lnRef idx="2">
+            <a:schemeClr val="accent1">
+              <a:shade val="50000"/>
+            </a:schemeClr>
+          </a:lnRef>
+          <a:fillRef idx="1">
+            <a:schemeClr val="accent1"/>
+          </a:fillRef>
+          <a:effectRef idx="0">
+            <a:schemeClr val="accent1"/>
+          </a:effectRef>
+          <a:fontRef idx="minor">
+            <a:schemeClr val="lt1"/>
+          </a:fontRef>
+        </p:style>
+        <p:txBody>
+          <a:bodyPr rtlCol="0" anchor="ctr"/>
+          <a:lstStyle/>
+          <a:p>
+            <a:pPr algn="ctr"/>
+            <a:endParaRPr lang="en-US"/>
+          </a:p>
+        </p:txBody>
+      </p:sp>
+      <p:sp>
+        <p:nvSpPr>
+          <p:cNvPr id="11" name="Rounded Rectangle 10"/>
+          <p:cNvSpPr/>
+          <p:nvPr/>
+        </p:nvSpPr>
+        <p:spPr>
+          <a:xfrm rot="20707748">
+            <a:off x="7144098" y="2001564"/>
+            <a:ext cx="2679455" cy="4946037"/>
+          </a:xfrm>
+          <a:custGeom>
+            <a:avLst/>
+            <a:gdLst/>
+            <a:ahLst/>
+            <a:cxnLst/>
+            <a:rect l="l" t="t" r="r" b="b"/>
+            <a:pathLst>
+              <a:path w="2679455" h="4946037">
+                <a:moveTo>
+                  <a:pt x="2679455" y="0"/>
+                </a:moveTo>
+                <a:lnTo>
+                  <a:pt x="1366108" y="4946037"/>
+                </a:lnTo>
+                <a:lnTo>
+                  <a:pt x="0" y="4583288"/>
+                </a:lnTo>
+                <a:lnTo>
+                  <a:pt x="0" y="82090"/>
+                </a:lnTo>
+                <a:cubicBezTo>
+                  <a:pt x="0" y="36753"/>
+                  <a:pt x="36753" y="0"/>
+                  <a:pt x="82090" y="0"/>
+                </a:cubicBezTo>
+                <a:close/>
+              </a:path>
+            </a:pathLst>
+          </a:custGeom>
+          <a:solidFill>
+            <a:schemeClr val="bg1">
+              <a:alpha val="50000"/>
+            </a:schemeClr>
+          </a:solidFill>
+          <a:ln>
+            <a:noFill/>
+          </a:ln>
+          <a:effectLst/>
+        </p:spPr>
+        <p:style>
+          <a:lnRef idx="2">
+            <a:schemeClr val="accent1">
+              <a:shade val="50000"/>
+            </a:schemeClr>
+          </a:lnRef>
+          <a:fillRef idx="1">
+            <a:schemeClr val="accent1"/>
+          </a:fillRef>
+          <a:effectRef idx="0">
+            <a:schemeClr val="accent1"/>
+          </a:effectRef>
+          <a:fontRef idx="minor">
+            <a:schemeClr val="lt1"/>
+          </a:fontRef>
+        </p:style>
+        <p:txBody>
+          <a:bodyPr rtlCol="0" anchor="ctr"/>
+          <a:lstStyle/>
+          <a:p>
+            <a:pPr algn="ctr"/>
+            <a:endParaRPr lang="en-US"/>
+          </a:p>
+        </p:txBody>
+      </p:sp>
+      <p:sp>
+        <p:nvSpPr>
+          <p:cNvPr id="9" name="Rounded Rectangle 8"/>
+          <p:cNvSpPr/>
+          <p:nvPr/>
+        </p:nvSpPr>
+        <p:spPr>
+          <a:xfrm rot="20707748">
+            <a:off x="-205621" y="3323292"/>
+            <a:ext cx="7378073" cy="4557796"/>
+          </a:xfrm>
+          <a:custGeom>
+            <a:avLst/>
+            <a:gdLst/>
+            <a:ahLst/>
+            <a:cxnLst/>
+            <a:rect l="l" t="t" r="r" b="b"/>
+            <a:pathLst>
+              <a:path w="7378073" h="4557796">
+                <a:moveTo>
+                  <a:pt x="7327936" y="6451"/>
+                </a:moveTo>
+                <a:cubicBezTo>
+                  <a:pt x="7357400" y="18913"/>
+                  <a:pt x="7378073" y="48087"/>
+                  <a:pt x="7378073" y="82090"/>
+                </a:cubicBezTo>
+                <a:lnTo>
+                  <a:pt x="7378073" y="4557796"/>
+                </a:lnTo>
+                <a:lnTo>
+                  <a:pt x="0" y="2598658"/>
+                </a:lnTo>
+                <a:lnTo>
+                  <a:pt x="690034" y="0"/>
+                </a:lnTo>
+                <a:lnTo>
+                  <a:pt x="7295983" y="0"/>
+                </a:lnTo>
+                <a:cubicBezTo>
+                  <a:pt x="7307317" y="0"/>
+                  <a:pt x="7318115" y="2297"/>
+                  <a:pt x="7327936" y="6451"/>
+                </a:cubicBezTo>
+                <a:close/>
+              </a:path>
+            </a:pathLst>
+          </a:custGeom>
+          <a:solidFill>
+            <a:schemeClr val="bg1">
+              <a:alpha val="70000"/>
+            </a:schemeClr>
+          </a:solidFill>
+          <a:ln>
+            <a:noFill/>
+          </a:ln>
+          <a:effectLst/>
+        </p:spPr>
+        <p:style>
+          <a:lnRef idx="2">
+            <a:schemeClr val="accent1">
+              <a:shade val="50000"/>
+            </a:schemeClr>
+          </a:lnRef>
+          <a:fillRef idx="1">
+            <a:schemeClr val="accent1"/>
+          </a:fillRef>
+          <a:effectRef idx="0">
+            <a:schemeClr val="accent1"/>
+          </a:effectRef>
+          <a:fontRef idx="minor">
+            <a:schemeClr val="lt1"/>
+          </a:fontRef>
+        </p:style>
+        <p:txBody>
+          <a:bodyPr rtlCol="0" anchor="ctr"/>
+          <a:lstStyle/>
+          <a:p>
+            <a:pPr algn="ctr"/>
+            <a:endParaRPr lang="en-US"/>
+          </a:p>
+        </p:txBody>
+      </p:sp>
+      <p:sp>
+        <p:nvSpPr>
           <p:cNvPr id="2" name="Title 1"/>
           <p:cNvSpPr>
             <a:spLocks noGrp="1"/>
@@ -142,20 +1975,33 @@
           </p:nvPr>
         </p:nvSpPr>
         <p:spPr>
-          <a:xfrm>
-            <a:off x="685800" y="2130425"/>
-            <a:ext cx="7772400" cy="1470025"/>
-          </a:xfrm>
-        </p:spPr>
-        <p:txBody>
-          <a:bodyPr/>
-          <a:lstStyle/>
+          <a:xfrm rot="-900000">
+            <a:off x="547834" y="3632676"/>
+            <a:ext cx="5985159" cy="1606102"/>
+          </a:xfrm>
+        </p:spPr>
+        <p:txBody>
+          <a:bodyPr>
+            <a:normAutofit/>
+          </a:bodyPr>
+          <a:lstStyle>
+            <a:lvl1pPr>
+              <a:lnSpc>
+                <a:spcPts val="6000"/>
+              </a:lnSpc>
+              <a:defRPr sz="6000">
+                <a:solidFill>
+                  <a:schemeClr val="tx1"/>
+                </a:solidFill>
+              </a:defRPr>
+            </a:lvl1pPr>
+          </a:lstStyle>
           <a:p>
             <a:r>
               <a:rPr lang="en-GB" smtClean="0"/>
               <a:t>Click to edit Master title style</a:t>
             </a:r>
-            <a:endParaRPr lang="en-US"/>
+            <a:endParaRPr lang="en-US" dirty="0"/>
           </a:p>
         </p:txBody>
       </p:sp>
@@ -170,21 +2016,21 @@
           </p:nvPr>
         </p:nvSpPr>
         <p:spPr>
-          <a:xfrm>
-            <a:off x="1371600" y="3886200"/>
-            <a:ext cx="6400800" cy="1752600"/>
-          </a:xfrm>
-        </p:spPr>
-        <p:txBody>
-          <a:bodyPr/>
+          <a:xfrm rot="-900000">
+            <a:off x="2201145" y="5027230"/>
+            <a:ext cx="4655297" cy="1128495"/>
+          </a:xfrm>
+        </p:spPr>
+        <p:txBody>
+          <a:bodyPr>
+            <a:normAutofit/>
+          </a:bodyPr>
           <a:lstStyle>
-            <a:lvl1pPr marL="0" indent="0" algn="ctr">
-              <a:buNone/>
-              <a:defRPr>
+            <a:lvl1pPr marL="0" indent="0" algn="r">
+              <a:buNone/>
+              <a:defRPr sz="2400">
                 <a:solidFill>
-                  <a:schemeClr val="tx1">
-                    <a:tint val="75000"/>
-                  </a:schemeClr>
+                  <a:schemeClr val="tx1"/>
                 </a:solidFill>
               </a:defRPr>
             </a:lvl1pPr>
@@ -274,7 +2120,7 @@
               <a:rPr lang="en-GB" smtClean="0"/>
               <a:t>Click to edit Master subtitle style</a:t>
             </a:r>
-            <a:endParaRPr lang="en-US"/>
+            <a:endParaRPr lang="en-US" dirty="0"/>
           </a:p>
         </p:txBody>
       </p:sp>
@@ -288,10 +2134,23 @@
             <p:ph type="dt" sz="half" idx="10"/>
           </p:nvPr>
         </p:nvSpPr>
-        <p:spPr/>
+        <p:spPr>
+          <a:xfrm rot="-900000">
+            <a:off x="6741465" y="2313285"/>
+            <a:ext cx="1524000" cy="365125"/>
+          </a:xfrm>
+        </p:spPr>
         <p:txBody>
           <a:bodyPr/>
-          <a:lstStyle/>
+          <a:lstStyle>
+            <a:lvl1pPr algn="l">
+              <a:defRPr sz="1800">
+                <a:solidFill>
+                  <a:schemeClr val="tx1"/>
+                </a:solidFill>
+              </a:defRPr>
+            </a:lvl1pPr>
+          </a:lstStyle>
           <a:p>
             <a:fld id="{94F16D5C-FFC8-6947-AF52-971D5C15A401}" type="datetimeFigureOut">
               <a:rPr lang="en-US" smtClean="0"/>
@@ -311,10 +2170,23 @@
             <p:ph type="ftr" sz="quarter" idx="11"/>
           </p:nvPr>
         </p:nvSpPr>
-        <p:spPr/>
+        <p:spPr>
+          <a:xfrm rot="-900000">
+            <a:off x="6551292" y="1528629"/>
+            <a:ext cx="2465987" cy="365125"/>
+          </a:xfrm>
+        </p:spPr>
         <p:txBody>
           <a:bodyPr/>
-          <a:lstStyle/>
+          <a:lstStyle>
+            <a:lvl1pPr>
+              <a:defRPr>
+                <a:solidFill>
+                  <a:schemeClr val="tx1"/>
+                </a:solidFill>
+              </a:defRPr>
+            </a:lvl1pPr>
+          </a:lstStyle>
           <a:p>
             <a:endParaRPr lang="en-US"/>
           </a:p>
@@ -330,12 +2202,25 @@
             <p:ph type="sldNum" sz="quarter" idx="12"/>
           </p:nvPr>
         </p:nvSpPr>
-        <p:spPr/>
-        <p:txBody>
-          <a:bodyPr/>
-          <a:lstStyle/>
-          <a:p>
-            <a:fld id="{72EA7C06-E324-374B-A144-94DC9B661D44}" type="slidenum">
+        <p:spPr>
+          <a:xfrm rot="-900000">
+            <a:off x="6451719" y="1162062"/>
+            <a:ext cx="2133600" cy="421038"/>
+          </a:xfrm>
+        </p:spPr>
+        <p:txBody>
+          <a:bodyPr anchor="ctr"/>
+          <a:lstStyle>
+            <a:lvl1pPr algn="l">
+              <a:defRPr sz="2400">
+                <a:solidFill>
+                  <a:schemeClr val="tx1"/>
+                </a:solidFill>
+              </a:defRPr>
+            </a:lvl1pPr>
+          </a:lstStyle>
+          <a:p>
+            <a:fld id="{2D57B0AA-AC8E-4463-ADAC-E87D09B82E4F}" type="slidenum">
               <a:rPr lang="en-US" smtClean="0"/>
               <a:t>‹#›</a:t>
             </a:fld>
@@ -344,15 +2229,18 @@
         </p:txBody>
       </p:sp>
     </p:spTree>
-    <p:extLst>
-      <p:ext uri="{BB962C8B-B14F-4D97-AF65-F5344CB8AC3E}">
-        <p14:creationId xmlns:p14="http://schemas.microsoft.com/office/powerpoint/2010/main" val="3690183359"/>
-      </p:ext>
-    </p:extLst>
   </p:cSld>
   <p:clrMapOvr>
     <a:masterClrMapping/>
   </p:clrMapOvr>
+  <p:transition xmlns:p14="http://schemas.microsoft.com/office/powerpoint/2010/main"/>
+  <p:timing>
+    <p:tnLst>
+      <p:par>
+        <p:cTn xmlns:p14="http://schemas.microsoft.com/office/powerpoint/2010/main" id="1" dur="indefinite" restart="never" nodeType="tmRoot"/>
+      </p:par>
+    </p:tnLst>
+  </p:timing>
 </p:sldLayout>
 </file>
 
@@ -375,6 +2263,314 @@
       </p:grpSpPr>
       <p:sp>
         <p:nvSpPr>
+          <p:cNvPr id="12" name="Rounded Rectangle 11"/>
+          <p:cNvSpPr/>
+          <p:nvPr/>
+        </p:nvSpPr>
+        <p:spPr>
+          <a:xfrm rot="20707748">
+            <a:off x="-895918" y="-766298"/>
+            <a:ext cx="8332816" cy="5894380"/>
+          </a:xfrm>
+          <a:custGeom>
+            <a:avLst/>
+            <a:gdLst/>
+            <a:ahLst/>
+            <a:cxnLst/>
+            <a:rect l="l" t="t" r="r" b="b"/>
+            <a:pathLst>
+              <a:path w="8332816" h="5894380">
+                <a:moveTo>
+                  <a:pt x="1565164" y="0"/>
+                </a:moveTo>
+                <a:lnTo>
+                  <a:pt x="8332816" y="1797049"/>
+                </a:lnTo>
+                <a:lnTo>
+                  <a:pt x="8332816" y="5812290"/>
+                </a:lnTo>
+                <a:cubicBezTo>
+                  <a:pt x="8332816" y="5857627"/>
+                  <a:pt x="8296063" y="5894380"/>
+                  <a:pt x="8250726" y="5894380"/>
+                </a:cubicBezTo>
+                <a:lnTo>
+                  <a:pt x="0" y="5894380"/>
+                </a:lnTo>
+                <a:close/>
+              </a:path>
+            </a:pathLst>
+          </a:custGeom>
+          <a:solidFill>
+            <a:schemeClr val="bg1">
+              <a:alpha val="50000"/>
+            </a:schemeClr>
+          </a:solidFill>
+          <a:ln>
+            <a:noFill/>
+          </a:ln>
+          <a:effectLst/>
+        </p:spPr>
+        <p:style>
+          <a:lnRef idx="2">
+            <a:schemeClr val="accent1">
+              <a:shade val="50000"/>
+            </a:schemeClr>
+          </a:lnRef>
+          <a:fillRef idx="1">
+            <a:schemeClr val="accent1"/>
+          </a:fillRef>
+          <a:effectRef idx="0">
+            <a:schemeClr val="accent1"/>
+          </a:effectRef>
+          <a:fontRef idx="minor">
+            <a:schemeClr val="lt1"/>
+          </a:fontRef>
+        </p:style>
+        <p:txBody>
+          <a:bodyPr rtlCol="0" anchor="ctr"/>
+          <a:lstStyle/>
+          <a:p>
+            <a:pPr algn="ctr"/>
+            <a:endParaRPr lang="en-US"/>
+          </a:p>
+        </p:txBody>
+      </p:sp>
+      <p:sp>
+        <p:nvSpPr>
+          <p:cNvPr id="13" name="Rounded Rectangle 12"/>
+          <p:cNvSpPr/>
+          <p:nvPr/>
+        </p:nvSpPr>
+        <p:spPr>
+          <a:xfrm rot="20707748">
+            <a:off x="64746" y="5089618"/>
+            <a:ext cx="8528044" cy="2911464"/>
+          </a:xfrm>
+          <a:custGeom>
+            <a:avLst/>
+            <a:gdLst/>
+            <a:ahLst/>
+            <a:cxnLst/>
+            <a:rect l="l" t="t" r="r" b="b"/>
+            <a:pathLst>
+              <a:path w="8528044" h="2911464">
+                <a:moveTo>
+                  <a:pt x="8477907" y="6451"/>
+                </a:moveTo>
+                <a:cubicBezTo>
+                  <a:pt x="8507371" y="18913"/>
+                  <a:pt x="8528044" y="48087"/>
+                  <a:pt x="8528044" y="82090"/>
+                </a:cubicBezTo>
+                <a:lnTo>
+                  <a:pt x="8528044" y="2911464"/>
+                </a:lnTo>
+                <a:lnTo>
+                  <a:pt x="0" y="646970"/>
+                </a:lnTo>
+                <a:lnTo>
+                  <a:pt x="171794" y="0"/>
+                </a:lnTo>
+                <a:lnTo>
+                  <a:pt x="8445954" y="0"/>
+                </a:lnTo>
+                <a:cubicBezTo>
+                  <a:pt x="8457288" y="0"/>
+                  <a:pt x="8468086" y="2297"/>
+                  <a:pt x="8477907" y="6451"/>
+                </a:cubicBezTo>
+                <a:close/>
+              </a:path>
+            </a:pathLst>
+          </a:custGeom>
+          <a:solidFill>
+            <a:schemeClr val="bg1">
+              <a:alpha val="70000"/>
+            </a:schemeClr>
+          </a:solidFill>
+          <a:ln>
+            <a:noFill/>
+          </a:ln>
+          <a:effectLst/>
+        </p:spPr>
+        <p:style>
+          <a:lnRef idx="2">
+            <a:schemeClr val="accent1">
+              <a:shade val="50000"/>
+            </a:schemeClr>
+          </a:lnRef>
+          <a:fillRef idx="1">
+            <a:schemeClr val="accent1"/>
+          </a:fillRef>
+          <a:effectRef idx="0">
+            <a:schemeClr val="accent1"/>
+          </a:effectRef>
+          <a:fontRef idx="minor">
+            <a:schemeClr val="lt1"/>
+          </a:fontRef>
+        </p:style>
+        <p:txBody>
+          <a:bodyPr rtlCol="0" anchor="ctr"/>
+          <a:lstStyle/>
+          <a:p>
+            <a:pPr algn="ctr"/>
+            <a:endParaRPr lang="en-US"/>
+          </a:p>
+        </p:txBody>
+      </p:sp>
+      <p:sp>
+        <p:nvSpPr>
+          <p:cNvPr id="14" name="Rounded Rectangle 13"/>
+          <p:cNvSpPr/>
+          <p:nvPr/>
+        </p:nvSpPr>
+        <p:spPr>
+          <a:xfrm rot="20707748">
+            <a:off x="8533928" y="3839503"/>
+            <a:ext cx="1011244" cy="2994350"/>
+          </a:xfrm>
+          <a:custGeom>
+            <a:avLst/>
+            <a:gdLst/>
+            <a:ahLst/>
+            <a:cxnLst/>
+            <a:rect l="l" t="t" r="r" b="b"/>
+            <a:pathLst>
+              <a:path w="1011244" h="2994350">
+                <a:moveTo>
+                  <a:pt x="1011244" y="0"/>
+                </a:moveTo>
+                <a:lnTo>
+                  <a:pt x="216140" y="2994350"/>
+                </a:lnTo>
+                <a:lnTo>
+                  <a:pt x="0" y="2936957"/>
+                </a:lnTo>
+                <a:lnTo>
+                  <a:pt x="0" y="82090"/>
+                </a:lnTo>
+                <a:cubicBezTo>
+                  <a:pt x="0" y="36753"/>
+                  <a:pt x="36753" y="0"/>
+                  <a:pt x="82090" y="0"/>
+                </a:cubicBezTo>
+                <a:close/>
+              </a:path>
+            </a:pathLst>
+          </a:custGeom>
+          <a:solidFill>
+            <a:schemeClr val="bg1">
+              <a:alpha val="20000"/>
+            </a:schemeClr>
+          </a:solidFill>
+          <a:ln>
+            <a:noFill/>
+          </a:ln>
+          <a:effectLst/>
+        </p:spPr>
+        <p:style>
+          <a:lnRef idx="2">
+            <a:schemeClr val="accent1">
+              <a:shade val="50000"/>
+            </a:schemeClr>
+          </a:lnRef>
+          <a:fillRef idx="1">
+            <a:schemeClr val="accent1"/>
+          </a:fillRef>
+          <a:effectRef idx="0">
+            <a:schemeClr val="accent1"/>
+          </a:effectRef>
+          <a:fontRef idx="minor">
+            <a:schemeClr val="lt1"/>
+          </a:fontRef>
+        </p:style>
+        <p:txBody>
+          <a:bodyPr rtlCol="0" anchor="ctr"/>
+          <a:lstStyle/>
+          <a:p>
+            <a:pPr algn="ctr"/>
+            <a:endParaRPr lang="en-US"/>
+          </a:p>
+        </p:txBody>
+      </p:sp>
+      <p:sp>
+        <p:nvSpPr>
+          <p:cNvPr id="15" name="Rounded Rectangle 14"/>
+          <p:cNvSpPr/>
+          <p:nvPr/>
+        </p:nvSpPr>
+        <p:spPr>
+          <a:xfrm rot="20707748">
+            <a:off x="7588490" y="-321837"/>
+            <a:ext cx="1976541" cy="4072806"/>
+          </a:xfrm>
+          <a:custGeom>
+            <a:avLst/>
+            <a:gdLst/>
+            <a:ahLst/>
+            <a:cxnLst/>
+            <a:rect l="l" t="t" r="r" b="b"/>
+            <a:pathLst>
+              <a:path w="1976541" h="4072806">
+                <a:moveTo>
+                  <a:pt x="0" y="0"/>
+                </a:moveTo>
+                <a:lnTo>
+                  <a:pt x="1976541" y="524841"/>
+                </a:lnTo>
+                <a:lnTo>
+                  <a:pt x="1034432" y="4072806"/>
+                </a:lnTo>
+                <a:lnTo>
+                  <a:pt x="82090" y="4072806"/>
+                </a:lnTo>
+                <a:cubicBezTo>
+                  <a:pt x="36753" y="4072806"/>
+                  <a:pt x="0" y="4036053"/>
+                  <a:pt x="0" y="3990716"/>
+                </a:cubicBezTo>
+                <a:close/>
+              </a:path>
+            </a:pathLst>
+          </a:custGeom>
+          <a:solidFill>
+            <a:schemeClr val="bg1">
+              <a:alpha val="35000"/>
+            </a:schemeClr>
+          </a:solidFill>
+          <a:ln>
+            <a:noFill/>
+          </a:ln>
+          <a:effectLst/>
+        </p:spPr>
+        <p:style>
+          <a:lnRef idx="2">
+            <a:schemeClr val="accent1">
+              <a:shade val="50000"/>
+            </a:schemeClr>
+          </a:lnRef>
+          <a:fillRef idx="1">
+            <a:schemeClr val="accent1"/>
+          </a:fillRef>
+          <a:effectRef idx="0">
+            <a:schemeClr val="accent1"/>
+          </a:effectRef>
+          <a:fontRef idx="minor">
+            <a:schemeClr val="lt1"/>
+          </a:fontRef>
+        </p:style>
+        <p:txBody>
+          <a:bodyPr rtlCol="0" anchor="ctr"/>
+          <a:lstStyle/>
+          <a:p>
+            <a:pPr algn="ctr"/>
+            <a:endParaRPr lang="en-US"/>
+          </a:p>
+        </p:txBody>
+      </p:sp>
+      <p:sp>
+        <p:nvSpPr>
           <p:cNvPr id="2" name="Title 1"/>
           <p:cNvSpPr>
             <a:spLocks noGrp="1"/>
@@ -383,9 +2579,14 @@
             <p:ph type="title"/>
           </p:nvPr>
         </p:nvSpPr>
-        <p:spPr/>
-        <p:txBody>
-          <a:bodyPr/>
+        <p:spPr>
+          <a:xfrm rot="-900000">
+            <a:off x="3183882" y="4760430"/>
+            <a:ext cx="5004753" cy="1299542"/>
+          </a:xfrm>
+        </p:spPr>
+        <p:txBody>
+          <a:bodyPr anchor="t"/>
           <a:lstStyle/>
           <a:p>
             <a:r>
@@ -406,7 +2607,12 @@
             <p:ph type="body" orient="vert" idx="1"/>
           </p:nvPr>
         </p:nvSpPr>
-        <p:spPr/>
+        <p:spPr>
+          <a:xfrm rot="-900000">
+            <a:off x="781854" y="984581"/>
+            <a:ext cx="6581279" cy="3604759"/>
+          </a:xfrm>
+        </p:spPr>
         <p:txBody>
           <a:bodyPr vert="eaVert"/>
           <a:lstStyle/>
@@ -458,7 +2664,12 @@
             <p:ph type="dt" sz="half" idx="10"/>
           </p:nvPr>
         </p:nvSpPr>
-        <p:spPr/>
+        <p:spPr>
+          <a:xfrm rot="-900000">
+            <a:off x="6996405" y="6238502"/>
+            <a:ext cx="1524000" cy="365125"/>
+          </a:xfrm>
+        </p:spPr>
         <p:txBody>
           <a:bodyPr/>
           <a:lstStyle/>
@@ -481,10 +2692,19 @@
             <p:ph type="ftr" sz="quarter" idx="11"/>
           </p:nvPr>
         </p:nvSpPr>
-        <p:spPr/>
+        <p:spPr>
+          <a:xfrm rot="-900000">
+            <a:off x="5321849" y="6094794"/>
+            <a:ext cx="3124200" cy="365125"/>
+          </a:xfrm>
+        </p:spPr>
         <p:txBody>
           <a:bodyPr/>
-          <a:lstStyle/>
+          <a:lstStyle>
+            <a:lvl1pPr algn="r">
+              <a:defRPr/>
+            </a:lvl1pPr>
+          </a:lstStyle>
           <a:p>
             <a:endParaRPr lang="en-US"/>
           </a:p>
@@ -500,10 +2720,19 @@
             <p:ph type="sldNum" sz="quarter" idx="12"/>
           </p:nvPr>
         </p:nvSpPr>
-        <p:spPr/>
+        <p:spPr>
+          <a:xfrm rot="-900000">
+            <a:off x="8182730" y="3246937"/>
+            <a:ext cx="907445" cy="365125"/>
+          </a:xfrm>
+        </p:spPr>
         <p:txBody>
           <a:bodyPr/>
-          <a:lstStyle/>
+          <a:lstStyle>
+            <a:lvl1pPr algn="l">
+              <a:defRPr/>
+            </a:lvl1pPr>
+          </a:lstStyle>
           <a:p>
             <a:fld id="{72EA7C06-E324-374B-A144-94DC9B661D44}" type="slidenum">
               <a:rPr lang="en-US" smtClean="0"/>
@@ -514,15 +2743,18 @@
         </p:txBody>
       </p:sp>
     </p:spTree>
-    <p:extLst>
-      <p:ext uri="{BB962C8B-B14F-4D97-AF65-F5344CB8AC3E}">
-        <p14:creationId xmlns:p14="http://schemas.microsoft.com/office/powerpoint/2010/main" val="3297369443"/>
-      </p:ext>
-    </p:extLst>
   </p:cSld>
   <p:clrMapOvr>
     <a:masterClrMapping/>
   </p:clrMapOvr>
+  <p:transition xmlns:p14="http://schemas.microsoft.com/office/powerpoint/2010/main"/>
+  <p:timing>
+    <p:tnLst>
+      <p:par>
+        <p:cTn xmlns:p14="http://schemas.microsoft.com/office/powerpoint/2010/main" id="1" dur="indefinite" restart="never" nodeType="tmRoot"/>
+      </p:par>
+    </p:tnLst>
+  </p:timing>
 </p:sldLayout>
 </file>
 
@@ -545,6 +2777,314 @@
       </p:grpSpPr>
       <p:sp>
         <p:nvSpPr>
+          <p:cNvPr id="12" name="Rounded Rectangle 11"/>
+          <p:cNvSpPr/>
+          <p:nvPr/>
+        </p:nvSpPr>
+        <p:spPr>
+          <a:xfrm rot="20707748">
+            <a:off x="-882907" y="-626065"/>
+            <a:ext cx="7440156" cy="7347127"/>
+          </a:xfrm>
+          <a:custGeom>
+            <a:avLst/>
+            <a:gdLst/>
+            <a:ahLst/>
+            <a:cxnLst/>
+            <a:rect l="l" t="t" r="r" b="b"/>
+            <a:pathLst>
+              <a:path w="7440156" h="7347127">
+                <a:moveTo>
+                  <a:pt x="1760047" y="0"/>
+                </a:moveTo>
+                <a:lnTo>
+                  <a:pt x="7440156" y="1508269"/>
+                </a:lnTo>
+                <a:lnTo>
+                  <a:pt x="7440156" y="7265037"/>
+                </a:lnTo>
+                <a:cubicBezTo>
+                  <a:pt x="7440156" y="7310374"/>
+                  <a:pt x="7403403" y="7347127"/>
+                  <a:pt x="7358066" y="7347127"/>
+                </a:cubicBezTo>
+                <a:lnTo>
+                  <a:pt x="2707078" y="7347127"/>
+                </a:lnTo>
+                <a:lnTo>
+                  <a:pt x="0" y="6628304"/>
+                </a:lnTo>
+                <a:close/>
+              </a:path>
+            </a:pathLst>
+          </a:custGeom>
+          <a:solidFill>
+            <a:schemeClr val="bg1">
+              <a:alpha val="50000"/>
+            </a:schemeClr>
+          </a:solidFill>
+          <a:ln>
+            <a:noFill/>
+          </a:ln>
+          <a:effectLst/>
+        </p:spPr>
+        <p:style>
+          <a:lnRef idx="2">
+            <a:schemeClr val="accent1">
+              <a:shade val="50000"/>
+            </a:schemeClr>
+          </a:lnRef>
+          <a:fillRef idx="1">
+            <a:schemeClr val="accent1"/>
+          </a:fillRef>
+          <a:effectRef idx="0">
+            <a:schemeClr val="accent1"/>
+          </a:effectRef>
+          <a:fontRef idx="minor">
+            <a:schemeClr val="lt1"/>
+          </a:fontRef>
+        </p:style>
+        <p:txBody>
+          <a:bodyPr rtlCol="0" anchor="ctr"/>
+          <a:lstStyle/>
+          <a:p>
+            <a:pPr algn="ctr"/>
+            <a:endParaRPr lang="en-US"/>
+          </a:p>
+        </p:txBody>
+      </p:sp>
+      <p:sp>
+        <p:nvSpPr>
+          <p:cNvPr id="13" name="Rounded Rectangle 12"/>
+          <p:cNvSpPr/>
+          <p:nvPr/>
+        </p:nvSpPr>
+        <p:spPr>
+          <a:xfrm rot="20707748">
+            <a:off x="3227235" y="6274264"/>
+            <a:ext cx="4396677" cy="1167472"/>
+          </a:xfrm>
+          <a:custGeom>
+            <a:avLst/>
+            <a:gdLst/>
+            <a:ahLst/>
+            <a:cxnLst/>
+            <a:rect l="l" t="t" r="r" b="b"/>
+            <a:pathLst>
+              <a:path w="4396677" h="1167472">
+                <a:moveTo>
+                  <a:pt x="4346539" y="6451"/>
+                </a:moveTo>
+                <a:cubicBezTo>
+                  <a:pt x="4376003" y="18913"/>
+                  <a:pt x="4396677" y="48087"/>
+                  <a:pt x="4396677" y="82090"/>
+                </a:cubicBezTo>
+                <a:lnTo>
+                  <a:pt x="4396677" y="1167472"/>
+                </a:lnTo>
+                <a:lnTo>
+                  <a:pt x="0" y="0"/>
+                </a:lnTo>
+                <a:lnTo>
+                  <a:pt x="4314586" y="0"/>
+                </a:lnTo>
+                <a:cubicBezTo>
+                  <a:pt x="4325920" y="0"/>
+                  <a:pt x="4336718" y="2297"/>
+                  <a:pt x="4346539" y="6451"/>
+                </a:cubicBezTo>
+                <a:close/>
+              </a:path>
+            </a:pathLst>
+          </a:custGeom>
+          <a:solidFill>
+            <a:schemeClr val="bg1">
+              <a:alpha val="35000"/>
+            </a:schemeClr>
+          </a:solidFill>
+          <a:ln>
+            <a:noFill/>
+          </a:ln>
+          <a:effectLst/>
+        </p:spPr>
+        <p:style>
+          <a:lnRef idx="2">
+            <a:schemeClr val="accent1">
+              <a:shade val="50000"/>
+            </a:schemeClr>
+          </a:lnRef>
+          <a:fillRef idx="1">
+            <a:schemeClr val="accent1"/>
+          </a:fillRef>
+          <a:effectRef idx="0">
+            <a:schemeClr val="accent1"/>
+          </a:effectRef>
+          <a:fontRef idx="minor">
+            <a:schemeClr val="lt1"/>
+          </a:fontRef>
+        </p:style>
+        <p:txBody>
+          <a:bodyPr rtlCol="0" anchor="ctr"/>
+          <a:lstStyle/>
+          <a:p>
+            <a:pPr algn="ctr"/>
+            <a:endParaRPr lang="en-US"/>
+          </a:p>
+        </p:txBody>
+      </p:sp>
+      <p:sp>
+        <p:nvSpPr>
+          <p:cNvPr id="14" name="Rounded Rectangle 13"/>
+          <p:cNvSpPr/>
+          <p:nvPr/>
+        </p:nvSpPr>
+        <p:spPr>
+          <a:xfrm rot="20707748">
+            <a:off x="7659524" y="5459724"/>
+            <a:ext cx="1710569" cy="1538689"/>
+          </a:xfrm>
+          <a:custGeom>
+            <a:avLst/>
+            <a:gdLst/>
+            <a:ahLst/>
+            <a:cxnLst/>
+            <a:rect l="l" t="t" r="r" b="b"/>
+            <a:pathLst>
+              <a:path w="1710569" h="1538689">
+                <a:moveTo>
+                  <a:pt x="1710569" y="1"/>
+                </a:moveTo>
+                <a:lnTo>
+                  <a:pt x="1301993" y="1538689"/>
+                </a:lnTo>
+                <a:lnTo>
+                  <a:pt x="0" y="1192965"/>
+                </a:lnTo>
+                <a:lnTo>
+                  <a:pt x="0" y="82090"/>
+                </a:lnTo>
+                <a:cubicBezTo>
+                  <a:pt x="0" y="36753"/>
+                  <a:pt x="36753" y="0"/>
+                  <a:pt x="82090" y="0"/>
+                </a:cubicBezTo>
+                <a:close/>
+              </a:path>
+            </a:pathLst>
+          </a:custGeom>
+          <a:solidFill>
+            <a:schemeClr val="bg1">
+              <a:alpha val="20000"/>
+            </a:schemeClr>
+          </a:solidFill>
+          <a:ln>
+            <a:noFill/>
+          </a:ln>
+          <a:effectLst/>
+        </p:spPr>
+        <p:style>
+          <a:lnRef idx="2">
+            <a:schemeClr val="accent1">
+              <a:shade val="50000"/>
+            </a:schemeClr>
+          </a:lnRef>
+          <a:fillRef idx="1">
+            <a:schemeClr val="accent1"/>
+          </a:fillRef>
+          <a:effectRef idx="0">
+            <a:schemeClr val="accent1"/>
+          </a:effectRef>
+          <a:fontRef idx="minor">
+            <a:schemeClr val="lt1"/>
+          </a:fontRef>
+        </p:style>
+        <p:txBody>
+          <a:bodyPr rtlCol="0" anchor="ctr"/>
+          <a:lstStyle/>
+          <a:p>
+            <a:pPr algn="ctr"/>
+            <a:endParaRPr lang="en-US"/>
+          </a:p>
+        </p:txBody>
+      </p:sp>
+      <p:sp>
+        <p:nvSpPr>
+          <p:cNvPr id="15" name="Rounded Rectangle 14"/>
+          <p:cNvSpPr/>
+          <p:nvPr/>
+        </p:nvSpPr>
+        <p:spPr>
+          <a:xfrm rot="20707748">
+            <a:off x="6666426" y="-490731"/>
+            <a:ext cx="3065776" cy="5811871"/>
+          </a:xfrm>
+          <a:custGeom>
+            <a:avLst/>
+            <a:gdLst/>
+            <a:ahLst/>
+            <a:cxnLst/>
+            <a:rect l="l" t="t" r="r" b="b"/>
+            <a:pathLst>
+              <a:path w="3065776" h="5811871">
+                <a:moveTo>
+                  <a:pt x="0" y="0"/>
+                </a:moveTo>
+                <a:lnTo>
+                  <a:pt x="3065776" y="814071"/>
+                </a:lnTo>
+                <a:lnTo>
+                  <a:pt x="1738684" y="5811871"/>
+                </a:lnTo>
+                <a:lnTo>
+                  <a:pt x="82090" y="5811871"/>
+                </a:lnTo>
+                <a:cubicBezTo>
+                  <a:pt x="36753" y="5811871"/>
+                  <a:pt x="0" y="5775118"/>
+                  <a:pt x="0" y="5729781"/>
+                </a:cubicBezTo>
+                <a:close/>
+              </a:path>
+            </a:pathLst>
+          </a:custGeom>
+          <a:solidFill>
+            <a:schemeClr val="bg1">
+              <a:alpha val="70000"/>
+            </a:schemeClr>
+          </a:solidFill>
+          <a:ln>
+            <a:noFill/>
+          </a:ln>
+          <a:effectLst/>
+        </p:spPr>
+        <p:style>
+          <a:lnRef idx="2">
+            <a:schemeClr val="accent1">
+              <a:shade val="50000"/>
+            </a:schemeClr>
+          </a:lnRef>
+          <a:fillRef idx="1">
+            <a:schemeClr val="accent1"/>
+          </a:fillRef>
+          <a:effectRef idx="0">
+            <a:schemeClr val="accent1"/>
+          </a:effectRef>
+          <a:fontRef idx="minor">
+            <a:schemeClr val="lt1"/>
+          </a:fontRef>
+        </p:style>
+        <p:txBody>
+          <a:bodyPr rtlCol="0" anchor="ctr"/>
+          <a:lstStyle/>
+          <a:p>
+            <a:pPr algn="ctr"/>
+            <a:endParaRPr lang="en-US"/>
+          </a:p>
+        </p:txBody>
+      </p:sp>
+      <p:sp>
+        <p:nvSpPr>
           <p:cNvPr id="2" name="Vertical Title 1"/>
           <p:cNvSpPr>
             <a:spLocks noGrp="1"/>
@@ -554,9 +3094,9 @@
           </p:nvPr>
         </p:nvSpPr>
         <p:spPr>
-          <a:xfrm>
-            <a:off x="6629400" y="274638"/>
-            <a:ext cx="2057400" cy="5851525"/>
+          <a:xfrm rot="-900000">
+            <a:off x="6793335" y="511413"/>
+            <a:ext cx="1435608" cy="4818888"/>
           </a:xfrm>
         </p:spPr>
         <p:txBody>
@@ -567,7 +3107,7 @@
               <a:rPr lang="en-GB" smtClean="0"/>
               <a:t>Click to edit Master title style</a:t>
             </a:r>
-            <a:endParaRPr lang="en-US"/>
+            <a:endParaRPr lang="en-US" dirty="0"/>
           </a:p>
         </p:txBody>
       </p:sp>
@@ -582,9 +3122,9 @@
           </p:nvPr>
         </p:nvSpPr>
         <p:spPr>
-          <a:xfrm>
-            <a:off x="457200" y="274638"/>
-            <a:ext cx="6019800" cy="5851525"/>
+          <a:xfrm rot="-900000">
+            <a:off x="967762" y="1075673"/>
+            <a:ext cx="5398955" cy="5088265"/>
           </a:xfrm>
         </p:spPr>
         <p:txBody>
@@ -624,7 +3164,7 @@
               <a:rPr lang="en-GB" smtClean="0"/>
               <a:t>Fifth level</a:t>
             </a:r>
-            <a:endParaRPr lang="en-US"/>
+            <a:endParaRPr lang="en-US" dirty="0"/>
           </a:p>
         </p:txBody>
       </p:sp>
@@ -638,10 +3178,19 @@
             <p:ph type="dt" sz="half" idx="10"/>
           </p:nvPr>
         </p:nvSpPr>
-        <p:spPr/>
+        <p:spPr>
+          <a:xfrm rot="-900000">
+            <a:off x="7754112" y="5888736"/>
+            <a:ext cx="1243584" cy="365125"/>
+          </a:xfrm>
+        </p:spPr>
         <p:txBody>
           <a:bodyPr/>
-          <a:lstStyle/>
+          <a:lstStyle>
+            <a:lvl1pPr algn="l">
+              <a:defRPr/>
+            </a:lvl1pPr>
+          </a:lstStyle>
           <a:p>
             <a:fld id="{94F16D5C-FFC8-6947-AF52-971D5C15A401}" type="datetimeFigureOut">
               <a:rPr lang="en-US" smtClean="0"/>
@@ -661,10 +3210,19 @@
             <p:ph type="ftr" sz="quarter" idx="11"/>
           </p:nvPr>
         </p:nvSpPr>
-        <p:spPr/>
+        <p:spPr>
+          <a:xfrm rot="-900000">
+            <a:off x="4997808" y="6188244"/>
+            <a:ext cx="2380306" cy="365125"/>
+          </a:xfrm>
+        </p:spPr>
         <p:txBody>
           <a:bodyPr/>
-          <a:lstStyle/>
+          <a:lstStyle>
+            <a:lvl1pPr algn="r">
+              <a:defRPr/>
+            </a:lvl1pPr>
+          </a:lstStyle>
           <a:p>
             <a:endParaRPr lang="en-US"/>
           </a:p>
@@ -680,10 +3238,19 @@
             <p:ph type="sldNum" sz="quarter" idx="12"/>
           </p:nvPr>
         </p:nvSpPr>
-        <p:spPr/>
+        <p:spPr>
+          <a:xfrm rot="-900000">
+            <a:off x="7690104" y="5641848"/>
+            <a:ext cx="1243584" cy="365125"/>
+          </a:xfrm>
+        </p:spPr>
         <p:txBody>
           <a:bodyPr/>
-          <a:lstStyle/>
+          <a:lstStyle>
+            <a:lvl1pPr algn="l">
+              <a:defRPr/>
+            </a:lvl1pPr>
+          </a:lstStyle>
           <a:p>
             <a:fld id="{72EA7C06-E324-374B-A144-94DC9B661D44}" type="slidenum">
               <a:rPr lang="en-US" smtClean="0"/>
@@ -694,15 +3261,18 @@
         </p:txBody>
       </p:sp>
     </p:spTree>
-    <p:extLst>
-      <p:ext uri="{BB962C8B-B14F-4D97-AF65-F5344CB8AC3E}">
-        <p14:creationId xmlns:p14="http://schemas.microsoft.com/office/powerpoint/2010/main" val="1947245512"/>
-      </p:ext>
-    </p:extLst>
   </p:cSld>
   <p:clrMapOvr>
     <a:masterClrMapping/>
   </p:clrMapOvr>
+  <p:transition xmlns:p14="http://schemas.microsoft.com/office/powerpoint/2010/main"/>
+  <p:timing>
+    <p:tnLst>
+      <p:par>
+        <p:cTn xmlns:p14="http://schemas.microsoft.com/office/powerpoint/2010/main" id="1" dur="indefinite" restart="never" nodeType="tmRoot"/>
+      </p:par>
+    </p:tnLst>
+  </p:timing>
 </p:sldLayout>
 </file>
 
@@ -725,6 +3295,314 @@
       </p:grpSpPr>
       <p:sp>
         <p:nvSpPr>
+          <p:cNvPr id="9" name="Rounded Rectangle 8"/>
+          <p:cNvSpPr/>
+          <p:nvPr/>
+        </p:nvSpPr>
+        <p:spPr>
+          <a:xfrm rot="907748">
+            <a:off x="-865440" y="850599"/>
+            <a:ext cx="3615441" cy="6151724"/>
+          </a:xfrm>
+          <a:custGeom>
+            <a:avLst/>
+            <a:gdLst/>
+            <a:ahLst/>
+            <a:cxnLst/>
+            <a:rect l="l" t="t" r="r" b="b"/>
+            <a:pathLst>
+              <a:path w="3615441" h="6151724">
+                <a:moveTo>
+                  <a:pt x="0" y="0"/>
+                </a:moveTo>
+                <a:lnTo>
+                  <a:pt x="3533351" y="0"/>
+                </a:lnTo>
+                <a:cubicBezTo>
+                  <a:pt x="3578688" y="0"/>
+                  <a:pt x="3615441" y="36753"/>
+                  <a:pt x="3615441" y="82090"/>
+                </a:cubicBezTo>
+                <a:lnTo>
+                  <a:pt x="3615441" y="5623909"/>
+                </a:lnTo>
+                <a:lnTo>
+                  <a:pt x="1663219" y="6151724"/>
+                </a:lnTo>
+                <a:close/>
+              </a:path>
+            </a:pathLst>
+          </a:custGeom>
+          <a:solidFill>
+            <a:schemeClr val="bg1">
+              <a:alpha val="70000"/>
+            </a:schemeClr>
+          </a:solidFill>
+          <a:ln>
+            <a:noFill/>
+          </a:ln>
+          <a:effectLst/>
+        </p:spPr>
+        <p:style>
+          <a:lnRef idx="2">
+            <a:schemeClr val="accent1">
+              <a:shade val="50000"/>
+            </a:schemeClr>
+          </a:lnRef>
+          <a:fillRef idx="1">
+            <a:schemeClr val="accent1"/>
+          </a:fillRef>
+          <a:effectRef idx="0">
+            <a:schemeClr val="accent1"/>
+          </a:effectRef>
+          <a:fontRef idx="minor">
+            <a:schemeClr val="lt1"/>
+          </a:fontRef>
+        </p:style>
+        <p:txBody>
+          <a:bodyPr rtlCol="0" anchor="ctr"/>
+          <a:lstStyle/>
+          <a:p>
+            <a:pPr algn="ctr"/>
+            <a:endParaRPr lang="en-US"/>
+          </a:p>
+        </p:txBody>
+      </p:sp>
+      <p:sp>
+        <p:nvSpPr>
+          <p:cNvPr id="13" name="Rounded Rectangle 12"/>
+          <p:cNvSpPr/>
+          <p:nvPr/>
+        </p:nvSpPr>
+        <p:spPr>
+          <a:xfrm rot="907748">
+            <a:off x="17749" y="-511509"/>
+            <a:ext cx="3735394" cy="1387781"/>
+          </a:xfrm>
+          <a:custGeom>
+            <a:avLst/>
+            <a:gdLst/>
+            <a:ahLst/>
+            <a:cxnLst/>
+            <a:rect l="l" t="t" r="r" b="b"/>
+            <a:pathLst>
+              <a:path w="3735394" h="1387781">
+                <a:moveTo>
+                  <a:pt x="0" y="1009924"/>
+                </a:moveTo>
+                <a:lnTo>
+                  <a:pt x="3735394" y="0"/>
+                </a:lnTo>
+                <a:lnTo>
+                  <a:pt x="3735394" y="1305691"/>
+                </a:lnTo>
+                <a:cubicBezTo>
+                  <a:pt x="3735394" y="1351028"/>
+                  <a:pt x="3698641" y="1387781"/>
+                  <a:pt x="3653304" y="1387781"/>
+                </a:cubicBezTo>
+                <a:lnTo>
+                  <a:pt x="102160" y="1387781"/>
+                </a:lnTo>
+                <a:close/>
+              </a:path>
+            </a:pathLst>
+          </a:custGeom>
+          <a:solidFill>
+            <a:schemeClr val="bg1">
+              <a:alpha val="35000"/>
+            </a:schemeClr>
+          </a:solidFill>
+          <a:ln>
+            <a:noFill/>
+          </a:ln>
+          <a:effectLst/>
+        </p:spPr>
+        <p:style>
+          <a:lnRef idx="2">
+            <a:schemeClr val="accent1">
+              <a:shade val="50000"/>
+            </a:schemeClr>
+          </a:lnRef>
+          <a:fillRef idx="1">
+            <a:schemeClr val="accent1"/>
+          </a:fillRef>
+          <a:effectRef idx="0">
+            <a:schemeClr val="accent1"/>
+          </a:effectRef>
+          <a:fontRef idx="minor">
+            <a:schemeClr val="lt1"/>
+          </a:fontRef>
+        </p:style>
+        <p:txBody>
+          <a:bodyPr rtlCol="0" anchor="ctr"/>
+          <a:lstStyle/>
+          <a:p>
+            <a:pPr algn="ctr"/>
+            <a:endParaRPr lang="en-US"/>
+          </a:p>
+        </p:txBody>
+      </p:sp>
+      <p:sp>
+        <p:nvSpPr>
+          <p:cNvPr id="14" name="Rounded Rectangle 13"/>
+          <p:cNvSpPr/>
+          <p:nvPr/>
+        </p:nvSpPr>
+        <p:spPr>
+          <a:xfrm rot="907748">
+            <a:off x="2146801" y="6590199"/>
+            <a:ext cx="1981025" cy="535602"/>
+          </a:xfrm>
+          <a:custGeom>
+            <a:avLst/>
+            <a:gdLst/>
+            <a:ahLst/>
+            <a:cxnLst/>
+            <a:rect l="l" t="t" r="r" b="b"/>
+            <a:pathLst>
+              <a:path w="1981025" h="535602">
+                <a:moveTo>
+                  <a:pt x="50137" y="6451"/>
+                </a:moveTo>
+                <a:cubicBezTo>
+                  <a:pt x="59958" y="2297"/>
+                  <a:pt x="70756" y="0"/>
+                  <a:pt x="82090" y="0"/>
+                </a:cubicBezTo>
+                <a:lnTo>
+                  <a:pt x="1981025" y="0"/>
+                </a:lnTo>
+                <a:lnTo>
+                  <a:pt x="0" y="535602"/>
+                </a:lnTo>
+                <a:lnTo>
+                  <a:pt x="0" y="82090"/>
+                </a:lnTo>
+                <a:cubicBezTo>
+                  <a:pt x="0" y="48087"/>
+                  <a:pt x="20674" y="18913"/>
+                  <a:pt x="50137" y="6451"/>
+                </a:cubicBezTo>
+                <a:close/>
+              </a:path>
+            </a:pathLst>
+          </a:custGeom>
+          <a:solidFill>
+            <a:schemeClr val="bg1">
+              <a:alpha val="20000"/>
+            </a:schemeClr>
+          </a:solidFill>
+          <a:ln>
+            <a:noFill/>
+          </a:ln>
+          <a:effectLst/>
+        </p:spPr>
+        <p:style>
+          <a:lnRef idx="2">
+            <a:schemeClr val="accent1">
+              <a:shade val="50000"/>
+            </a:schemeClr>
+          </a:lnRef>
+          <a:fillRef idx="1">
+            <a:schemeClr val="accent1"/>
+          </a:fillRef>
+          <a:effectRef idx="0">
+            <a:schemeClr val="accent1"/>
+          </a:effectRef>
+          <a:fontRef idx="minor">
+            <a:schemeClr val="lt1"/>
+          </a:fontRef>
+        </p:style>
+        <p:txBody>
+          <a:bodyPr rtlCol="0" anchor="ctr"/>
+          <a:lstStyle/>
+          <a:p>
+            <a:pPr algn="ctr"/>
+            <a:endParaRPr lang="en-US"/>
+          </a:p>
+        </p:txBody>
+      </p:sp>
+      <p:sp>
+        <p:nvSpPr>
+          <p:cNvPr id="15" name="Rounded Rectangle 14"/>
+          <p:cNvSpPr/>
+          <p:nvPr/>
+        </p:nvSpPr>
+        <p:spPr>
+          <a:xfrm rot="907748">
+            <a:off x="3185141" y="-553633"/>
+            <a:ext cx="6782931" cy="7826540"/>
+          </a:xfrm>
+          <a:custGeom>
+            <a:avLst/>
+            <a:gdLst/>
+            <a:ahLst/>
+            <a:cxnLst/>
+            <a:rect l="l" t="t" r="r" b="b"/>
+            <a:pathLst>
+              <a:path w="6782931" h="7826540">
+                <a:moveTo>
+                  <a:pt x="0" y="1349945"/>
+                </a:moveTo>
+                <a:lnTo>
+                  <a:pt x="4993024" y="0"/>
+                </a:lnTo>
+                <a:lnTo>
+                  <a:pt x="6782931" y="6620302"/>
+                </a:lnTo>
+                <a:lnTo>
+                  <a:pt x="2321435" y="7826540"/>
+                </a:lnTo>
+                <a:lnTo>
+                  <a:pt x="82090" y="7826540"/>
+                </a:lnTo>
+                <a:cubicBezTo>
+                  <a:pt x="36753" y="7826540"/>
+                  <a:pt x="0" y="7789787"/>
+                  <a:pt x="0" y="7744450"/>
+                </a:cubicBezTo>
+                <a:close/>
+              </a:path>
+            </a:pathLst>
+          </a:custGeom>
+          <a:solidFill>
+            <a:schemeClr val="bg1">
+              <a:alpha val="50000"/>
+            </a:schemeClr>
+          </a:solidFill>
+          <a:ln>
+            <a:noFill/>
+          </a:ln>
+          <a:effectLst/>
+        </p:spPr>
+        <p:style>
+          <a:lnRef idx="2">
+            <a:schemeClr val="accent1">
+              <a:shade val="50000"/>
+            </a:schemeClr>
+          </a:lnRef>
+          <a:fillRef idx="1">
+            <a:schemeClr val="accent1"/>
+          </a:fillRef>
+          <a:effectRef idx="0">
+            <a:schemeClr val="accent1"/>
+          </a:effectRef>
+          <a:fontRef idx="minor">
+            <a:schemeClr val="lt1"/>
+          </a:fontRef>
+        </p:style>
+        <p:txBody>
+          <a:bodyPr rtlCol="0" anchor="ctr"/>
+          <a:lstStyle/>
+          <a:p>
+            <a:pPr algn="ctr"/>
+            <a:endParaRPr lang="en-US"/>
+          </a:p>
+        </p:txBody>
+      </p:sp>
+      <p:sp>
+        <p:nvSpPr>
           <p:cNvPr id="2" name="Title 1"/>
           <p:cNvSpPr>
             <a:spLocks noGrp="1"/>
@@ -733,7 +3611,12 @@
             <p:ph type="title"/>
           </p:nvPr>
         </p:nvSpPr>
-        <p:spPr/>
+        <p:spPr>
+          <a:xfrm rot="-4500000">
+            <a:off x="-633894" y="2921988"/>
+            <a:ext cx="5064953" cy="1695631"/>
+          </a:xfrm>
+        </p:spPr>
         <p:txBody>
           <a:bodyPr/>
           <a:lstStyle/>
@@ -756,9 +3639,14 @@
             <p:ph idx="1"/>
           </p:nvPr>
         </p:nvSpPr>
-        <p:spPr/>
-        <p:txBody>
-          <a:bodyPr/>
+        <p:spPr>
+          <a:xfrm rot="900000">
+            <a:off x="3479028" y="959716"/>
+            <a:ext cx="4658735" cy="5077623"/>
+          </a:xfrm>
+        </p:spPr>
+        <p:txBody>
+          <a:bodyPr anchor="ctr"/>
           <a:lstStyle/>
           <a:p>
             <a:pPr lvl="0"/>
@@ -794,7 +3682,7 @@
               <a:rPr lang="en-GB" smtClean="0"/>
               <a:t>Fifth level</a:t>
             </a:r>
-            <a:endParaRPr lang="en-US"/>
+            <a:endParaRPr lang="en-US" dirty="0"/>
           </a:p>
         </p:txBody>
       </p:sp>
@@ -808,7 +3696,12 @@
             <p:ph type="dt" sz="half" idx="10"/>
           </p:nvPr>
         </p:nvSpPr>
-        <p:spPr/>
+        <p:spPr>
+          <a:xfrm rot="900000">
+            <a:off x="1690988" y="608314"/>
+            <a:ext cx="1789355" cy="365125"/>
+          </a:xfrm>
+        </p:spPr>
         <p:txBody>
           <a:bodyPr/>
           <a:lstStyle/>
@@ -831,7 +3724,12 @@
             <p:ph type="ftr" sz="quarter" idx="11"/>
           </p:nvPr>
         </p:nvSpPr>
-        <p:spPr/>
+        <p:spPr>
+          <a:xfrm rot="900000">
+            <a:off x="3103620" y="6177546"/>
+            <a:ext cx="2392237" cy="365125"/>
+          </a:xfrm>
+        </p:spPr>
         <p:txBody>
           <a:bodyPr/>
           <a:lstStyle/>
@@ -850,7 +3748,12 @@
             <p:ph type="sldNum" sz="quarter" idx="12"/>
           </p:nvPr>
         </p:nvSpPr>
-        <p:spPr/>
+        <p:spPr>
+          <a:xfrm rot="900000">
+            <a:off x="1265370" y="300797"/>
+            <a:ext cx="2287319" cy="365125"/>
+          </a:xfrm>
+        </p:spPr>
         <p:txBody>
           <a:bodyPr/>
           <a:lstStyle/>
@@ -864,15 +3767,18 @@
         </p:txBody>
       </p:sp>
     </p:spTree>
-    <p:extLst>
-      <p:ext uri="{BB962C8B-B14F-4D97-AF65-F5344CB8AC3E}">
-        <p14:creationId xmlns:p14="http://schemas.microsoft.com/office/powerpoint/2010/main" val="139960125"/>
-      </p:ext>
-    </p:extLst>
   </p:cSld>
   <p:clrMapOvr>
     <a:masterClrMapping/>
   </p:clrMapOvr>
+  <p:transition xmlns:p14="http://schemas.microsoft.com/office/powerpoint/2010/main"/>
+  <p:timing>
+    <p:tnLst>
+      <p:par>
+        <p:cTn xmlns:p14="http://schemas.microsoft.com/office/powerpoint/2010/main" id="1" dur="indefinite" restart="never" nodeType="tmRoot"/>
+      </p:par>
+    </p:tnLst>
+  </p:timing>
 </p:sldLayout>
 </file>
 
@@ -895,6 +3801,314 @@
       </p:grpSpPr>
       <p:sp>
         <p:nvSpPr>
+          <p:cNvPr id="17" name="Rounded Rectangle 16"/>
+          <p:cNvSpPr/>
+          <p:nvPr/>
+        </p:nvSpPr>
+        <p:spPr>
+          <a:xfrm rot="900000">
+            <a:off x="-57216" y="-1017685"/>
+            <a:ext cx="7411427" cy="3438177"/>
+          </a:xfrm>
+          <a:custGeom>
+            <a:avLst/>
+            <a:gdLst/>
+            <a:ahLst/>
+            <a:cxnLst/>
+            <a:rect l="l" t="t" r="r" b="b"/>
+            <a:pathLst>
+              <a:path w="7411427" h="3438177">
+                <a:moveTo>
+                  <a:pt x="0" y="1985886"/>
+                </a:moveTo>
+                <a:lnTo>
+                  <a:pt x="7411427" y="0"/>
+                </a:lnTo>
+                <a:lnTo>
+                  <a:pt x="7411427" y="3356087"/>
+                </a:lnTo>
+                <a:cubicBezTo>
+                  <a:pt x="7411427" y="3401424"/>
+                  <a:pt x="7374674" y="3438177"/>
+                  <a:pt x="7329337" y="3438177"/>
+                </a:cubicBezTo>
+                <a:lnTo>
+                  <a:pt x="389140" y="3438177"/>
+                </a:lnTo>
+                <a:close/>
+              </a:path>
+            </a:pathLst>
+          </a:custGeom>
+          <a:solidFill>
+            <a:schemeClr val="bg1">
+              <a:alpha val="20000"/>
+            </a:schemeClr>
+          </a:solidFill>
+          <a:ln>
+            <a:noFill/>
+          </a:ln>
+          <a:effectLst/>
+        </p:spPr>
+        <p:style>
+          <a:lnRef idx="2">
+            <a:schemeClr val="accent1">
+              <a:shade val="50000"/>
+            </a:schemeClr>
+          </a:lnRef>
+          <a:fillRef idx="1">
+            <a:schemeClr val="accent1"/>
+          </a:fillRef>
+          <a:effectRef idx="0">
+            <a:schemeClr val="accent1"/>
+          </a:effectRef>
+          <a:fontRef idx="minor">
+            <a:schemeClr val="lt1"/>
+          </a:fontRef>
+        </p:style>
+        <p:txBody>
+          <a:bodyPr rtlCol="0" anchor="ctr"/>
+          <a:lstStyle/>
+          <a:p>
+            <a:pPr algn="ctr"/>
+            <a:endParaRPr lang="en-US"/>
+          </a:p>
+        </p:txBody>
+      </p:sp>
+      <p:sp>
+        <p:nvSpPr>
+          <p:cNvPr id="18" name="Rounded Rectangle 17"/>
+          <p:cNvSpPr/>
+          <p:nvPr/>
+        </p:nvSpPr>
+        <p:spPr>
+          <a:xfrm rot="900000">
+            <a:off x="-776641" y="2417820"/>
+            <a:ext cx="6998365" cy="5080081"/>
+          </a:xfrm>
+          <a:custGeom>
+            <a:avLst/>
+            <a:gdLst/>
+            <a:ahLst/>
+            <a:cxnLst/>
+            <a:rect l="l" t="t" r="r" b="b"/>
+            <a:pathLst>
+              <a:path w="6998365" h="5080081">
+                <a:moveTo>
+                  <a:pt x="0" y="0"/>
+                </a:moveTo>
+                <a:lnTo>
+                  <a:pt x="6916275" y="0"/>
+                </a:lnTo>
+                <a:cubicBezTo>
+                  <a:pt x="6961612" y="0"/>
+                  <a:pt x="6998365" y="36753"/>
+                  <a:pt x="6998365" y="82090"/>
+                </a:cubicBezTo>
+                <a:lnTo>
+                  <a:pt x="6998365" y="3569608"/>
+                </a:lnTo>
+                <a:lnTo>
+                  <a:pt x="1361203" y="5080081"/>
+                </a:lnTo>
+                <a:close/>
+              </a:path>
+            </a:pathLst>
+          </a:custGeom>
+          <a:solidFill>
+            <a:schemeClr val="bg1">
+              <a:alpha val="70000"/>
+            </a:schemeClr>
+          </a:solidFill>
+          <a:ln>
+            <a:noFill/>
+          </a:ln>
+          <a:effectLst/>
+        </p:spPr>
+        <p:style>
+          <a:lnRef idx="2">
+            <a:schemeClr val="accent1">
+              <a:shade val="50000"/>
+            </a:schemeClr>
+          </a:lnRef>
+          <a:fillRef idx="1">
+            <a:schemeClr val="accent1"/>
+          </a:fillRef>
+          <a:effectRef idx="0">
+            <a:schemeClr val="accent1"/>
+          </a:effectRef>
+          <a:fontRef idx="minor">
+            <a:schemeClr val="lt1"/>
+          </a:fontRef>
+        </p:style>
+        <p:txBody>
+          <a:bodyPr rtlCol="0" anchor="ctr"/>
+          <a:lstStyle/>
+          <a:p>
+            <a:pPr algn="ctr"/>
+            <a:endParaRPr lang="en-US"/>
+          </a:p>
+        </p:txBody>
+      </p:sp>
+      <p:sp>
+        <p:nvSpPr>
+          <p:cNvPr id="19" name="Rounded Rectangle 18"/>
+          <p:cNvSpPr/>
+          <p:nvPr/>
+        </p:nvSpPr>
+        <p:spPr>
+          <a:xfrm rot="900000">
+            <a:off x="6338067" y="3775812"/>
+            <a:ext cx="3102275" cy="3544033"/>
+          </a:xfrm>
+          <a:custGeom>
+            <a:avLst/>
+            <a:gdLst/>
+            <a:ahLst/>
+            <a:cxnLst/>
+            <a:rect l="l" t="t" r="r" b="b"/>
+            <a:pathLst>
+              <a:path w="3102275" h="3544033">
+                <a:moveTo>
+                  <a:pt x="50137" y="6451"/>
+                </a:moveTo>
+                <a:cubicBezTo>
+                  <a:pt x="59958" y="2297"/>
+                  <a:pt x="70756" y="0"/>
+                  <a:pt x="82090" y="0"/>
+                </a:cubicBezTo>
+                <a:lnTo>
+                  <a:pt x="2375388" y="0"/>
+                </a:lnTo>
+                <a:lnTo>
+                  <a:pt x="3102275" y="2712781"/>
+                </a:lnTo>
+                <a:lnTo>
+                  <a:pt x="0" y="3544033"/>
+                </a:lnTo>
+                <a:lnTo>
+                  <a:pt x="0" y="82090"/>
+                </a:lnTo>
+                <a:cubicBezTo>
+                  <a:pt x="0" y="48087"/>
+                  <a:pt x="20673" y="18913"/>
+                  <a:pt x="50137" y="6451"/>
+                </a:cubicBezTo>
+                <a:close/>
+              </a:path>
+            </a:pathLst>
+          </a:custGeom>
+          <a:solidFill>
+            <a:schemeClr val="bg1">
+              <a:alpha val="50000"/>
+            </a:schemeClr>
+          </a:solidFill>
+          <a:ln>
+            <a:noFill/>
+          </a:ln>
+          <a:effectLst/>
+        </p:spPr>
+        <p:style>
+          <a:lnRef idx="2">
+            <a:schemeClr val="accent1">
+              <a:shade val="50000"/>
+            </a:schemeClr>
+          </a:lnRef>
+          <a:fillRef idx="1">
+            <a:schemeClr val="accent1"/>
+          </a:fillRef>
+          <a:effectRef idx="0">
+            <a:schemeClr val="accent1"/>
+          </a:effectRef>
+          <a:fontRef idx="minor">
+            <a:schemeClr val="lt1"/>
+          </a:fontRef>
+        </p:style>
+        <p:txBody>
+          <a:bodyPr rtlCol="0" anchor="ctr"/>
+          <a:lstStyle/>
+          <a:p>
+            <a:pPr algn="ctr"/>
+            <a:endParaRPr lang="en-US" dirty="0"/>
+          </a:p>
+        </p:txBody>
+      </p:sp>
+      <p:sp>
+        <p:nvSpPr>
+          <p:cNvPr id="20" name="Rounded Rectangle 19"/>
+          <p:cNvSpPr/>
+          <p:nvPr/>
+        </p:nvSpPr>
+        <p:spPr>
+          <a:xfrm rot="900000">
+            <a:off x="7327879" y="-104312"/>
+            <a:ext cx="2350627" cy="3820866"/>
+          </a:xfrm>
+          <a:custGeom>
+            <a:avLst/>
+            <a:gdLst/>
+            <a:ahLst/>
+            <a:cxnLst/>
+            <a:rect l="l" t="t" r="r" b="b"/>
+            <a:pathLst>
+              <a:path w="2350627" h="3820866">
+                <a:moveTo>
+                  <a:pt x="1" y="355523"/>
+                </a:moveTo>
+                <a:lnTo>
+                  <a:pt x="1326829" y="0"/>
+                </a:lnTo>
+                <a:lnTo>
+                  <a:pt x="2350627" y="3820866"/>
+                </a:lnTo>
+                <a:lnTo>
+                  <a:pt x="82091" y="3820866"/>
+                </a:lnTo>
+                <a:cubicBezTo>
+                  <a:pt x="36754" y="3820866"/>
+                  <a:pt x="1" y="3784113"/>
+                  <a:pt x="0" y="3738776"/>
+                </a:cubicBezTo>
+                <a:close/>
+              </a:path>
+            </a:pathLst>
+          </a:custGeom>
+          <a:solidFill>
+            <a:schemeClr val="bg1">
+              <a:alpha val="35000"/>
+            </a:schemeClr>
+          </a:solidFill>
+          <a:ln>
+            <a:noFill/>
+          </a:ln>
+          <a:effectLst/>
+        </p:spPr>
+        <p:style>
+          <a:lnRef idx="2">
+            <a:schemeClr val="accent1">
+              <a:shade val="50000"/>
+            </a:schemeClr>
+          </a:lnRef>
+          <a:fillRef idx="1">
+            <a:schemeClr val="accent1"/>
+          </a:fillRef>
+          <a:effectRef idx="0">
+            <a:schemeClr val="accent1"/>
+          </a:effectRef>
+          <a:fontRef idx="minor">
+            <a:schemeClr val="lt1"/>
+          </a:fontRef>
+        </p:style>
+        <p:txBody>
+          <a:bodyPr rtlCol="0" anchor="ctr"/>
+          <a:lstStyle/>
+          <a:p>
+            <a:pPr algn="ctr"/>
+            <a:endParaRPr lang="en-US"/>
+          </a:p>
+        </p:txBody>
+      </p:sp>
+      <p:sp>
+        <p:nvSpPr>
           <p:cNvPr id="2" name="Title 1"/>
           <p:cNvSpPr>
             <a:spLocks noGrp="1"/>
@@ -904,16 +4118,18 @@
           </p:nvPr>
         </p:nvSpPr>
         <p:spPr>
-          <a:xfrm>
-            <a:off x="722313" y="4406900"/>
-            <a:ext cx="7772400" cy="1362075"/>
-          </a:xfrm>
-        </p:spPr>
-        <p:txBody>
-          <a:bodyPr anchor="t"/>
+          <a:xfrm rot="900000">
+            <a:off x="534986" y="2921829"/>
+            <a:ext cx="5690855" cy="1570680"/>
+          </a:xfrm>
+        </p:spPr>
+        <p:txBody>
+          <a:bodyPr anchor="b">
+            <a:noAutofit/>
+          </a:bodyPr>
           <a:lstStyle>
-            <a:lvl1pPr algn="l">
-              <a:defRPr sz="4000" b="1" cap="all"/>
+            <a:lvl1pPr algn="r">
+              <a:defRPr sz="4800" b="0" cap="none" baseline="0"/>
             </a:lvl1pPr>
           </a:lstStyle>
           <a:p>
@@ -921,7 +4137,7 @@
               <a:rPr lang="en-GB" smtClean="0"/>
               <a:t>Click to edit Master title style</a:t>
             </a:r>
-            <a:endParaRPr lang="en-US"/>
+            <a:endParaRPr lang="en-US" dirty="0"/>
           </a:p>
         </p:txBody>
       </p:sp>
@@ -936,17 +4152,19 @@
           </p:nvPr>
         </p:nvSpPr>
         <p:spPr>
-          <a:xfrm>
-            <a:off x="722313" y="2906713"/>
-            <a:ext cx="7772400" cy="1500187"/>
-          </a:xfrm>
-        </p:spPr>
-        <p:txBody>
-          <a:bodyPr anchor="b"/>
+          <a:xfrm rot="900000">
+            <a:off x="537849" y="4494201"/>
+            <a:ext cx="5271544" cy="1500187"/>
+          </a:xfrm>
+        </p:spPr>
+        <p:txBody>
+          <a:bodyPr anchor="t">
+            <a:normAutofit/>
+          </a:bodyPr>
           <a:lstStyle>
-            <a:lvl1pPr marL="0" indent="0">
-              <a:buNone/>
-              <a:defRPr sz="2000">
+            <a:lvl1pPr marL="0" indent="0" algn="r">
+              <a:buNone/>
+              <a:defRPr sz="2400">
                 <a:solidFill>
                   <a:schemeClr val="tx1">
                     <a:tint val="75000"/>
@@ -1054,10 +4272,19 @@
             <p:ph type="dt" sz="half" idx="10"/>
           </p:nvPr>
         </p:nvSpPr>
-        <p:spPr/>
+        <p:spPr>
+          <a:xfrm rot="900000">
+            <a:off x="6878368" y="3761385"/>
+            <a:ext cx="1524000" cy="365125"/>
+          </a:xfrm>
+        </p:spPr>
         <p:txBody>
           <a:bodyPr/>
-          <a:lstStyle/>
+          <a:lstStyle>
+            <a:lvl1pPr algn="l">
+              <a:defRPr/>
+            </a:lvl1pPr>
+          </a:lstStyle>
           <a:p>
             <a:fld id="{94F16D5C-FFC8-6947-AF52-971D5C15A401}" type="datetimeFigureOut">
               <a:rPr lang="en-US" smtClean="0"/>
@@ -1077,7 +4304,12 @@
             <p:ph type="ftr" sz="quarter" idx="11"/>
           </p:nvPr>
         </p:nvSpPr>
-        <p:spPr/>
+        <p:spPr>
+          <a:xfrm rot="900000">
+            <a:off x="7056965" y="3170795"/>
+            <a:ext cx="1926305" cy="365125"/>
+          </a:xfrm>
+        </p:spPr>
         <p:txBody>
           <a:bodyPr/>
           <a:lstStyle/>
@@ -1096,10 +4328,19 @@
             <p:ph type="sldNum" sz="quarter" idx="12"/>
           </p:nvPr>
         </p:nvSpPr>
-        <p:spPr/>
+        <p:spPr>
+          <a:xfrm rot="900000" flipH="1">
+            <a:off x="7176363" y="2661157"/>
+            <a:ext cx="683979" cy="365125"/>
+          </a:xfrm>
+        </p:spPr>
         <p:txBody>
           <a:bodyPr/>
-          <a:lstStyle/>
+          <a:lstStyle>
+            <a:lvl1pPr algn="l">
+              <a:defRPr/>
+            </a:lvl1pPr>
+          </a:lstStyle>
           <a:p>
             <a:fld id="{72EA7C06-E324-374B-A144-94DC9B661D44}" type="slidenum">
               <a:rPr lang="en-US" smtClean="0"/>
@@ -1110,15 +4351,18 @@
         </p:txBody>
       </p:sp>
     </p:spTree>
-    <p:extLst>
-      <p:ext uri="{BB962C8B-B14F-4D97-AF65-F5344CB8AC3E}">
-        <p14:creationId xmlns:p14="http://schemas.microsoft.com/office/powerpoint/2010/main" val="1394284553"/>
-      </p:ext>
-    </p:extLst>
   </p:cSld>
   <p:clrMapOvr>
     <a:masterClrMapping/>
   </p:clrMapOvr>
+  <p:transition xmlns:p14="http://schemas.microsoft.com/office/powerpoint/2010/main"/>
+  <p:timing>
+    <p:tnLst>
+      <p:par>
+        <p:cTn xmlns:p14="http://schemas.microsoft.com/office/powerpoint/2010/main" id="1" dur="indefinite" restart="never" nodeType="tmRoot"/>
+      </p:par>
+    </p:tnLst>
+  </p:timing>
 </p:sldLayout>
 </file>
 
@@ -1141,6 +4385,314 @@
       </p:grpSpPr>
       <p:sp>
         <p:nvSpPr>
+          <p:cNvPr id="17" name="Rounded Rectangle 16"/>
+          <p:cNvSpPr/>
+          <p:nvPr/>
+        </p:nvSpPr>
+        <p:spPr>
+          <a:xfrm rot="20707748">
+            <a:off x="-883225" y="-625990"/>
+            <a:ext cx="7439907" cy="7344599"/>
+          </a:xfrm>
+          <a:custGeom>
+            <a:avLst/>
+            <a:gdLst/>
+            <a:ahLst/>
+            <a:cxnLst/>
+            <a:rect l="l" t="t" r="r" b="b"/>
+            <a:pathLst>
+              <a:path w="7439907" h="7344599">
+                <a:moveTo>
+                  <a:pt x="1760047" y="0"/>
+                </a:moveTo>
+                <a:lnTo>
+                  <a:pt x="7439906" y="1508202"/>
+                </a:lnTo>
+                <a:lnTo>
+                  <a:pt x="7439907" y="7262509"/>
+                </a:lnTo>
+                <a:cubicBezTo>
+                  <a:pt x="7439906" y="7307846"/>
+                  <a:pt x="7403153" y="7344599"/>
+                  <a:pt x="7357816" y="7344599"/>
+                </a:cubicBezTo>
+                <a:lnTo>
+                  <a:pt x="2697558" y="7344599"/>
+                </a:lnTo>
+                <a:lnTo>
+                  <a:pt x="0" y="6628303"/>
+                </a:lnTo>
+                <a:close/>
+              </a:path>
+            </a:pathLst>
+          </a:custGeom>
+          <a:solidFill>
+            <a:schemeClr val="bg1">
+              <a:alpha val="50000"/>
+            </a:schemeClr>
+          </a:solidFill>
+          <a:ln>
+            <a:noFill/>
+          </a:ln>
+          <a:effectLst/>
+        </p:spPr>
+        <p:style>
+          <a:lnRef idx="2">
+            <a:schemeClr val="accent1">
+              <a:shade val="50000"/>
+            </a:schemeClr>
+          </a:lnRef>
+          <a:fillRef idx="1">
+            <a:schemeClr val="accent1"/>
+          </a:fillRef>
+          <a:effectRef idx="0">
+            <a:schemeClr val="accent1"/>
+          </a:effectRef>
+          <a:fontRef idx="minor">
+            <a:schemeClr val="lt1"/>
+          </a:fontRef>
+        </p:style>
+        <p:txBody>
+          <a:bodyPr rtlCol="0" anchor="ctr"/>
+          <a:lstStyle/>
+          <a:p>
+            <a:pPr algn="ctr"/>
+            <a:endParaRPr lang="en-US"/>
+          </a:p>
+        </p:txBody>
+      </p:sp>
+      <p:sp>
+        <p:nvSpPr>
+          <p:cNvPr id="18" name="Rounded Rectangle 17"/>
+          <p:cNvSpPr/>
+          <p:nvPr/>
+        </p:nvSpPr>
+        <p:spPr>
+          <a:xfrm rot="20707748">
+            <a:off x="3237537" y="6275496"/>
+            <a:ext cx="4387395" cy="1165008"/>
+          </a:xfrm>
+          <a:custGeom>
+            <a:avLst/>
+            <a:gdLst/>
+            <a:ahLst/>
+            <a:cxnLst/>
+            <a:rect l="l" t="t" r="r" b="b"/>
+            <a:pathLst>
+              <a:path w="4387395" h="1165008">
+                <a:moveTo>
+                  <a:pt x="4337258" y="6451"/>
+                </a:moveTo>
+                <a:cubicBezTo>
+                  <a:pt x="4366722" y="18913"/>
+                  <a:pt x="4387395" y="48087"/>
+                  <a:pt x="4387395" y="82090"/>
+                </a:cubicBezTo>
+                <a:lnTo>
+                  <a:pt x="4387395" y="1165008"/>
+                </a:lnTo>
+                <a:lnTo>
+                  <a:pt x="0" y="0"/>
+                </a:lnTo>
+                <a:lnTo>
+                  <a:pt x="4305305" y="0"/>
+                </a:lnTo>
+                <a:cubicBezTo>
+                  <a:pt x="4316639" y="0"/>
+                  <a:pt x="4327437" y="2297"/>
+                  <a:pt x="4337258" y="6451"/>
+                </a:cubicBezTo>
+                <a:close/>
+              </a:path>
+            </a:pathLst>
+          </a:custGeom>
+          <a:solidFill>
+            <a:schemeClr val="bg1">
+              <a:alpha val="35000"/>
+            </a:schemeClr>
+          </a:solidFill>
+          <a:ln>
+            <a:noFill/>
+          </a:ln>
+          <a:effectLst/>
+        </p:spPr>
+        <p:style>
+          <a:lnRef idx="2">
+            <a:schemeClr val="accent1">
+              <a:shade val="50000"/>
+            </a:schemeClr>
+          </a:lnRef>
+          <a:fillRef idx="1">
+            <a:schemeClr val="accent1"/>
+          </a:fillRef>
+          <a:effectRef idx="0">
+            <a:schemeClr val="accent1"/>
+          </a:effectRef>
+          <a:fontRef idx="minor">
+            <a:schemeClr val="lt1"/>
+          </a:fontRef>
+        </p:style>
+        <p:txBody>
+          <a:bodyPr rtlCol="0" anchor="ctr"/>
+          <a:lstStyle/>
+          <a:p>
+            <a:pPr algn="ctr"/>
+            <a:endParaRPr lang="en-US"/>
+          </a:p>
+        </p:txBody>
+      </p:sp>
+      <p:sp>
+        <p:nvSpPr>
+          <p:cNvPr id="19" name="Rounded Rectangle 18"/>
+          <p:cNvSpPr/>
+          <p:nvPr/>
+        </p:nvSpPr>
+        <p:spPr>
+          <a:xfrm rot="20707748">
+            <a:off x="7660698" y="5462349"/>
+            <a:ext cx="1709024" cy="1536003"/>
+          </a:xfrm>
+          <a:custGeom>
+            <a:avLst/>
+            <a:gdLst/>
+            <a:ahLst/>
+            <a:cxnLst/>
+            <a:rect l="l" t="t" r="r" b="b"/>
+            <a:pathLst>
+              <a:path w="1709024" h="1536003">
+                <a:moveTo>
+                  <a:pt x="1709024" y="0"/>
+                </a:moveTo>
+                <a:lnTo>
+                  <a:pt x="1301161" y="1536003"/>
+                </a:lnTo>
+                <a:lnTo>
+                  <a:pt x="0" y="1190500"/>
+                </a:lnTo>
+                <a:lnTo>
+                  <a:pt x="0" y="82090"/>
+                </a:lnTo>
+                <a:cubicBezTo>
+                  <a:pt x="0" y="36753"/>
+                  <a:pt x="36753" y="0"/>
+                  <a:pt x="82090" y="0"/>
+                </a:cubicBezTo>
+                <a:close/>
+              </a:path>
+            </a:pathLst>
+          </a:custGeom>
+          <a:solidFill>
+            <a:schemeClr val="bg1">
+              <a:alpha val="20000"/>
+            </a:schemeClr>
+          </a:solidFill>
+          <a:ln>
+            <a:noFill/>
+          </a:ln>
+          <a:effectLst/>
+        </p:spPr>
+        <p:style>
+          <a:lnRef idx="2">
+            <a:schemeClr val="accent1">
+              <a:shade val="50000"/>
+            </a:schemeClr>
+          </a:lnRef>
+          <a:fillRef idx="1">
+            <a:schemeClr val="accent1"/>
+          </a:fillRef>
+          <a:effectRef idx="0">
+            <a:schemeClr val="accent1"/>
+          </a:effectRef>
+          <a:fontRef idx="minor">
+            <a:schemeClr val="lt1"/>
+          </a:fontRef>
+        </p:style>
+        <p:txBody>
+          <a:bodyPr rtlCol="0" anchor="ctr"/>
+          <a:lstStyle/>
+          <a:p>
+            <a:pPr algn="ctr"/>
+            <a:endParaRPr lang="en-US"/>
+          </a:p>
+        </p:txBody>
+      </p:sp>
+      <p:sp>
+        <p:nvSpPr>
+          <p:cNvPr id="20" name="Rounded Rectangle 19"/>
+          <p:cNvSpPr/>
+          <p:nvPr/>
+        </p:nvSpPr>
+        <p:spPr>
+          <a:xfrm rot="20707748">
+            <a:off x="6667944" y="-490547"/>
+            <a:ext cx="3064333" cy="5811872"/>
+          </a:xfrm>
+          <a:custGeom>
+            <a:avLst/>
+            <a:gdLst/>
+            <a:ahLst/>
+            <a:cxnLst/>
+            <a:rect l="l" t="t" r="r" b="b"/>
+            <a:pathLst>
+              <a:path w="3064333" h="5811872">
+                <a:moveTo>
+                  <a:pt x="0" y="0"/>
+                </a:moveTo>
+                <a:lnTo>
+                  <a:pt x="3064333" y="813688"/>
+                </a:lnTo>
+                <a:lnTo>
+                  <a:pt x="1737140" y="5811872"/>
+                </a:lnTo>
+                <a:lnTo>
+                  <a:pt x="82090" y="5811872"/>
+                </a:lnTo>
+                <a:cubicBezTo>
+                  <a:pt x="36753" y="5811872"/>
+                  <a:pt x="0" y="5775119"/>
+                  <a:pt x="0" y="5729782"/>
+                </a:cubicBezTo>
+                <a:close/>
+              </a:path>
+            </a:pathLst>
+          </a:custGeom>
+          <a:solidFill>
+            <a:schemeClr val="bg1">
+              <a:alpha val="70000"/>
+            </a:schemeClr>
+          </a:solidFill>
+          <a:ln>
+            <a:noFill/>
+          </a:ln>
+          <a:effectLst/>
+        </p:spPr>
+        <p:style>
+          <a:lnRef idx="2">
+            <a:schemeClr val="accent1">
+              <a:shade val="50000"/>
+            </a:schemeClr>
+          </a:lnRef>
+          <a:fillRef idx="1">
+            <a:schemeClr val="accent1"/>
+          </a:fillRef>
+          <a:effectRef idx="0">
+            <a:schemeClr val="accent1"/>
+          </a:effectRef>
+          <a:fontRef idx="minor">
+            <a:schemeClr val="lt1"/>
+          </a:fontRef>
+        </p:style>
+        <p:txBody>
+          <a:bodyPr rtlCol="0" anchor="ctr"/>
+          <a:lstStyle/>
+          <a:p>
+            <a:pPr algn="ctr"/>
+            <a:endParaRPr lang="en-US"/>
+          </a:p>
+        </p:txBody>
+      </p:sp>
+      <p:sp>
+        <p:nvSpPr>
           <p:cNvPr id="2" name="Title 1"/>
           <p:cNvSpPr>
             <a:spLocks noGrp="1"/>
@@ -1149,7 +4701,12 @@
             <p:ph type="title"/>
           </p:nvPr>
         </p:nvSpPr>
-        <p:spPr/>
+        <p:spPr>
+          <a:xfrm rot="4500000">
+            <a:off x="5171893" y="2231024"/>
+            <a:ext cx="4820301" cy="1436159"/>
+          </a:xfrm>
+        </p:spPr>
         <p:txBody>
           <a:bodyPr/>
           <a:lstStyle/>
@@ -1173,9 +4730,9 @@
           </p:nvPr>
         </p:nvSpPr>
         <p:spPr>
-          <a:xfrm>
-            <a:off x="457200" y="1600200"/>
-            <a:ext cx="4038600" cy="4525963"/>
+          <a:xfrm rot="-900000">
+            <a:off x="1014439" y="1335061"/>
+            <a:ext cx="2578608" cy="4839838"/>
           </a:xfrm>
         </p:spPr>
         <p:txBody>
@@ -1243,7 +4800,7 @@
               <a:rPr lang="en-GB" smtClean="0"/>
               <a:t>Fifth level</a:t>
             </a:r>
-            <a:endParaRPr lang="en-US"/>
+            <a:endParaRPr lang="en-US" dirty="0"/>
           </a:p>
         </p:txBody>
       </p:sp>
@@ -1258,13 +4815,13 @@
           </p:nvPr>
         </p:nvSpPr>
         <p:spPr>
-          <a:xfrm>
-            <a:off x="4648200" y="1600200"/>
-            <a:ext cx="4038600" cy="4525963"/>
-          </a:xfrm>
-        </p:spPr>
-        <p:txBody>
-          <a:bodyPr/>
+          <a:xfrm rot="-900000">
+            <a:off x="3701032" y="618005"/>
+            <a:ext cx="2580010" cy="4837176"/>
+          </a:xfrm>
+        </p:spPr>
+        <p:txBody>
+          <a:bodyPr anchor="t"/>
           <a:lstStyle>
             <a:lvl1pPr>
               <a:defRPr sz="2800"/>
@@ -1328,7 +4885,7 @@
               <a:rPr lang="en-GB" smtClean="0"/>
               <a:t>Fifth level</a:t>
             </a:r>
-            <a:endParaRPr lang="en-US"/>
+            <a:endParaRPr lang="en-US" dirty="0"/>
           </a:p>
         </p:txBody>
       </p:sp>
@@ -1342,10 +4899,19 @@
             <p:ph type="dt" sz="half" idx="10"/>
           </p:nvPr>
         </p:nvSpPr>
-        <p:spPr/>
+        <p:spPr>
+          <a:xfrm rot="-900000">
+            <a:off x="7755919" y="5887412"/>
+            <a:ext cx="1241980" cy="365125"/>
+          </a:xfrm>
+        </p:spPr>
         <p:txBody>
           <a:bodyPr/>
-          <a:lstStyle/>
+          <a:lstStyle>
+            <a:lvl1pPr algn="l">
+              <a:defRPr/>
+            </a:lvl1pPr>
+          </a:lstStyle>
           <a:p>
             <a:fld id="{94F16D5C-FFC8-6947-AF52-971D5C15A401}" type="datetimeFigureOut">
               <a:rPr lang="en-US" smtClean="0"/>
@@ -1365,10 +4931,19 @@
             <p:ph type="ftr" sz="quarter" idx="11"/>
           </p:nvPr>
         </p:nvSpPr>
-        <p:spPr/>
+        <p:spPr>
+          <a:xfrm rot="-900000">
+            <a:off x="4054658" y="5494374"/>
+            <a:ext cx="3124200" cy="365125"/>
+          </a:xfrm>
+        </p:spPr>
         <p:txBody>
           <a:bodyPr/>
-          <a:lstStyle/>
+          <a:lstStyle>
+            <a:lvl1pPr algn="r">
+              <a:defRPr/>
+            </a:lvl1pPr>
+          </a:lstStyle>
           <a:p>
             <a:endParaRPr lang="en-US"/>
           </a:p>
@@ -1384,10 +4959,19 @@
             <p:ph type="sldNum" sz="quarter" idx="12"/>
           </p:nvPr>
         </p:nvSpPr>
-        <p:spPr/>
+        <p:spPr>
+          <a:xfrm rot="-900000">
+            <a:off x="7690164" y="5643110"/>
+            <a:ext cx="1241693" cy="365125"/>
+          </a:xfrm>
+        </p:spPr>
         <p:txBody>
           <a:bodyPr/>
-          <a:lstStyle/>
+          <a:lstStyle>
+            <a:lvl1pPr algn="l">
+              <a:defRPr/>
+            </a:lvl1pPr>
+          </a:lstStyle>
           <a:p>
             <a:fld id="{72EA7C06-E324-374B-A144-94DC9B661D44}" type="slidenum">
               <a:rPr lang="en-US" smtClean="0"/>
@@ -1398,15 +4982,18 @@
         </p:txBody>
       </p:sp>
     </p:spTree>
-    <p:extLst>
-      <p:ext uri="{BB962C8B-B14F-4D97-AF65-F5344CB8AC3E}">
-        <p14:creationId xmlns:p14="http://schemas.microsoft.com/office/powerpoint/2010/main" val="4246994334"/>
-      </p:ext>
-    </p:extLst>
   </p:cSld>
   <p:clrMapOvr>
     <a:masterClrMapping/>
   </p:clrMapOvr>
+  <p:transition xmlns:p14="http://schemas.microsoft.com/office/powerpoint/2010/main"/>
+  <p:timing>
+    <p:tnLst>
+      <p:par>
+        <p:cTn xmlns:p14="http://schemas.microsoft.com/office/powerpoint/2010/main" id="1" dur="indefinite" restart="never" nodeType="tmRoot"/>
+      </p:par>
+    </p:tnLst>
+  </p:timing>
 </p:sldLayout>
 </file>
 
@@ -1429,6 +5016,314 @@
       </p:grpSpPr>
       <p:sp>
         <p:nvSpPr>
+          <p:cNvPr id="53" name="Rounded Rectangle 52"/>
+          <p:cNvSpPr/>
+          <p:nvPr/>
+        </p:nvSpPr>
+        <p:spPr>
+          <a:xfrm rot="20707748">
+            <a:off x="-883225" y="-625990"/>
+            <a:ext cx="7439907" cy="7344599"/>
+          </a:xfrm>
+          <a:custGeom>
+            <a:avLst/>
+            <a:gdLst/>
+            <a:ahLst/>
+            <a:cxnLst/>
+            <a:rect l="l" t="t" r="r" b="b"/>
+            <a:pathLst>
+              <a:path w="7439907" h="7344599">
+                <a:moveTo>
+                  <a:pt x="1760047" y="0"/>
+                </a:moveTo>
+                <a:lnTo>
+                  <a:pt x="7439906" y="1508202"/>
+                </a:lnTo>
+                <a:lnTo>
+                  <a:pt x="7439907" y="7262509"/>
+                </a:lnTo>
+                <a:cubicBezTo>
+                  <a:pt x="7439906" y="7307846"/>
+                  <a:pt x="7403153" y="7344599"/>
+                  <a:pt x="7357816" y="7344599"/>
+                </a:cubicBezTo>
+                <a:lnTo>
+                  <a:pt x="2697558" y="7344599"/>
+                </a:lnTo>
+                <a:lnTo>
+                  <a:pt x="0" y="6628303"/>
+                </a:lnTo>
+                <a:close/>
+              </a:path>
+            </a:pathLst>
+          </a:custGeom>
+          <a:solidFill>
+            <a:schemeClr val="bg1">
+              <a:alpha val="50000"/>
+            </a:schemeClr>
+          </a:solidFill>
+          <a:ln>
+            <a:noFill/>
+          </a:ln>
+          <a:effectLst/>
+        </p:spPr>
+        <p:style>
+          <a:lnRef idx="2">
+            <a:schemeClr val="accent1">
+              <a:shade val="50000"/>
+            </a:schemeClr>
+          </a:lnRef>
+          <a:fillRef idx="1">
+            <a:schemeClr val="accent1"/>
+          </a:fillRef>
+          <a:effectRef idx="0">
+            <a:schemeClr val="accent1"/>
+          </a:effectRef>
+          <a:fontRef idx="minor">
+            <a:schemeClr val="lt1"/>
+          </a:fontRef>
+        </p:style>
+        <p:txBody>
+          <a:bodyPr rtlCol="0" anchor="ctr"/>
+          <a:lstStyle/>
+          <a:p>
+            <a:pPr algn="ctr"/>
+            <a:endParaRPr lang="en-US"/>
+          </a:p>
+        </p:txBody>
+      </p:sp>
+      <p:sp>
+        <p:nvSpPr>
+          <p:cNvPr id="54" name="Rounded Rectangle 53"/>
+          <p:cNvSpPr/>
+          <p:nvPr/>
+        </p:nvSpPr>
+        <p:spPr>
+          <a:xfrm rot="20707748">
+            <a:off x="3237537" y="6275496"/>
+            <a:ext cx="4387395" cy="1165008"/>
+          </a:xfrm>
+          <a:custGeom>
+            <a:avLst/>
+            <a:gdLst/>
+            <a:ahLst/>
+            <a:cxnLst/>
+            <a:rect l="l" t="t" r="r" b="b"/>
+            <a:pathLst>
+              <a:path w="4387395" h="1165008">
+                <a:moveTo>
+                  <a:pt x="4337258" y="6451"/>
+                </a:moveTo>
+                <a:cubicBezTo>
+                  <a:pt x="4366722" y="18913"/>
+                  <a:pt x="4387395" y="48087"/>
+                  <a:pt x="4387395" y="82090"/>
+                </a:cubicBezTo>
+                <a:lnTo>
+                  <a:pt x="4387395" y="1165008"/>
+                </a:lnTo>
+                <a:lnTo>
+                  <a:pt x="0" y="0"/>
+                </a:lnTo>
+                <a:lnTo>
+                  <a:pt x="4305305" y="0"/>
+                </a:lnTo>
+                <a:cubicBezTo>
+                  <a:pt x="4316639" y="0"/>
+                  <a:pt x="4327437" y="2297"/>
+                  <a:pt x="4337258" y="6451"/>
+                </a:cubicBezTo>
+                <a:close/>
+              </a:path>
+            </a:pathLst>
+          </a:custGeom>
+          <a:solidFill>
+            <a:schemeClr val="bg1">
+              <a:alpha val="35000"/>
+            </a:schemeClr>
+          </a:solidFill>
+          <a:ln>
+            <a:noFill/>
+          </a:ln>
+          <a:effectLst/>
+        </p:spPr>
+        <p:style>
+          <a:lnRef idx="2">
+            <a:schemeClr val="accent1">
+              <a:shade val="50000"/>
+            </a:schemeClr>
+          </a:lnRef>
+          <a:fillRef idx="1">
+            <a:schemeClr val="accent1"/>
+          </a:fillRef>
+          <a:effectRef idx="0">
+            <a:schemeClr val="accent1"/>
+          </a:effectRef>
+          <a:fontRef idx="minor">
+            <a:schemeClr val="lt1"/>
+          </a:fontRef>
+        </p:style>
+        <p:txBody>
+          <a:bodyPr rtlCol="0" anchor="ctr"/>
+          <a:lstStyle/>
+          <a:p>
+            <a:pPr algn="ctr"/>
+            <a:endParaRPr lang="en-US"/>
+          </a:p>
+        </p:txBody>
+      </p:sp>
+      <p:sp>
+        <p:nvSpPr>
+          <p:cNvPr id="55" name="Rounded Rectangle 54"/>
+          <p:cNvSpPr/>
+          <p:nvPr/>
+        </p:nvSpPr>
+        <p:spPr>
+          <a:xfrm rot="20707748">
+            <a:off x="7660698" y="5462349"/>
+            <a:ext cx="1709024" cy="1536003"/>
+          </a:xfrm>
+          <a:custGeom>
+            <a:avLst/>
+            <a:gdLst/>
+            <a:ahLst/>
+            <a:cxnLst/>
+            <a:rect l="l" t="t" r="r" b="b"/>
+            <a:pathLst>
+              <a:path w="1709024" h="1536003">
+                <a:moveTo>
+                  <a:pt x="1709024" y="0"/>
+                </a:moveTo>
+                <a:lnTo>
+                  <a:pt x="1301161" y="1536003"/>
+                </a:lnTo>
+                <a:lnTo>
+                  <a:pt x="0" y="1190500"/>
+                </a:lnTo>
+                <a:lnTo>
+                  <a:pt x="0" y="82090"/>
+                </a:lnTo>
+                <a:cubicBezTo>
+                  <a:pt x="0" y="36753"/>
+                  <a:pt x="36753" y="0"/>
+                  <a:pt x="82090" y="0"/>
+                </a:cubicBezTo>
+                <a:close/>
+              </a:path>
+            </a:pathLst>
+          </a:custGeom>
+          <a:solidFill>
+            <a:schemeClr val="bg1">
+              <a:alpha val="20000"/>
+            </a:schemeClr>
+          </a:solidFill>
+          <a:ln>
+            <a:noFill/>
+          </a:ln>
+          <a:effectLst/>
+        </p:spPr>
+        <p:style>
+          <a:lnRef idx="2">
+            <a:schemeClr val="accent1">
+              <a:shade val="50000"/>
+            </a:schemeClr>
+          </a:lnRef>
+          <a:fillRef idx="1">
+            <a:schemeClr val="accent1"/>
+          </a:fillRef>
+          <a:effectRef idx="0">
+            <a:schemeClr val="accent1"/>
+          </a:effectRef>
+          <a:fontRef idx="minor">
+            <a:schemeClr val="lt1"/>
+          </a:fontRef>
+        </p:style>
+        <p:txBody>
+          <a:bodyPr rtlCol="0" anchor="ctr"/>
+          <a:lstStyle/>
+          <a:p>
+            <a:pPr algn="ctr"/>
+            <a:endParaRPr lang="en-US"/>
+          </a:p>
+        </p:txBody>
+      </p:sp>
+      <p:sp>
+        <p:nvSpPr>
+          <p:cNvPr id="56" name="Rounded Rectangle 55"/>
+          <p:cNvSpPr/>
+          <p:nvPr/>
+        </p:nvSpPr>
+        <p:spPr>
+          <a:xfrm rot="20707748">
+            <a:off x="6667944" y="-490547"/>
+            <a:ext cx="3064333" cy="5811872"/>
+          </a:xfrm>
+          <a:custGeom>
+            <a:avLst/>
+            <a:gdLst/>
+            <a:ahLst/>
+            <a:cxnLst/>
+            <a:rect l="l" t="t" r="r" b="b"/>
+            <a:pathLst>
+              <a:path w="3064333" h="5811872">
+                <a:moveTo>
+                  <a:pt x="0" y="0"/>
+                </a:moveTo>
+                <a:lnTo>
+                  <a:pt x="3064333" y="813688"/>
+                </a:lnTo>
+                <a:lnTo>
+                  <a:pt x="1737140" y="5811872"/>
+                </a:lnTo>
+                <a:lnTo>
+                  <a:pt x="82090" y="5811872"/>
+                </a:lnTo>
+                <a:cubicBezTo>
+                  <a:pt x="36753" y="5811872"/>
+                  <a:pt x="0" y="5775119"/>
+                  <a:pt x="0" y="5729782"/>
+                </a:cubicBezTo>
+                <a:close/>
+              </a:path>
+            </a:pathLst>
+          </a:custGeom>
+          <a:solidFill>
+            <a:schemeClr val="bg1">
+              <a:alpha val="70000"/>
+            </a:schemeClr>
+          </a:solidFill>
+          <a:ln>
+            <a:noFill/>
+          </a:ln>
+          <a:effectLst/>
+        </p:spPr>
+        <p:style>
+          <a:lnRef idx="2">
+            <a:schemeClr val="accent1">
+              <a:shade val="50000"/>
+            </a:schemeClr>
+          </a:lnRef>
+          <a:fillRef idx="1">
+            <a:schemeClr val="accent1"/>
+          </a:fillRef>
+          <a:effectRef idx="0">
+            <a:schemeClr val="accent1"/>
+          </a:effectRef>
+          <a:fontRef idx="minor">
+            <a:schemeClr val="lt1"/>
+          </a:fontRef>
+        </p:style>
+        <p:txBody>
+          <a:bodyPr rtlCol="0" anchor="ctr"/>
+          <a:lstStyle/>
+          <a:p>
+            <a:pPr algn="ctr"/>
+            <a:endParaRPr lang="en-US"/>
+          </a:p>
+        </p:txBody>
+      </p:sp>
+      <p:sp>
+        <p:nvSpPr>
           <p:cNvPr id="2" name="Title 1"/>
           <p:cNvSpPr>
             <a:spLocks noGrp="1"/>
@@ -1437,7 +5332,12 @@
             <p:ph type="title"/>
           </p:nvPr>
         </p:nvSpPr>
-        <p:spPr/>
+        <p:spPr>
+          <a:xfrm rot="4500000">
+            <a:off x="5175504" y="2231136"/>
+            <a:ext cx="4818888" cy="1435608"/>
+          </a:xfrm>
+        </p:spPr>
         <p:txBody>
           <a:bodyPr/>
           <a:lstStyle>
@@ -1465,9 +5365,9 @@
           </p:nvPr>
         </p:nvSpPr>
         <p:spPr>
-          <a:xfrm>
-            <a:off x="457200" y="1535113"/>
-            <a:ext cx="4040188" cy="639762"/>
+          <a:xfrm rot="-900000">
+            <a:off x="854761" y="1406870"/>
+            <a:ext cx="2213148" cy="759866"/>
           </a:xfrm>
         </p:spPr>
         <p:txBody>
@@ -1475,7 +5375,7 @@
           <a:lstStyle>
             <a:lvl1pPr marL="0" indent="0">
               <a:buNone/>
-              <a:defRPr sz="2400" b="1"/>
+              <a:defRPr sz="2400" b="0"/>
             </a:lvl1pPr>
             <a:lvl2pPr marL="457200" indent="0">
               <a:buNone/>
@@ -1530,9 +5430,9 @@
           </p:nvPr>
         </p:nvSpPr>
         <p:spPr>
-          <a:xfrm>
-            <a:off x="457200" y="2174875"/>
-            <a:ext cx="4040188" cy="3951288"/>
+          <a:xfrm rot="-900000">
+            <a:off x="1120518" y="2227895"/>
+            <a:ext cx="2578608" cy="3938700"/>
           </a:xfrm>
         </p:spPr>
         <p:txBody>
@@ -1615,9 +5515,9 @@
           </p:nvPr>
         </p:nvSpPr>
         <p:spPr>
-          <a:xfrm>
-            <a:off x="4645025" y="1535113"/>
-            <a:ext cx="4041775" cy="639762"/>
+          <a:xfrm rot="-900000">
+            <a:off x="3535709" y="687503"/>
+            <a:ext cx="2214753" cy="753043"/>
           </a:xfrm>
         </p:spPr>
         <p:txBody>
@@ -1625,7 +5525,7 @@
           <a:lstStyle>
             <a:lvl1pPr marL="0" indent="0">
               <a:buNone/>
-              <a:defRPr sz="2400" b="1"/>
+              <a:defRPr sz="2400" b="0"/>
             </a:lvl1pPr>
             <a:lvl2pPr marL="457200" indent="0">
               <a:buNone/>
@@ -1680,9 +5580,9 @@
           </p:nvPr>
         </p:nvSpPr>
         <p:spPr>
-          <a:xfrm>
-            <a:off x="4645025" y="2174875"/>
-            <a:ext cx="4041775" cy="3951288"/>
+          <a:xfrm rot="-900000">
+            <a:off x="3808498" y="1495882"/>
+            <a:ext cx="2578608" cy="3955902"/>
           </a:xfrm>
         </p:spPr>
         <p:txBody>
@@ -1750,7 +5650,7 @@
               <a:rPr lang="en-GB" smtClean="0"/>
               <a:t>Fifth level</a:t>
             </a:r>
-            <a:endParaRPr lang="en-US"/>
+            <a:endParaRPr lang="en-US" dirty="0"/>
           </a:p>
         </p:txBody>
       </p:sp>
@@ -1764,10 +5664,19 @@
             <p:ph type="dt" sz="half" idx="10"/>
           </p:nvPr>
         </p:nvSpPr>
-        <p:spPr/>
+        <p:spPr>
+          <a:xfrm rot="-900000">
+            <a:off x="7754112" y="5888736"/>
+            <a:ext cx="1243584" cy="365125"/>
+          </a:xfrm>
+        </p:spPr>
         <p:txBody>
           <a:bodyPr/>
-          <a:lstStyle/>
+          <a:lstStyle>
+            <a:lvl1pPr algn="l">
+              <a:defRPr/>
+            </a:lvl1pPr>
+          </a:lstStyle>
           <a:p>
             <a:fld id="{94F16D5C-FFC8-6947-AF52-971D5C15A401}" type="datetimeFigureOut">
               <a:rPr lang="en-US" smtClean="0"/>
@@ -1787,10 +5696,19 @@
             <p:ph type="ftr" sz="quarter" idx="11"/>
           </p:nvPr>
         </p:nvSpPr>
-        <p:spPr/>
+        <p:spPr>
+          <a:xfrm rot="-900000">
+            <a:off x="4050792" y="5495544"/>
+            <a:ext cx="3124200" cy="365125"/>
+          </a:xfrm>
+        </p:spPr>
         <p:txBody>
           <a:bodyPr/>
-          <a:lstStyle/>
+          <a:lstStyle>
+            <a:lvl1pPr algn="r">
+              <a:defRPr/>
+            </a:lvl1pPr>
+          </a:lstStyle>
           <a:p>
             <a:endParaRPr lang="en-US"/>
           </a:p>
@@ -1806,10 +5724,19 @@
             <p:ph type="sldNum" sz="quarter" idx="12"/>
           </p:nvPr>
         </p:nvSpPr>
-        <p:spPr/>
+        <p:spPr>
+          <a:xfrm rot="-900000">
+            <a:off x="7690104" y="5641848"/>
+            <a:ext cx="1243584" cy="365125"/>
+          </a:xfrm>
+        </p:spPr>
         <p:txBody>
           <a:bodyPr/>
-          <a:lstStyle/>
+          <a:lstStyle>
+            <a:lvl1pPr algn="l">
+              <a:defRPr/>
+            </a:lvl1pPr>
+          </a:lstStyle>
           <a:p>
             <a:fld id="{72EA7C06-E324-374B-A144-94DC9B661D44}" type="slidenum">
               <a:rPr lang="en-US" smtClean="0"/>
@@ -1820,15 +5747,18 @@
         </p:txBody>
       </p:sp>
     </p:spTree>
-    <p:extLst>
-      <p:ext uri="{BB962C8B-B14F-4D97-AF65-F5344CB8AC3E}">
-        <p14:creationId xmlns:p14="http://schemas.microsoft.com/office/powerpoint/2010/main" val="4097926748"/>
-      </p:ext>
-    </p:extLst>
   </p:cSld>
   <p:clrMapOvr>
     <a:masterClrMapping/>
   </p:clrMapOvr>
+  <p:transition xmlns:p14="http://schemas.microsoft.com/office/powerpoint/2010/main"/>
+  <p:timing>
+    <p:tnLst>
+      <p:par>
+        <p:cTn xmlns:p14="http://schemas.microsoft.com/office/powerpoint/2010/main" id="1" dur="indefinite" restart="never" nodeType="tmRoot"/>
+      </p:par>
+    </p:tnLst>
+  </p:timing>
 </p:sldLayout>
 </file>
 
@@ -1851,6 +5781,314 @@
       </p:grpSpPr>
       <p:sp>
         <p:nvSpPr>
+          <p:cNvPr id="21" name="Rounded Rectangle 20"/>
+          <p:cNvSpPr/>
+          <p:nvPr/>
+        </p:nvSpPr>
+        <p:spPr>
+          <a:xfrm rot="907748">
+            <a:off x="-865440" y="850599"/>
+            <a:ext cx="3615441" cy="6151724"/>
+          </a:xfrm>
+          <a:custGeom>
+            <a:avLst/>
+            <a:gdLst/>
+            <a:ahLst/>
+            <a:cxnLst/>
+            <a:rect l="l" t="t" r="r" b="b"/>
+            <a:pathLst>
+              <a:path w="3615441" h="6151724">
+                <a:moveTo>
+                  <a:pt x="0" y="0"/>
+                </a:moveTo>
+                <a:lnTo>
+                  <a:pt x="3533351" y="0"/>
+                </a:lnTo>
+                <a:cubicBezTo>
+                  <a:pt x="3578688" y="0"/>
+                  <a:pt x="3615441" y="36753"/>
+                  <a:pt x="3615441" y="82090"/>
+                </a:cubicBezTo>
+                <a:lnTo>
+                  <a:pt x="3615441" y="5623909"/>
+                </a:lnTo>
+                <a:lnTo>
+                  <a:pt x="1663219" y="6151724"/>
+                </a:lnTo>
+                <a:close/>
+              </a:path>
+            </a:pathLst>
+          </a:custGeom>
+          <a:solidFill>
+            <a:schemeClr val="bg1">
+              <a:alpha val="70000"/>
+            </a:schemeClr>
+          </a:solidFill>
+          <a:ln>
+            <a:noFill/>
+          </a:ln>
+          <a:effectLst/>
+        </p:spPr>
+        <p:style>
+          <a:lnRef idx="2">
+            <a:schemeClr val="accent1">
+              <a:shade val="50000"/>
+            </a:schemeClr>
+          </a:lnRef>
+          <a:fillRef idx="1">
+            <a:schemeClr val="accent1"/>
+          </a:fillRef>
+          <a:effectRef idx="0">
+            <a:schemeClr val="accent1"/>
+          </a:effectRef>
+          <a:fontRef idx="minor">
+            <a:schemeClr val="lt1"/>
+          </a:fontRef>
+        </p:style>
+        <p:txBody>
+          <a:bodyPr rtlCol="0" anchor="ctr"/>
+          <a:lstStyle/>
+          <a:p>
+            <a:pPr algn="ctr"/>
+            <a:endParaRPr lang="en-US"/>
+          </a:p>
+        </p:txBody>
+      </p:sp>
+      <p:sp>
+        <p:nvSpPr>
+          <p:cNvPr id="22" name="Rounded Rectangle 21"/>
+          <p:cNvSpPr/>
+          <p:nvPr/>
+        </p:nvSpPr>
+        <p:spPr>
+          <a:xfrm rot="907748">
+            <a:off x="17749" y="-511509"/>
+            <a:ext cx="3735394" cy="1387781"/>
+          </a:xfrm>
+          <a:custGeom>
+            <a:avLst/>
+            <a:gdLst/>
+            <a:ahLst/>
+            <a:cxnLst/>
+            <a:rect l="l" t="t" r="r" b="b"/>
+            <a:pathLst>
+              <a:path w="3735394" h="1387781">
+                <a:moveTo>
+                  <a:pt x="0" y="1009924"/>
+                </a:moveTo>
+                <a:lnTo>
+                  <a:pt x="3735394" y="0"/>
+                </a:lnTo>
+                <a:lnTo>
+                  <a:pt x="3735394" y="1305691"/>
+                </a:lnTo>
+                <a:cubicBezTo>
+                  <a:pt x="3735394" y="1351028"/>
+                  <a:pt x="3698641" y="1387781"/>
+                  <a:pt x="3653304" y="1387781"/>
+                </a:cubicBezTo>
+                <a:lnTo>
+                  <a:pt x="102160" y="1387781"/>
+                </a:lnTo>
+                <a:close/>
+              </a:path>
+            </a:pathLst>
+          </a:custGeom>
+          <a:solidFill>
+            <a:schemeClr val="bg1">
+              <a:alpha val="35000"/>
+            </a:schemeClr>
+          </a:solidFill>
+          <a:ln>
+            <a:noFill/>
+          </a:ln>
+          <a:effectLst/>
+        </p:spPr>
+        <p:style>
+          <a:lnRef idx="2">
+            <a:schemeClr val="accent1">
+              <a:shade val="50000"/>
+            </a:schemeClr>
+          </a:lnRef>
+          <a:fillRef idx="1">
+            <a:schemeClr val="accent1"/>
+          </a:fillRef>
+          <a:effectRef idx="0">
+            <a:schemeClr val="accent1"/>
+          </a:effectRef>
+          <a:fontRef idx="minor">
+            <a:schemeClr val="lt1"/>
+          </a:fontRef>
+        </p:style>
+        <p:txBody>
+          <a:bodyPr rtlCol="0" anchor="ctr"/>
+          <a:lstStyle/>
+          <a:p>
+            <a:pPr algn="ctr"/>
+            <a:endParaRPr lang="en-US"/>
+          </a:p>
+        </p:txBody>
+      </p:sp>
+      <p:sp>
+        <p:nvSpPr>
+          <p:cNvPr id="23" name="Rounded Rectangle 22"/>
+          <p:cNvSpPr/>
+          <p:nvPr/>
+        </p:nvSpPr>
+        <p:spPr>
+          <a:xfrm rot="907748">
+            <a:off x="2146801" y="6590199"/>
+            <a:ext cx="1981025" cy="535602"/>
+          </a:xfrm>
+          <a:custGeom>
+            <a:avLst/>
+            <a:gdLst/>
+            <a:ahLst/>
+            <a:cxnLst/>
+            <a:rect l="l" t="t" r="r" b="b"/>
+            <a:pathLst>
+              <a:path w="1981025" h="535602">
+                <a:moveTo>
+                  <a:pt x="50137" y="6451"/>
+                </a:moveTo>
+                <a:cubicBezTo>
+                  <a:pt x="59958" y="2297"/>
+                  <a:pt x="70756" y="0"/>
+                  <a:pt x="82090" y="0"/>
+                </a:cubicBezTo>
+                <a:lnTo>
+                  <a:pt x="1981025" y="0"/>
+                </a:lnTo>
+                <a:lnTo>
+                  <a:pt x="0" y="535602"/>
+                </a:lnTo>
+                <a:lnTo>
+                  <a:pt x="0" y="82090"/>
+                </a:lnTo>
+                <a:cubicBezTo>
+                  <a:pt x="0" y="48087"/>
+                  <a:pt x="20674" y="18913"/>
+                  <a:pt x="50137" y="6451"/>
+                </a:cubicBezTo>
+                <a:close/>
+              </a:path>
+            </a:pathLst>
+          </a:custGeom>
+          <a:solidFill>
+            <a:schemeClr val="bg1">
+              <a:alpha val="20000"/>
+            </a:schemeClr>
+          </a:solidFill>
+          <a:ln>
+            <a:noFill/>
+          </a:ln>
+          <a:effectLst/>
+        </p:spPr>
+        <p:style>
+          <a:lnRef idx="2">
+            <a:schemeClr val="accent1">
+              <a:shade val="50000"/>
+            </a:schemeClr>
+          </a:lnRef>
+          <a:fillRef idx="1">
+            <a:schemeClr val="accent1"/>
+          </a:fillRef>
+          <a:effectRef idx="0">
+            <a:schemeClr val="accent1"/>
+          </a:effectRef>
+          <a:fontRef idx="minor">
+            <a:schemeClr val="lt1"/>
+          </a:fontRef>
+        </p:style>
+        <p:txBody>
+          <a:bodyPr rtlCol="0" anchor="ctr"/>
+          <a:lstStyle/>
+          <a:p>
+            <a:pPr algn="ctr"/>
+            <a:endParaRPr lang="en-US"/>
+          </a:p>
+        </p:txBody>
+      </p:sp>
+      <p:sp>
+        <p:nvSpPr>
+          <p:cNvPr id="24" name="Rounded Rectangle 23"/>
+          <p:cNvSpPr/>
+          <p:nvPr/>
+        </p:nvSpPr>
+        <p:spPr>
+          <a:xfrm rot="907748">
+            <a:off x="3185141" y="-553633"/>
+            <a:ext cx="6782931" cy="7826540"/>
+          </a:xfrm>
+          <a:custGeom>
+            <a:avLst/>
+            <a:gdLst/>
+            <a:ahLst/>
+            <a:cxnLst/>
+            <a:rect l="l" t="t" r="r" b="b"/>
+            <a:pathLst>
+              <a:path w="6782931" h="7826540">
+                <a:moveTo>
+                  <a:pt x="0" y="1349945"/>
+                </a:moveTo>
+                <a:lnTo>
+                  <a:pt x="4993024" y="0"/>
+                </a:lnTo>
+                <a:lnTo>
+                  <a:pt x="6782931" y="6620302"/>
+                </a:lnTo>
+                <a:lnTo>
+                  <a:pt x="2321435" y="7826540"/>
+                </a:lnTo>
+                <a:lnTo>
+                  <a:pt x="82090" y="7826540"/>
+                </a:lnTo>
+                <a:cubicBezTo>
+                  <a:pt x="36753" y="7826540"/>
+                  <a:pt x="0" y="7789787"/>
+                  <a:pt x="0" y="7744450"/>
+                </a:cubicBezTo>
+                <a:close/>
+              </a:path>
+            </a:pathLst>
+          </a:custGeom>
+          <a:solidFill>
+            <a:schemeClr val="bg1">
+              <a:alpha val="50000"/>
+            </a:schemeClr>
+          </a:solidFill>
+          <a:ln>
+            <a:noFill/>
+          </a:ln>
+          <a:effectLst/>
+        </p:spPr>
+        <p:style>
+          <a:lnRef idx="2">
+            <a:schemeClr val="accent1">
+              <a:shade val="50000"/>
+            </a:schemeClr>
+          </a:lnRef>
+          <a:fillRef idx="1">
+            <a:schemeClr val="accent1"/>
+          </a:fillRef>
+          <a:effectRef idx="0">
+            <a:schemeClr val="accent1"/>
+          </a:effectRef>
+          <a:fontRef idx="minor">
+            <a:schemeClr val="lt1"/>
+          </a:fontRef>
+        </p:style>
+        <p:txBody>
+          <a:bodyPr rtlCol="0" anchor="ctr"/>
+          <a:lstStyle/>
+          <a:p>
+            <a:pPr algn="ctr"/>
+            <a:endParaRPr lang="en-US"/>
+          </a:p>
+        </p:txBody>
+      </p:sp>
+      <p:sp>
+        <p:nvSpPr>
           <p:cNvPr id="2" name="Title 1"/>
           <p:cNvSpPr>
             <a:spLocks noGrp="1"/>
@@ -1859,7 +6097,12 @@
             <p:ph type="title"/>
           </p:nvPr>
         </p:nvSpPr>
-        <p:spPr/>
+        <p:spPr>
+          <a:xfrm rot="-4500000">
+            <a:off x="-630936" y="2926080"/>
+            <a:ext cx="5065776" cy="1691640"/>
+          </a:xfrm>
+        </p:spPr>
         <p:txBody>
           <a:bodyPr/>
           <a:lstStyle/>
@@ -1882,7 +6125,12 @@
             <p:ph type="dt" sz="half" idx="10"/>
           </p:nvPr>
         </p:nvSpPr>
-        <p:spPr/>
+        <p:spPr>
+          <a:xfrm rot="900000">
+            <a:off x="1691640" y="612648"/>
+            <a:ext cx="1792224" cy="365125"/>
+          </a:xfrm>
+        </p:spPr>
         <p:txBody>
           <a:bodyPr/>
           <a:lstStyle/>
@@ -1905,7 +6153,12 @@
             <p:ph type="ftr" sz="quarter" idx="11"/>
           </p:nvPr>
         </p:nvSpPr>
-        <p:spPr/>
+        <p:spPr>
+          <a:xfrm rot="900000">
+            <a:off x="2493721" y="6101033"/>
+            <a:ext cx="3052113" cy="365125"/>
+          </a:xfrm>
+        </p:spPr>
         <p:txBody>
           <a:bodyPr/>
           <a:lstStyle/>
@@ -1924,7 +6177,12 @@
             <p:ph type="sldNum" sz="quarter" idx="12"/>
           </p:nvPr>
         </p:nvSpPr>
-        <p:spPr/>
+        <p:spPr>
+          <a:xfrm rot="900000">
+            <a:off x="1261872" y="301752"/>
+            <a:ext cx="2286000" cy="365125"/>
+          </a:xfrm>
+        </p:spPr>
         <p:txBody>
           <a:bodyPr/>
           <a:lstStyle/>
@@ -1938,15 +6196,18 @@
         </p:txBody>
       </p:sp>
     </p:spTree>
-    <p:extLst>
-      <p:ext uri="{BB962C8B-B14F-4D97-AF65-F5344CB8AC3E}">
-        <p14:creationId xmlns:p14="http://schemas.microsoft.com/office/powerpoint/2010/main" val="2599681811"/>
-      </p:ext>
-    </p:extLst>
   </p:cSld>
   <p:clrMapOvr>
     <a:masterClrMapping/>
   </p:clrMapOvr>
+  <p:transition xmlns:p14="http://schemas.microsoft.com/office/powerpoint/2010/main"/>
+  <p:timing>
+    <p:tnLst>
+      <p:par>
+        <p:cTn xmlns:p14="http://schemas.microsoft.com/office/powerpoint/2010/main" id="1" dur="indefinite" restart="never" nodeType="tmRoot"/>
+      </p:par>
+    </p:tnLst>
+  </p:timing>
 </p:sldLayout>
 </file>
 
@@ -1969,6 +6230,314 @@
       </p:grpSpPr>
       <p:sp>
         <p:nvSpPr>
+          <p:cNvPr id="12" name="Rounded Rectangle 11"/>
+          <p:cNvSpPr/>
+          <p:nvPr/>
+        </p:nvSpPr>
+        <p:spPr>
+          <a:xfrm rot="900000">
+            <a:off x="-372248" y="-1218153"/>
+            <a:ext cx="8577953" cy="6344114"/>
+          </a:xfrm>
+          <a:custGeom>
+            <a:avLst/>
+            <a:gdLst/>
+            <a:ahLst/>
+            <a:cxnLst/>
+            <a:rect l="l" t="t" r="r" b="b"/>
+            <a:pathLst>
+              <a:path w="8577953" h="6344114">
+                <a:moveTo>
+                  <a:pt x="0" y="2298455"/>
+                </a:moveTo>
+                <a:lnTo>
+                  <a:pt x="8577953" y="0"/>
+                </a:lnTo>
+                <a:lnTo>
+                  <a:pt x="8577953" y="6262024"/>
+                </a:lnTo>
+                <a:cubicBezTo>
+                  <a:pt x="8577953" y="6307361"/>
+                  <a:pt x="8541200" y="6344113"/>
+                  <a:pt x="8495863" y="6344113"/>
+                </a:cubicBezTo>
+                <a:lnTo>
+                  <a:pt x="1084031" y="6344114"/>
+                </a:lnTo>
+                <a:close/>
+              </a:path>
+            </a:pathLst>
+          </a:custGeom>
+          <a:solidFill>
+            <a:schemeClr val="bg1">
+              <a:alpha val="20000"/>
+            </a:schemeClr>
+          </a:solidFill>
+          <a:ln>
+            <a:noFill/>
+          </a:ln>
+          <a:effectLst/>
+        </p:spPr>
+        <p:style>
+          <a:lnRef idx="2">
+            <a:schemeClr val="accent1">
+              <a:shade val="50000"/>
+            </a:schemeClr>
+          </a:lnRef>
+          <a:fillRef idx="1">
+            <a:schemeClr val="accent1"/>
+          </a:fillRef>
+          <a:effectRef idx="0">
+            <a:schemeClr val="accent1"/>
+          </a:effectRef>
+          <a:fontRef idx="minor">
+            <a:schemeClr val="lt1"/>
+          </a:fontRef>
+        </p:style>
+        <p:txBody>
+          <a:bodyPr rtlCol="0" anchor="ctr"/>
+          <a:lstStyle/>
+          <a:p>
+            <a:pPr algn="ctr"/>
+            <a:endParaRPr lang="en-US"/>
+          </a:p>
+        </p:txBody>
+      </p:sp>
+      <p:sp>
+        <p:nvSpPr>
+          <p:cNvPr id="13" name="Rounded Rectangle 12"/>
+          <p:cNvSpPr/>
+          <p:nvPr/>
+        </p:nvSpPr>
+        <p:spPr>
+          <a:xfrm rot="900000">
+            <a:off x="-449071" y="5207889"/>
+            <a:ext cx="7470000" cy="2486713"/>
+          </a:xfrm>
+          <a:custGeom>
+            <a:avLst/>
+            <a:gdLst/>
+            <a:ahLst/>
+            <a:cxnLst/>
+            <a:rect l="l" t="t" r="r" b="b"/>
+            <a:pathLst>
+              <a:path w="7470000" h="2486713">
+                <a:moveTo>
+                  <a:pt x="0" y="0"/>
+                </a:moveTo>
+                <a:lnTo>
+                  <a:pt x="7387910" y="0"/>
+                </a:lnTo>
+                <a:cubicBezTo>
+                  <a:pt x="7433247" y="0"/>
+                  <a:pt x="7470000" y="36753"/>
+                  <a:pt x="7470000" y="82090"/>
+                </a:cubicBezTo>
+                <a:lnTo>
+                  <a:pt x="7470000" y="663670"/>
+                </a:lnTo>
+                <a:lnTo>
+                  <a:pt x="666313" y="2486713"/>
+                </a:lnTo>
+                <a:close/>
+              </a:path>
+            </a:pathLst>
+          </a:custGeom>
+          <a:solidFill>
+            <a:schemeClr val="bg1">
+              <a:alpha val="70000"/>
+            </a:schemeClr>
+          </a:solidFill>
+          <a:ln>
+            <a:noFill/>
+          </a:ln>
+          <a:effectLst/>
+        </p:spPr>
+        <p:style>
+          <a:lnRef idx="2">
+            <a:schemeClr val="accent1">
+              <a:shade val="50000"/>
+            </a:schemeClr>
+          </a:lnRef>
+          <a:fillRef idx="1">
+            <a:schemeClr val="accent1"/>
+          </a:fillRef>
+          <a:effectRef idx="0">
+            <a:schemeClr val="accent1"/>
+          </a:effectRef>
+          <a:fontRef idx="minor">
+            <a:schemeClr val="lt1"/>
+          </a:fontRef>
+        </p:style>
+        <p:txBody>
+          <a:bodyPr rtlCol="0" anchor="ctr"/>
+          <a:lstStyle/>
+          <a:p>
+            <a:pPr algn="ctr"/>
+            <a:endParaRPr lang="en-US"/>
+          </a:p>
+        </p:txBody>
+      </p:sp>
+      <p:sp>
+        <p:nvSpPr>
+          <p:cNvPr id="14" name="Rounded Rectangle 13"/>
+          <p:cNvSpPr/>
+          <p:nvPr/>
+        </p:nvSpPr>
+        <p:spPr>
+          <a:xfrm rot="900000">
+            <a:off x="7192310" y="6483326"/>
+            <a:ext cx="1932834" cy="635630"/>
+          </a:xfrm>
+          <a:custGeom>
+            <a:avLst/>
+            <a:gdLst/>
+            <a:ahLst/>
+            <a:cxnLst/>
+            <a:rect l="l" t="t" r="r" b="b"/>
+            <a:pathLst>
+              <a:path w="1932834" h="635630">
+                <a:moveTo>
+                  <a:pt x="50137" y="6451"/>
+                </a:moveTo>
+                <a:cubicBezTo>
+                  <a:pt x="59958" y="2297"/>
+                  <a:pt x="70756" y="0"/>
+                  <a:pt x="82090" y="0"/>
+                </a:cubicBezTo>
+                <a:lnTo>
+                  <a:pt x="1901288" y="0"/>
+                </a:lnTo>
+                <a:lnTo>
+                  <a:pt x="1932834" y="117729"/>
+                </a:lnTo>
+                <a:lnTo>
+                  <a:pt x="0" y="635630"/>
+                </a:lnTo>
+                <a:lnTo>
+                  <a:pt x="0" y="82090"/>
+                </a:lnTo>
+                <a:cubicBezTo>
+                  <a:pt x="0" y="48087"/>
+                  <a:pt x="20673" y="18913"/>
+                  <a:pt x="50137" y="6451"/>
+                </a:cubicBezTo>
+                <a:close/>
+              </a:path>
+            </a:pathLst>
+          </a:custGeom>
+          <a:solidFill>
+            <a:schemeClr val="bg1">
+              <a:alpha val="50000"/>
+            </a:schemeClr>
+          </a:solidFill>
+          <a:ln>
+            <a:noFill/>
+          </a:ln>
+          <a:effectLst/>
+        </p:spPr>
+        <p:style>
+          <a:lnRef idx="2">
+            <a:schemeClr val="accent1">
+              <a:shade val="50000"/>
+            </a:schemeClr>
+          </a:lnRef>
+          <a:fillRef idx="1">
+            <a:schemeClr val="accent1"/>
+          </a:fillRef>
+          <a:effectRef idx="0">
+            <a:schemeClr val="accent1"/>
+          </a:effectRef>
+          <a:fontRef idx="minor">
+            <a:schemeClr val="lt1"/>
+          </a:fontRef>
+        </p:style>
+        <p:txBody>
+          <a:bodyPr rtlCol="0" anchor="ctr"/>
+          <a:lstStyle/>
+          <a:p>
+            <a:pPr algn="ctr"/>
+            <a:endParaRPr lang="en-US" dirty="0"/>
+          </a:p>
+        </p:txBody>
+      </p:sp>
+      <p:sp>
+        <p:nvSpPr>
+          <p:cNvPr id="15" name="Rounded Rectangle 14"/>
+          <p:cNvSpPr/>
+          <p:nvPr/>
+        </p:nvSpPr>
+        <p:spPr>
+          <a:xfrm rot="900000">
+            <a:off x="8127084" y="92392"/>
+            <a:ext cx="1878991" cy="6414233"/>
+          </a:xfrm>
+          <a:custGeom>
+            <a:avLst/>
+            <a:gdLst/>
+            <a:ahLst/>
+            <a:cxnLst/>
+            <a:rect l="l" t="t" r="r" b="b"/>
+            <a:pathLst>
+              <a:path w="1878991" h="6414233">
+                <a:moveTo>
+                  <a:pt x="0" y="42953"/>
+                </a:moveTo>
+                <a:lnTo>
+                  <a:pt x="160303" y="0"/>
+                </a:lnTo>
+                <a:lnTo>
+                  <a:pt x="1878991" y="6414233"/>
+                </a:lnTo>
+                <a:lnTo>
+                  <a:pt x="82090" y="6414233"/>
+                </a:lnTo>
+                <a:cubicBezTo>
+                  <a:pt x="36753" y="6414233"/>
+                  <a:pt x="0" y="6377480"/>
+                  <a:pt x="0" y="6332143"/>
+                </a:cubicBezTo>
+                <a:close/>
+              </a:path>
+            </a:pathLst>
+          </a:custGeom>
+          <a:solidFill>
+            <a:schemeClr val="bg1">
+              <a:alpha val="35000"/>
+            </a:schemeClr>
+          </a:solidFill>
+          <a:ln>
+            <a:noFill/>
+          </a:ln>
+          <a:effectLst/>
+        </p:spPr>
+        <p:style>
+          <a:lnRef idx="2">
+            <a:schemeClr val="accent1">
+              <a:shade val="50000"/>
+            </a:schemeClr>
+          </a:lnRef>
+          <a:fillRef idx="1">
+            <a:schemeClr val="accent1"/>
+          </a:fillRef>
+          <a:effectRef idx="0">
+            <a:schemeClr val="accent1"/>
+          </a:effectRef>
+          <a:fontRef idx="minor">
+            <a:schemeClr val="lt1"/>
+          </a:fontRef>
+        </p:style>
+        <p:txBody>
+          <a:bodyPr rtlCol="0" anchor="ctr"/>
+          <a:lstStyle/>
+          <a:p>
+            <a:pPr algn="ctr"/>
+            <a:endParaRPr lang="en-US"/>
+          </a:p>
+        </p:txBody>
+      </p:sp>
+      <p:sp>
+        <p:nvSpPr>
           <p:cNvPr id="2" name="Date Placeholder 1"/>
           <p:cNvSpPr>
             <a:spLocks noGrp="1"/>
@@ -1977,10 +6546,19 @@
             <p:ph type="dt" sz="half" idx="10"/>
           </p:nvPr>
         </p:nvSpPr>
-        <p:spPr/>
+        <p:spPr>
+          <a:xfrm rot="900000">
+            <a:off x="7521938" y="5927116"/>
+            <a:ext cx="1524000" cy="365125"/>
+          </a:xfrm>
+        </p:spPr>
         <p:txBody>
           <a:bodyPr/>
-          <a:lstStyle/>
+          <a:lstStyle>
+            <a:lvl1pPr algn="l">
+              <a:defRPr/>
+            </a:lvl1pPr>
+          </a:lstStyle>
           <a:p>
             <a:fld id="{94F16D5C-FFC8-6947-AF52-971D5C15A401}" type="datetimeFigureOut">
               <a:rPr lang="en-US" smtClean="0"/>
@@ -2000,10 +6578,19 @@
             <p:ph type="ftr" sz="quarter" idx="11"/>
           </p:nvPr>
         </p:nvSpPr>
-        <p:spPr/>
+        <p:spPr>
+          <a:xfrm rot="900000">
+            <a:off x="3892286" y="5987296"/>
+            <a:ext cx="3124200" cy="295162"/>
+          </a:xfrm>
+        </p:spPr>
         <p:txBody>
           <a:bodyPr/>
-          <a:lstStyle/>
+          <a:lstStyle>
+            <a:lvl1pPr algn="r">
+              <a:defRPr/>
+            </a:lvl1pPr>
+          </a:lstStyle>
           <a:p>
             <a:endParaRPr lang="en-US"/>
           </a:p>
@@ -2019,10 +6606,19 @@
             <p:ph type="sldNum" sz="quarter" idx="12"/>
           </p:nvPr>
         </p:nvSpPr>
-        <p:spPr/>
+        <p:spPr>
+          <a:xfrm rot="900000">
+            <a:off x="7599046" y="5570110"/>
+            <a:ext cx="716206" cy="365125"/>
+          </a:xfrm>
+        </p:spPr>
         <p:txBody>
           <a:bodyPr/>
-          <a:lstStyle/>
+          <a:lstStyle>
+            <a:lvl1pPr algn="l">
+              <a:defRPr/>
+            </a:lvl1pPr>
+          </a:lstStyle>
           <a:p>
             <a:fld id="{72EA7C06-E324-374B-A144-94DC9B661D44}" type="slidenum">
               <a:rPr lang="en-US" smtClean="0"/>
@@ -2033,15 +6629,18 @@
         </p:txBody>
       </p:sp>
     </p:spTree>
-    <p:extLst>
-      <p:ext uri="{BB962C8B-B14F-4D97-AF65-F5344CB8AC3E}">
-        <p14:creationId xmlns:p14="http://schemas.microsoft.com/office/powerpoint/2010/main" val="3614364494"/>
-      </p:ext>
-    </p:extLst>
   </p:cSld>
   <p:clrMapOvr>
     <a:masterClrMapping/>
   </p:clrMapOvr>
+  <p:transition xmlns:p14="http://schemas.microsoft.com/office/powerpoint/2010/main"/>
+  <p:timing>
+    <p:tnLst>
+      <p:par>
+        <p:cTn xmlns:p14="http://schemas.microsoft.com/office/powerpoint/2010/main" id="1" dur="indefinite" restart="never" nodeType="tmRoot"/>
+      </p:par>
+    </p:tnLst>
+  </p:timing>
 </p:sldLayout>
 </file>
 
@@ -2064,6 +6663,314 @@
       </p:grpSpPr>
       <p:sp>
         <p:nvSpPr>
+          <p:cNvPr id="13" name="Rounded Rectangle 12"/>
+          <p:cNvSpPr/>
+          <p:nvPr/>
+        </p:nvSpPr>
+        <p:spPr>
+          <a:xfrm rot="20707748">
+            <a:off x="-897260" y="-624538"/>
+            <a:ext cx="7286946" cy="6041338"/>
+          </a:xfrm>
+          <a:custGeom>
+            <a:avLst/>
+            <a:gdLst/>
+            <a:ahLst/>
+            <a:cxnLst/>
+            <a:rect l="l" t="t" r="r" b="b"/>
+            <a:pathLst>
+              <a:path w="7286946" h="6041338">
+                <a:moveTo>
+                  <a:pt x="1604186" y="0"/>
+                </a:moveTo>
+                <a:lnTo>
+                  <a:pt x="7286946" y="1508972"/>
+                </a:lnTo>
+                <a:lnTo>
+                  <a:pt x="7286946" y="5959247"/>
+                </a:lnTo>
+                <a:cubicBezTo>
+                  <a:pt x="7286946" y="6004584"/>
+                  <a:pt x="7250193" y="6041337"/>
+                  <a:pt x="7204856" y="6041337"/>
+                </a:cubicBezTo>
+                <a:lnTo>
+                  <a:pt x="0" y="6041338"/>
+                </a:lnTo>
+                <a:close/>
+              </a:path>
+            </a:pathLst>
+          </a:custGeom>
+          <a:solidFill>
+            <a:schemeClr val="bg1">
+              <a:alpha val="50000"/>
+            </a:schemeClr>
+          </a:solidFill>
+          <a:ln>
+            <a:noFill/>
+          </a:ln>
+          <a:effectLst/>
+        </p:spPr>
+        <p:style>
+          <a:lnRef idx="2">
+            <a:schemeClr val="accent1">
+              <a:shade val="50000"/>
+            </a:schemeClr>
+          </a:lnRef>
+          <a:fillRef idx="1">
+            <a:schemeClr val="accent1"/>
+          </a:fillRef>
+          <a:effectRef idx="0">
+            <a:schemeClr val="accent1"/>
+          </a:effectRef>
+          <a:fontRef idx="minor">
+            <a:schemeClr val="lt1"/>
+          </a:fontRef>
+        </p:style>
+        <p:txBody>
+          <a:bodyPr rtlCol="0" anchor="ctr"/>
+          <a:lstStyle/>
+          <a:p>
+            <a:pPr algn="ctr"/>
+            <a:endParaRPr lang="en-US"/>
+          </a:p>
+        </p:txBody>
+      </p:sp>
+      <p:sp>
+        <p:nvSpPr>
+          <p:cNvPr id="14" name="Rounded Rectangle 13"/>
+          <p:cNvSpPr/>
+          <p:nvPr/>
+        </p:nvSpPr>
+        <p:spPr>
+          <a:xfrm rot="20707748">
+            <a:off x="64806" y="5378153"/>
+            <a:ext cx="7443151" cy="2476431"/>
+          </a:xfrm>
+          <a:custGeom>
+            <a:avLst/>
+            <a:gdLst/>
+            <a:ahLst/>
+            <a:cxnLst/>
+            <a:rect l="l" t="t" r="r" b="b"/>
+            <a:pathLst>
+              <a:path w="7443151" h="2476431">
+                <a:moveTo>
+                  <a:pt x="7393013" y="6452"/>
+                </a:moveTo>
+                <a:cubicBezTo>
+                  <a:pt x="7422477" y="18914"/>
+                  <a:pt x="7443150" y="48087"/>
+                  <a:pt x="7443150" y="82090"/>
+                </a:cubicBezTo>
+                <a:lnTo>
+                  <a:pt x="7443151" y="2476431"/>
+                </a:lnTo>
+                <a:lnTo>
+                  <a:pt x="0" y="500014"/>
+                </a:lnTo>
+                <a:lnTo>
+                  <a:pt x="132771" y="1"/>
+                </a:lnTo>
+                <a:lnTo>
+                  <a:pt x="7361060" y="1"/>
+                </a:lnTo>
+                <a:cubicBezTo>
+                  <a:pt x="7372394" y="0"/>
+                  <a:pt x="7383192" y="2298"/>
+                  <a:pt x="7393013" y="6452"/>
+                </a:cubicBezTo>
+                <a:close/>
+              </a:path>
+            </a:pathLst>
+          </a:custGeom>
+          <a:solidFill>
+            <a:schemeClr val="bg1">
+              <a:alpha val="35000"/>
+            </a:schemeClr>
+          </a:solidFill>
+          <a:ln>
+            <a:noFill/>
+          </a:ln>
+          <a:effectLst/>
+        </p:spPr>
+        <p:style>
+          <a:lnRef idx="2">
+            <a:schemeClr val="accent1">
+              <a:shade val="50000"/>
+            </a:schemeClr>
+          </a:lnRef>
+          <a:fillRef idx="1">
+            <a:schemeClr val="accent1"/>
+          </a:fillRef>
+          <a:effectRef idx="0">
+            <a:schemeClr val="accent1"/>
+          </a:effectRef>
+          <a:fontRef idx="minor">
+            <a:schemeClr val="lt1"/>
+          </a:fontRef>
+        </p:style>
+        <p:txBody>
+          <a:bodyPr rtlCol="0" anchor="ctr"/>
+          <a:lstStyle/>
+          <a:p>
+            <a:pPr algn="ctr"/>
+            <a:endParaRPr lang="en-US"/>
+          </a:p>
+        </p:txBody>
+      </p:sp>
+      <p:sp>
+        <p:nvSpPr>
+          <p:cNvPr id="15" name="Rounded Rectangle 14"/>
+          <p:cNvSpPr/>
+          <p:nvPr/>
+        </p:nvSpPr>
+        <p:spPr>
+          <a:xfrm rot="20707748">
+            <a:off x="7660994" y="5459931"/>
+            <a:ext cx="1709023" cy="1538302"/>
+          </a:xfrm>
+          <a:custGeom>
+            <a:avLst/>
+            <a:gdLst/>
+            <a:ahLst/>
+            <a:cxnLst/>
+            <a:rect l="l" t="t" r="r" b="b"/>
+            <a:pathLst>
+              <a:path w="1709023" h="1538302">
+                <a:moveTo>
+                  <a:pt x="1709023" y="0"/>
+                </a:moveTo>
+                <a:lnTo>
+                  <a:pt x="1300550" y="1538302"/>
+                </a:lnTo>
+                <a:lnTo>
+                  <a:pt x="0" y="1192960"/>
+                </a:lnTo>
+                <a:lnTo>
+                  <a:pt x="0" y="82090"/>
+                </a:lnTo>
+                <a:cubicBezTo>
+                  <a:pt x="0" y="36753"/>
+                  <a:pt x="36753" y="0"/>
+                  <a:pt x="82090" y="0"/>
+                </a:cubicBezTo>
+                <a:close/>
+              </a:path>
+            </a:pathLst>
+          </a:custGeom>
+          <a:solidFill>
+            <a:schemeClr val="bg1">
+              <a:alpha val="20000"/>
+            </a:schemeClr>
+          </a:solidFill>
+          <a:ln>
+            <a:noFill/>
+          </a:ln>
+          <a:effectLst/>
+        </p:spPr>
+        <p:style>
+          <a:lnRef idx="2">
+            <a:schemeClr val="accent1">
+              <a:shade val="50000"/>
+            </a:schemeClr>
+          </a:lnRef>
+          <a:fillRef idx="1">
+            <a:schemeClr val="accent1"/>
+          </a:fillRef>
+          <a:effectRef idx="0">
+            <a:schemeClr val="accent1"/>
+          </a:effectRef>
+          <a:fontRef idx="minor">
+            <a:schemeClr val="lt1"/>
+          </a:fontRef>
+        </p:style>
+        <p:txBody>
+          <a:bodyPr rtlCol="0" anchor="ctr"/>
+          <a:lstStyle/>
+          <a:p>
+            <a:pPr algn="ctr"/>
+            <a:endParaRPr lang="en-US"/>
+          </a:p>
+        </p:txBody>
+      </p:sp>
+      <p:sp>
+        <p:nvSpPr>
+          <p:cNvPr id="16" name="Rounded Rectangle 15"/>
+          <p:cNvSpPr/>
+          <p:nvPr/>
+        </p:nvSpPr>
+        <p:spPr>
+          <a:xfrm rot="20707748">
+            <a:off x="6673110" y="-489836"/>
+            <a:ext cx="3059119" cy="5809409"/>
+          </a:xfrm>
+          <a:custGeom>
+            <a:avLst/>
+            <a:gdLst/>
+            <a:ahLst/>
+            <a:cxnLst/>
+            <a:rect l="l" t="t" r="r" b="b"/>
+            <a:pathLst>
+              <a:path w="3059119" h="5809409">
+                <a:moveTo>
+                  <a:pt x="0" y="0"/>
+                </a:moveTo>
+                <a:lnTo>
+                  <a:pt x="3059119" y="812303"/>
+                </a:lnTo>
+                <a:lnTo>
+                  <a:pt x="1732212" y="5809409"/>
+                </a:lnTo>
+                <a:lnTo>
+                  <a:pt x="82090" y="5809409"/>
+                </a:lnTo>
+                <a:cubicBezTo>
+                  <a:pt x="36753" y="5809409"/>
+                  <a:pt x="0" y="5772656"/>
+                  <a:pt x="0" y="5727319"/>
+                </a:cubicBezTo>
+                <a:close/>
+              </a:path>
+            </a:pathLst>
+          </a:custGeom>
+          <a:solidFill>
+            <a:schemeClr val="bg1">
+              <a:alpha val="70000"/>
+            </a:schemeClr>
+          </a:solidFill>
+          <a:ln>
+            <a:noFill/>
+          </a:ln>
+          <a:effectLst/>
+        </p:spPr>
+        <p:style>
+          <a:lnRef idx="2">
+            <a:schemeClr val="accent1">
+              <a:shade val="50000"/>
+            </a:schemeClr>
+          </a:lnRef>
+          <a:fillRef idx="1">
+            <a:schemeClr val="accent1"/>
+          </a:fillRef>
+          <a:effectRef idx="0">
+            <a:schemeClr val="accent1"/>
+          </a:effectRef>
+          <a:fontRef idx="minor">
+            <a:schemeClr val="lt1"/>
+          </a:fontRef>
+        </p:style>
+        <p:txBody>
+          <a:bodyPr rtlCol="0" anchor="ctr"/>
+          <a:lstStyle/>
+          <a:p>
+            <a:pPr algn="ctr"/>
+            <a:endParaRPr lang="en-US"/>
+          </a:p>
+        </p:txBody>
+      </p:sp>
+      <p:sp>
+        <p:nvSpPr>
           <p:cNvPr id="2" name="Title 1"/>
           <p:cNvSpPr>
             <a:spLocks noGrp="1"/>
@@ -2073,16 +6980,16 @@
           </p:nvPr>
         </p:nvSpPr>
         <p:spPr>
-          <a:xfrm>
-            <a:off x="457200" y="273050"/>
-            <a:ext cx="3008313" cy="1162050"/>
+          <a:xfrm rot="4500000">
+            <a:off x="5175504" y="2231136"/>
+            <a:ext cx="4818888" cy="1435608"/>
           </a:xfrm>
         </p:spPr>
         <p:txBody>
           <a:bodyPr anchor="b"/>
           <a:lstStyle>
-            <a:lvl1pPr algn="l">
-              <a:defRPr sz="2000" b="1"/>
+            <a:lvl1pPr algn="r">
+              <a:defRPr sz="4400" b="0"/>
             </a:lvl1pPr>
           </a:lstStyle>
           <a:p>
@@ -2090,7 +6997,7 @@
               <a:rPr lang="en-GB" smtClean="0"/>
               <a:t>Click to edit Master title style</a:t>
             </a:r>
-            <a:endParaRPr lang="en-US"/>
+            <a:endParaRPr lang="en-US" dirty="0"/>
           </a:p>
         </p:txBody>
       </p:sp>
@@ -2105,13 +7012,13 @@
           </p:nvPr>
         </p:nvSpPr>
         <p:spPr>
-          <a:xfrm>
-            <a:off x="3575050" y="273050"/>
-            <a:ext cx="5111750" cy="5853113"/>
-          </a:xfrm>
-        </p:spPr>
-        <p:txBody>
-          <a:bodyPr/>
+          <a:xfrm rot="-900000">
+            <a:off x="844848" y="997933"/>
+            <a:ext cx="5343100" cy="3888220"/>
+          </a:xfrm>
+        </p:spPr>
+        <p:txBody>
+          <a:bodyPr anchor="b"/>
           <a:lstStyle>
             <a:lvl1pPr>
               <a:defRPr sz="3200"/>
@@ -2175,7 +7082,7 @@
               <a:rPr lang="en-GB" smtClean="0"/>
               <a:t>Fifth level</a:t>
             </a:r>
-            <a:endParaRPr lang="en-US"/>
+            <a:endParaRPr lang="en-US" dirty="0"/>
           </a:p>
         </p:txBody>
       </p:sp>
@@ -2190,17 +7097,19 @@
           </p:nvPr>
         </p:nvSpPr>
         <p:spPr>
-          <a:xfrm>
-            <a:off x="457200" y="1435100"/>
-            <a:ext cx="3008313" cy="4691063"/>
-          </a:xfrm>
-        </p:spPr>
-        <p:txBody>
-          <a:bodyPr/>
+          <a:xfrm rot="-900000">
+            <a:off x="3216573" y="5144589"/>
+            <a:ext cx="3930375" cy="988131"/>
+          </a:xfrm>
+        </p:spPr>
+        <p:txBody>
+          <a:bodyPr>
+            <a:normAutofit/>
+          </a:bodyPr>
           <a:lstStyle>
-            <a:lvl1pPr marL="0" indent="0">
-              <a:buNone/>
-              <a:defRPr sz="1400"/>
+            <a:lvl1pPr marL="0" indent="0" algn="r">
+              <a:buNone/>
+              <a:defRPr sz="1800"/>
             </a:lvl1pPr>
             <a:lvl2pPr marL="457200" indent="0">
               <a:buNone/>
@@ -2254,10 +7163,19 @@
             <p:ph type="dt" sz="half" idx="10"/>
           </p:nvPr>
         </p:nvSpPr>
-        <p:spPr/>
+        <p:spPr>
+          <a:xfrm rot="-900000">
+            <a:off x="7754112" y="5888736"/>
+            <a:ext cx="1243584" cy="365125"/>
+          </a:xfrm>
+        </p:spPr>
         <p:txBody>
           <a:bodyPr/>
-          <a:lstStyle/>
+          <a:lstStyle>
+            <a:lvl1pPr algn="l">
+              <a:defRPr/>
+            </a:lvl1pPr>
+          </a:lstStyle>
           <a:p>
             <a:fld id="{94F16D5C-FFC8-6947-AF52-971D5C15A401}" type="datetimeFigureOut">
               <a:rPr lang="en-US" smtClean="0"/>
@@ -2277,10 +7195,19 @@
             <p:ph type="ftr" sz="quarter" idx="11"/>
           </p:nvPr>
         </p:nvSpPr>
-        <p:spPr/>
+        <p:spPr>
+          <a:xfrm rot="-900000">
+            <a:off x="4263966" y="6099104"/>
+            <a:ext cx="3063047" cy="365125"/>
+          </a:xfrm>
+        </p:spPr>
         <p:txBody>
           <a:bodyPr/>
-          <a:lstStyle/>
+          <a:lstStyle>
+            <a:lvl1pPr algn="r">
+              <a:defRPr/>
+            </a:lvl1pPr>
+          </a:lstStyle>
           <a:p>
             <a:endParaRPr lang="en-US"/>
           </a:p>
@@ -2296,10 +7223,19 @@
             <p:ph type="sldNum" sz="quarter" idx="12"/>
           </p:nvPr>
         </p:nvSpPr>
-        <p:spPr/>
+        <p:spPr>
+          <a:xfrm rot="-900000">
+            <a:off x="7690104" y="5641848"/>
+            <a:ext cx="1243584" cy="365125"/>
+          </a:xfrm>
+        </p:spPr>
         <p:txBody>
           <a:bodyPr/>
-          <a:lstStyle/>
+          <a:lstStyle>
+            <a:lvl1pPr algn="l">
+              <a:defRPr/>
+            </a:lvl1pPr>
+          </a:lstStyle>
           <a:p>
             <a:fld id="{72EA7C06-E324-374B-A144-94DC9B661D44}" type="slidenum">
               <a:rPr lang="en-US" smtClean="0"/>
@@ -2310,15 +7246,18 @@
         </p:txBody>
       </p:sp>
     </p:spTree>
-    <p:extLst>
-      <p:ext uri="{BB962C8B-B14F-4D97-AF65-F5344CB8AC3E}">
-        <p14:creationId xmlns:p14="http://schemas.microsoft.com/office/powerpoint/2010/main" val="3199675676"/>
-      </p:ext>
-    </p:extLst>
   </p:cSld>
   <p:clrMapOvr>
     <a:masterClrMapping/>
   </p:clrMapOvr>
+  <p:transition xmlns:p14="http://schemas.microsoft.com/office/powerpoint/2010/main"/>
+  <p:timing>
+    <p:tnLst>
+      <p:par>
+        <p:cTn xmlns:p14="http://schemas.microsoft.com/office/powerpoint/2010/main" id="1" dur="indefinite" restart="never" nodeType="tmRoot"/>
+      </p:par>
+    </p:tnLst>
+  </p:timing>
 </p:sldLayout>
 </file>
 
@@ -2341,6 +7280,314 @@
       </p:grpSpPr>
       <p:sp>
         <p:nvSpPr>
+          <p:cNvPr id="15" name="Rounded Rectangle 14"/>
+          <p:cNvSpPr/>
+          <p:nvPr/>
+        </p:nvSpPr>
+        <p:spPr>
+          <a:xfrm rot="900000">
+            <a:off x="-533701" y="-979752"/>
+            <a:ext cx="6672870" cy="6821601"/>
+          </a:xfrm>
+          <a:custGeom>
+            <a:avLst/>
+            <a:gdLst/>
+            <a:ahLst/>
+            <a:cxnLst/>
+            <a:rect l="l" t="t" r="r" b="b"/>
+            <a:pathLst>
+              <a:path w="6672870" h="6821601">
+                <a:moveTo>
+                  <a:pt x="0" y="1787990"/>
+                </a:moveTo>
+                <a:lnTo>
+                  <a:pt x="6672870" y="0"/>
+                </a:lnTo>
+                <a:lnTo>
+                  <a:pt x="6672870" y="6739511"/>
+                </a:lnTo>
+                <a:cubicBezTo>
+                  <a:pt x="6672870" y="6784848"/>
+                  <a:pt x="6636117" y="6821601"/>
+                  <a:pt x="6590780" y="6821601"/>
+                </a:cubicBezTo>
+                <a:lnTo>
+                  <a:pt x="1348753" y="6821601"/>
+                </a:lnTo>
+                <a:close/>
+              </a:path>
+            </a:pathLst>
+          </a:custGeom>
+          <a:solidFill>
+            <a:schemeClr val="bg1">
+              <a:alpha val="50000"/>
+            </a:schemeClr>
+          </a:solidFill>
+          <a:ln>
+            <a:noFill/>
+          </a:ln>
+          <a:effectLst/>
+        </p:spPr>
+        <p:style>
+          <a:lnRef idx="2">
+            <a:schemeClr val="accent1">
+              <a:shade val="50000"/>
+            </a:schemeClr>
+          </a:lnRef>
+          <a:fillRef idx="1">
+            <a:schemeClr val="accent1"/>
+          </a:fillRef>
+          <a:effectRef idx="0">
+            <a:schemeClr val="accent1"/>
+          </a:effectRef>
+          <a:fontRef idx="minor">
+            <a:schemeClr val="lt1"/>
+          </a:fontRef>
+        </p:style>
+        <p:txBody>
+          <a:bodyPr rtlCol="0" anchor="ctr"/>
+          <a:lstStyle/>
+          <a:p>
+            <a:pPr algn="ctr"/>
+            <a:endParaRPr lang="en-US"/>
+          </a:p>
+        </p:txBody>
+      </p:sp>
+      <p:sp>
+        <p:nvSpPr>
+          <p:cNvPr id="16" name="Rounded Rectangle 15"/>
+          <p:cNvSpPr/>
+          <p:nvPr/>
+        </p:nvSpPr>
+        <p:spPr>
+          <a:xfrm rot="900000">
+            <a:off x="-283896" y="5969722"/>
+            <a:ext cx="5300494" cy="1495954"/>
+          </a:xfrm>
+          <a:custGeom>
+            <a:avLst/>
+            <a:gdLst/>
+            <a:ahLst/>
+            <a:cxnLst/>
+            <a:rect l="l" t="t" r="r" b="b"/>
+            <a:pathLst>
+              <a:path w="5300494" h="1495954">
+                <a:moveTo>
+                  <a:pt x="0" y="0"/>
+                </a:moveTo>
+                <a:lnTo>
+                  <a:pt x="5218404" y="0"/>
+                </a:lnTo>
+                <a:cubicBezTo>
+                  <a:pt x="5263741" y="0"/>
+                  <a:pt x="5300494" y="36753"/>
+                  <a:pt x="5300494" y="82090"/>
+                </a:cubicBezTo>
+                <a:lnTo>
+                  <a:pt x="5300494" y="183095"/>
+                </a:lnTo>
+                <a:lnTo>
+                  <a:pt x="400840" y="1495954"/>
+                </a:lnTo>
+                <a:close/>
+              </a:path>
+            </a:pathLst>
+          </a:custGeom>
+          <a:solidFill>
+            <a:schemeClr val="bg1">
+              <a:alpha val="20000"/>
+            </a:schemeClr>
+          </a:solidFill>
+          <a:ln>
+            <a:noFill/>
+          </a:ln>
+          <a:effectLst/>
+        </p:spPr>
+        <p:style>
+          <a:lnRef idx="2">
+            <a:schemeClr val="accent1">
+              <a:shade val="50000"/>
+            </a:schemeClr>
+          </a:lnRef>
+          <a:fillRef idx="1">
+            <a:schemeClr val="accent1"/>
+          </a:fillRef>
+          <a:effectRef idx="0">
+            <a:schemeClr val="accent1"/>
+          </a:effectRef>
+          <a:fontRef idx="minor">
+            <a:schemeClr val="lt1"/>
+          </a:fontRef>
+        </p:style>
+        <p:txBody>
+          <a:bodyPr rtlCol="0" anchor="ctr"/>
+          <a:lstStyle/>
+          <a:p>
+            <a:pPr algn="ctr"/>
+            <a:endParaRPr lang="en-US"/>
+          </a:p>
+        </p:txBody>
+      </p:sp>
+      <p:sp>
+        <p:nvSpPr>
+          <p:cNvPr id="17" name="Rounded Rectangle 16"/>
+          <p:cNvSpPr/>
+          <p:nvPr/>
+        </p:nvSpPr>
+        <p:spPr>
+          <a:xfrm rot="900000">
+            <a:off x="6930292" y="-242630"/>
+            <a:ext cx="2434235" cy="1383623"/>
+          </a:xfrm>
+          <a:custGeom>
+            <a:avLst/>
+            <a:gdLst/>
+            <a:ahLst/>
+            <a:cxnLst/>
+            <a:rect l="l" t="t" r="r" b="b"/>
+            <a:pathLst>
+              <a:path w="2434235" h="1383623">
+                <a:moveTo>
+                  <a:pt x="0" y="552912"/>
+                </a:moveTo>
+                <a:lnTo>
+                  <a:pt x="2063495" y="0"/>
+                </a:lnTo>
+                <a:lnTo>
+                  <a:pt x="2434235" y="1383623"/>
+                </a:lnTo>
+                <a:lnTo>
+                  <a:pt x="82090" y="1383622"/>
+                </a:lnTo>
+                <a:cubicBezTo>
+                  <a:pt x="36754" y="1383622"/>
+                  <a:pt x="0" y="1346869"/>
+                  <a:pt x="0" y="1301533"/>
+                </a:cubicBezTo>
+                <a:close/>
+              </a:path>
+            </a:pathLst>
+          </a:custGeom>
+          <a:solidFill>
+            <a:schemeClr val="bg1">
+              <a:alpha val="35000"/>
+            </a:schemeClr>
+          </a:solidFill>
+          <a:ln>
+            <a:noFill/>
+          </a:ln>
+          <a:effectLst/>
+        </p:spPr>
+        <p:style>
+          <a:lnRef idx="2">
+            <a:schemeClr val="accent1">
+              <a:shade val="50000"/>
+            </a:schemeClr>
+          </a:lnRef>
+          <a:fillRef idx="1">
+            <a:schemeClr val="accent1"/>
+          </a:fillRef>
+          <a:effectRef idx="0">
+            <a:schemeClr val="accent1"/>
+          </a:effectRef>
+          <a:fontRef idx="minor">
+            <a:schemeClr val="lt1"/>
+          </a:fontRef>
+        </p:style>
+        <p:txBody>
+          <a:bodyPr rtlCol="0" anchor="ctr"/>
+          <a:lstStyle/>
+          <a:p>
+            <a:pPr algn="ctr"/>
+            <a:endParaRPr lang="en-US"/>
+          </a:p>
+        </p:txBody>
+      </p:sp>
+      <p:sp>
+        <p:nvSpPr>
+          <p:cNvPr id="18" name="Rounded Rectangle 17"/>
+          <p:cNvSpPr/>
+          <p:nvPr/>
+        </p:nvSpPr>
+        <p:spPr>
+          <a:xfrm rot="900000">
+            <a:off x="5899782" y="1282101"/>
+            <a:ext cx="3842742" cy="6178450"/>
+          </a:xfrm>
+          <a:custGeom>
+            <a:avLst/>
+            <a:gdLst/>
+            <a:ahLst/>
+            <a:cxnLst/>
+            <a:rect l="l" t="t" r="r" b="b"/>
+            <a:pathLst>
+              <a:path w="3842742" h="6178450">
+                <a:moveTo>
+                  <a:pt x="50137" y="6451"/>
+                </a:moveTo>
+                <a:cubicBezTo>
+                  <a:pt x="59958" y="2297"/>
+                  <a:pt x="70756" y="0"/>
+                  <a:pt x="82090" y="0"/>
+                </a:cubicBezTo>
+                <a:lnTo>
+                  <a:pt x="2463128" y="0"/>
+                </a:lnTo>
+                <a:lnTo>
+                  <a:pt x="3842742" y="5148790"/>
+                </a:lnTo>
+                <a:lnTo>
+                  <a:pt x="0" y="6178450"/>
+                </a:lnTo>
+                <a:lnTo>
+                  <a:pt x="0" y="82090"/>
+                </a:lnTo>
+                <a:cubicBezTo>
+                  <a:pt x="0" y="48087"/>
+                  <a:pt x="20674" y="18913"/>
+                  <a:pt x="50137" y="6451"/>
+                </a:cubicBezTo>
+                <a:close/>
+              </a:path>
+            </a:pathLst>
+          </a:custGeom>
+          <a:solidFill>
+            <a:schemeClr val="bg1">
+              <a:alpha val="70000"/>
+            </a:schemeClr>
+          </a:solidFill>
+          <a:ln>
+            <a:noFill/>
+          </a:ln>
+          <a:effectLst/>
+        </p:spPr>
+        <p:style>
+          <a:lnRef idx="2">
+            <a:schemeClr val="accent1">
+              <a:shade val="50000"/>
+            </a:schemeClr>
+          </a:lnRef>
+          <a:fillRef idx="1">
+            <a:schemeClr val="accent1"/>
+          </a:fillRef>
+          <a:effectRef idx="0">
+            <a:schemeClr val="accent1"/>
+          </a:effectRef>
+          <a:fontRef idx="minor">
+            <a:schemeClr val="lt1"/>
+          </a:fontRef>
+        </p:style>
+        <p:txBody>
+          <a:bodyPr rtlCol="0" anchor="ctr"/>
+          <a:lstStyle/>
+          <a:p>
+            <a:pPr algn="ctr"/>
+            <a:endParaRPr lang="en-US"/>
+          </a:p>
+        </p:txBody>
+      </p:sp>
+      <p:sp>
+        <p:nvSpPr>
           <p:cNvPr id="2" name="Title 1"/>
           <p:cNvSpPr>
             <a:spLocks noGrp="1"/>
@@ -2350,16 +7597,18 @@
           </p:nvPr>
         </p:nvSpPr>
         <p:spPr>
-          <a:xfrm>
-            <a:off x="1792288" y="4800600"/>
-            <a:ext cx="5486400" cy="566738"/>
-          </a:xfrm>
-        </p:spPr>
-        <p:txBody>
-          <a:bodyPr anchor="b"/>
+          <a:xfrm rot="-4500000">
+            <a:off x="4578273" y="2744935"/>
+            <a:ext cx="5036383" cy="1997131"/>
+          </a:xfrm>
+        </p:spPr>
+        <p:txBody>
+          <a:bodyPr anchor="t">
+            <a:normAutofit/>
+          </a:bodyPr>
           <a:lstStyle>
-            <a:lvl1pPr algn="l">
-              <a:defRPr sz="2000" b="1"/>
+            <a:lvl1pPr algn="r">
+              <a:defRPr sz="4400" b="0"/>
             </a:lvl1pPr>
           </a:lstStyle>
           <a:p>
@@ -2382,10 +7631,27 @@
           </p:nvPr>
         </p:nvSpPr>
         <p:spPr>
-          <a:xfrm>
-            <a:off x="1792288" y="612775"/>
-            <a:ext cx="5486400" cy="4114800"/>
-          </a:xfrm>
+          <a:xfrm rot="900000">
+            <a:off x="1507529" y="615731"/>
+            <a:ext cx="4323504" cy="3294418"/>
+          </a:xfrm>
+          <a:prstGeom prst="roundRect">
+            <a:avLst>
+              <a:gd name="adj" fmla="val 4992"/>
+            </a:avLst>
+          </a:prstGeom>
+          <a:ln w="19050">
+            <a:solidFill>
+              <a:schemeClr val="tx1"/>
+            </a:solidFill>
+          </a:ln>
+          <a:effectLst>
+            <a:innerShdw blurRad="101600" dir="13500000">
+              <a:prstClr val="black">
+                <a:alpha val="70000"/>
+              </a:prstClr>
+            </a:innerShdw>
+          </a:effectLst>
         </p:spPr>
         <p:txBody>
           <a:bodyPr/>
@@ -2428,6 +7694,10 @@
             </a:lvl9pPr>
           </a:lstStyle>
           <a:p>
+            <a:r>
+              <a:rPr lang="en-GB" smtClean="0"/>
+              <a:t>Drag picture to placeholder or click icon to add</a:t>
+            </a:r>
             <a:endParaRPr lang="en-US"/>
           </a:p>
         </p:txBody>
@@ -2443,17 +7713,19 @@
           </p:nvPr>
         </p:nvSpPr>
         <p:spPr>
-          <a:xfrm>
-            <a:off x="1792288" y="5367338"/>
-            <a:ext cx="5486400" cy="804862"/>
-          </a:xfrm>
-        </p:spPr>
-        <p:txBody>
-          <a:bodyPr/>
+          <a:xfrm rot="900000">
+            <a:off x="822789" y="4161126"/>
+            <a:ext cx="4310915" cy="1203540"/>
+          </a:xfrm>
+        </p:spPr>
+        <p:txBody>
+          <a:bodyPr anchor="t">
+            <a:normAutofit/>
+          </a:bodyPr>
           <a:lstStyle>
-            <a:lvl1pPr marL="0" indent="0">
-              <a:buNone/>
-              <a:defRPr sz="1400"/>
+            <a:lvl1pPr marL="0" indent="0" algn="ctr">
+              <a:buNone/>
+              <a:defRPr sz="2000"/>
             </a:lvl1pPr>
             <a:lvl2pPr marL="457200" indent="0">
               <a:buNone/>
@@ -2507,10 +7779,19 @@
             <p:ph type="dt" sz="half" idx="10"/>
           </p:nvPr>
         </p:nvSpPr>
-        <p:spPr/>
+        <p:spPr>
+          <a:xfrm rot="900000">
+            <a:off x="6992395" y="571255"/>
+            <a:ext cx="1524000" cy="365125"/>
+          </a:xfrm>
+        </p:spPr>
         <p:txBody>
           <a:bodyPr/>
-          <a:lstStyle/>
+          <a:lstStyle>
+            <a:lvl1pPr algn="l">
+              <a:defRPr/>
+            </a:lvl1pPr>
+          </a:lstStyle>
           <a:p>
             <a:fld id="{94F16D5C-FFC8-6947-AF52-971D5C15A401}" type="datetimeFigureOut">
               <a:rPr lang="en-US" smtClean="0"/>
@@ -2530,10 +7811,19 @@
             <p:ph type="ftr" sz="quarter" idx="11"/>
           </p:nvPr>
         </p:nvSpPr>
-        <p:spPr/>
+        <p:spPr>
+          <a:xfrm rot="900000">
+            <a:off x="647292" y="5162531"/>
+            <a:ext cx="2977453" cy="365125"/>
+          </a:xfrm>
+        </p:spPr>
         <p:txBody>
           <a:bodyPr/>
-          <a:lstStyle/>
+          <a:lstStyle>
+            <a:lvl1pPr algn="l">
+              <a:defRPr/>
+            </a:lvl1pPr>
+          </a:lstStyle>
           <a:p>
             <a:endParaRPr lang="en-US"/>
           </a:p>
@@ -2549,10 +7839,19 @@
             <p:ph type="sldNum" sz="quarter" idx="12"/>
           </p:nvPr>
         </p:nvSpPr>
-        <p:spPr/>
+        <p:spPr>
+          <a:xfrm rot="900000">
+            <a:off x="7046470" y="391054"/>
+            <a:ext cx="1963187" cy="365125"/>
+          </a:xfrm>
+        </p:spPr>
         <p:txBody>
           <a:bodyPr/>
-          <a:lstStyle/>
+          <a:lstStyle>
+            <a:lvl1pPr algn="l">
+              <a:defRPr/>
+            </a:lvl1pPr>
+          </a:lstStyle>
           <a:p>
             <a:fld id="{72EA7C06-E324-374B-A144-94DC9B661D44}" type="slidenum">
               <a:rPr lang="en-US" smtClean="0"/>
@@ -2563,15 +7862,18 @@
         </p:txBody>
       </p:sp>
     </p:spTree>
-    <p:extLst>
-      <p:ext uri="{BB962C8B-B14F-4D97-AF65-F5344CB8AC3E}">
-        <p14:creationId xmlns:p14="http://schemas.microsoft.com/office/powerpoint/2010/main" val="1620928460"/>
-      </p:ext>
-    </p:extLst>
   </p:cSld>
   <p:clrMapOvr>
     <a:masterClrMapping/>
   </p:clrMapOvr>
+  <p:transition xmlns:p14="http://schemas.microsoft.com/office/powerpoint/2010/main"/>
+  <p:timing>
+    <p:tnLst>
+      <p:par>
+        <p:cTn xmlns:p14="http://schemas.microsoft.com/office/powerpoint/2010/main" id="1" dur="indefinite" restart="never" nodeType="tmRoot"/>
+      </p:par>
+    </p:tnLst>
+  </p:timing>
 </p:sldLayout>
 </file>
 
@@ -2579,8 +7881,8 @@
 <p:sldMaster xmlns:a="http://schemas.openxmlformats.org/drawingml/2006/main" xmlns:r="http://schemas.openxmlformats.org/officeDocument/2006/relationships" xmlns:p="http://schemas.openxmlformats.org/presentationml/2006/main">
   <p:cSld>
     <p:bg>
-      <p:bgRef idx="1001">
-        <a:schemeClr val="bg1"/>
+      <p:bgRef idx="1003">
+        <a:schemeClr val="bg2"/>
       </p:bgRef>
     </p:bg>
     <p:spTree>
@@ -2597,6 +7899,32 @@
           <a:chExt cx="0" cy="0"/>
         </a:xfrm>
       </p:grpSpPr>
+      <p:pic>
+        <p:nvPicPr>
+          <p:cNvPr id="7" name="Picture 6" descr="Scan1080Base.png"/>
+          <p:cNvPicPr>
+            <a:picLocks noChangeAspect="1"/>
+          </p:cNvPicPr>
+          <p:nvPr/>
+        </p:nvPicPr>
+        <p:blipFill>
+          <a:blip r:embed="rId13" cstate="print">
+            <a:lum bright="-38000"/>
+          </a:blip>
+          <a:stretch>
+            <a:fillRect/>
+          </a:stretch>
+        </p:blipFill>
+        <p:spPr>
+          <a:xfrm>
+            <a:off x="0" y="0"/>
+            <a:ext cx="9144000" cy="6858000"/>
+          </a:xfrm>
+          <a:prstGeom prst="rect">
+            <a:avLst/>
+          </a:prstGeom>
+        </p:spPr>
+      </p:pic>
       <p:sp>
         <p:nvSpPr>
           <p:cNvPr id="2" name="Title Placeholder 1"/>
@@ -2608,16 +7936,16 @@
           </p:nvPr>
         </p:nvSpPr>
         <p:spPr>
-          <a:xfrm>
-            <a:off x="457200" y="274638"/>
-            <a:ext cx="8229600" cy="1143000"/>
+          <a:xfrm rot="-5400000">
+            <a:off x="-673455" y="2807056"/>
+            <a:ext cx="5320597" cy="1840087"/>
           </a:xfrm>
           <a:prstGeom prst="rect">
             <a:avLst/>
           </a:prstGeom>
         </p:spPr>
         <p:txBody>
-          <a:bodyPr vert="horz" lIns="91440" tIns="45720" rIns="91440" bIns="45720" rtlCol="0" anchor="ctr">
+          <a:bodyPr vert="horz" lIns="91440" tIns="45720" rIns="91440" bIns="45720" rtlCol="0" anchor="b">
             <a:normAutofit/>
           </a:bodyPr>
           <a:lstStyle/>
@@ -2626,7 +7954,7 @@
               <a:rPr lang="en-GB" smtClean="0"/>
               <a:t>Click to edit Master title style</a:t>
             </a:r>
-            <a:endParaRPr lang="en-US"/>
+            <a:endParaRPr lang="en-US" dirty="0"/>
           </a:p>
         </p:txBody>
       </p:sp>
@@ -2642,8 +7970,8 @@
         </p:nvSpPr>
         <p:spPr>
           <a:xfrm>
-            <a:off x="457200" y="1600200"/>
-            <a:ext cx="8229600" cy="4525963"/>
+            <a:off x="3657600" y="990600"/>
+            <a:ext cx="5027024" cy="4783348"/>
           </a:xfrm>
           <a:prstGeom prst="rect">
             <a:avLst/>
@@ -2688,7 +8016,7 @@
               <a:rPr lang="en-GB" smtClean="0"/>
               <a:t>Fifth level</a:t>
             </a:r>
-            <a:endParaRPr lang="en-US"/>
+            <a:endParaRPr lang="en-US" dirty="0"/>
           </a:p>
         </p:txBody>
       </p:sp>
@@ -2704,8 +8032,50 @@
         </p:nvSpPr>
         <p:spPr>
           <a:xfrm>
-            <a:off x="457200" y="6356350"/>
-            <a:ext cx="2133600" cy="365125"/>
+            <a:off x="7162800" y="6096001"/>
+            <a:ext cx="1524000" cy="365125"/>
+          </a:xfrm>
+          <a:prstGeom prst="rect">
+            <a:avLst/>
+          </a:prstGeom>
+        </p:spPr>
+        <p:txBody>
+          <a:bodyPr vert="horz" lIns="91440" tIns="45720" rIns="91440" bIns="45720" rtlCol="0" anchor="ctr"/>
+          <a:lstStyle>
+            <a:lvl1pPr algn="r">
+              <a:defRPr sz="1200">
+                <a:solidFill>
+                  <a:schemeClr val="tx1">
+                    <a:tint val="75000"/>
+                  </a:schemeClr>
+                </a:solidFill>
+                <a:effectLst/>
+              </a:defRPr>
+            </a:lvl1pPr>
+          </a:lstStyle>
+          <a:p>
+            <a:fld id="{94F16D5C-FFC8-6947-AF52-971D5C15A401}" type="datetimeFigureOut">
+              <a:rPr lang="en-US" smtClean="0"/>
+              <a:t>27/05/2012</a:t>
+            </a:fld>
+            <a:endParaRPr lang="en-US"/>
+          </a:p>
+        </p:txBody>
+      </p:sp>
+      <p:sp>
+        <p:nvSpPr>
+          <p:cNvPr id="5" name="Footer Placeholder 4"/>
+          <p:cNvSpPr>
+            <a:spLocks noGrp="1"/>
+          </p:cNvSpPr>
+          <p:nvPr>
+            <p:ph type="ftr" sz="quarter" idx="3"/>
+          </p:nvPr>
+        </p:nvSpPr>
+        <p:spPr>
+          <a:xfrm>
+            <a:off x="4038600" y="6096001"/>
+            <a:ext cx="3124200" cy="365125"/>
           </a:xfrm>
           <a:prstGeom prst="rect">
             <a:avLst/>
@@ -2725,28 +8095,24 @@
             </a:lvl1pPr>
           </a:lstStyle>
           <a:p>
-            <a:fld id="{94F16D5C-FFC8-6947-AF52-971D5C15A401}" type="datetimeFigureOut">
-              <a:rPr lang="en-US" smtClean="0"/>
-              <a:t>27/05/2012</a:t>
-            </a:fld>
             <a:endParaRPr lang="en-US"/>
           </a:p>
         </p:txBody>
       </p:sp>
       <p:sp>
         <p:nvSpPr>
-          <p:cNvPr id="5" name="Footer Placeholder 4"/>
+          <p:cNvPr id="6" name="Slide Number Placeholder 5"/>
           <p:cNvSpPr>
             <a:spLocks noGrp="1"/>
           </p:cNvSpPr>
           <p:nvPr>
-            <p:ph type="ftr" sz="quarter" idx="3"/>
+            <p:ph type="sldNum" sz="quarter" idx="4"/>
           </p:nvPr>
         </p:nvSpPr>
         <p:spPr>
           <a:xfrm>
-            <a:off x="3124200" y="6356350"/>
-            <a:ext cx="2895600" cy="365125"/>
+            <a:off x="713047" y="532491"/>
+            <a:ext cx="2133600" cy="365125"/>
           </a:xfrm>
           <a:prstGeom prst="rect">
             <a:avLst/>
@@ -2755,8 +8121,8 @@
         <p:txBody>
           <a:bodyPr vert="horz" lIns="91440" tIns="45720" rIns="91440" bIns="45720" rtlCol="0" anchor="ctr"/>
           <a:lstStyle>
-            <a:lvl1pPr algn="ctr">
-              <a:defRPr sz="1200">
+            <a:lvl1pPr algn="r">
+              <a:defRPr sz="2400">
                 <a:solidFill>
                   <a:schemeClr val="tx1">
                     <a:tint val="75000"/>
@@ -2766,43 +8132,6 @@
             </a:lvl1pPr>
           </a:lstStyle>
           <a:p>
-            <a:endParaRPr lang="en-US"/>
-          </a:p>
-        </p:txBody>
-      </p:sp>
-      <p:sp>
-        <p:nvSpPr>
-          <p:cNvPr id="6" name="Slide Number Placeholder 5"/>
-          <p:cNvSpPr>
-            <a:spLocks noGrp="1"/>
-          </p:cNvSpPr>
-          <p:nvPr>
-            <p:ph type="sldNum" sz="quarter" idx="4"/>
-          </p:nvPr>
-        </p:nvSpPr>
-        <p:spPr>
-          <a:xfrm>
-            <a:off x="6553200" y="6356350"/>
-            <a:ext cx="2133600" cy="365125"/>
-          </a:xfrm>
-          <a:prstGeom prst="rect">
-            <a:avLst/>
-          </a:prstGeom>
-        </p:spPr>
-        <p:txBody>
-          <a:bodyPr vert="horz" lIns="91440" tIns="45720" rIns="91440" bIns="45720" rtlCol="0" anchor="ctr"/>
-          <a:lstStyle>
-            <a:lvl1pPr algn="r">
-              <a:defRPr sz="1200">
-                <a:solidFill>
-                  <a:schemeClr val="tx1">
-                    <a:tint val="75000"/>
-                  </a:schemeClr>
-                </a:solidFill>
-              </a:defRPr>
-            </a:lvl1pPr>
-          </a:lstStyle>
-          <a:p>
             <a:fld id="{72EA7C06-E324-374B-A144-94DC9B661D44}" type="slidenum">
               <a:rPr lang="en-US" smtClean="0"/>
               <a:t>‹#›</a:t>
@@ -2812,29 +8141,32 @@
         </p:txBody>
       </p:sp>
     </p:spTree>
-    <p:extLst>
-      <p:ext uri="{BB962C8B-B14F-4D97-AF65-F5344CB8AC3E}">
-        <p14:creationId xmlns:p14="http://schemas.microsoft.com/office/powerpoint/2010/main" val="624007096"/>
-      </p:ext>
-    </p:extLst>
   </p:cSld>
-  <p:clrMap bg1="lt1" tx1="dk1" bg2="lt2" tx2="dk2" accent1="accent1" accent2="accent2" accent3="accent3" accent4="accent4" accent5="accent5" accent6="accent6" hlink="hlink" folHlink="folHlink"/>
+  <p:clrMap bg1="dk1" tx1="lt1" bg2="dk2" tx2="lt2" accent1="accent1" accent2="accent2" accent3="accent3" accent4="accent4" accent5="accent5" accent6="accent6" hlink="hlink" folHlink="folHlink"/>
   <p:sldLayoutIdLst>
-    <p:sldLayoutId id="2147483649" r:id="rId1"/>
-    <p:sldLayoutId id="2147483650" r:id="rId2"/>
-    <p:sldLayoutId id="2147483651" r:id="rId3"/>
-    <p:sldLayoutId id="2147483652" r:id="rId4"/>
-    <p:sldLayoutId id="2147483653" r:id="rId5"/>
-    <p:sldLayoutId id="2147483654" r:id="rId6"/>
-    <p:sldLayoutId id="2147483655" r:id="rId7"/>
-    <p:sldLayoutId id="2147483656" r:id="rId8"/>
-    <p:sldLayoutId id="2147483657" r:id="rId9"/>
-    <p:sldLayoutId id="2147483658" r:id="rId10"/>
-    <p:sldLayoutId id="2147483659" r:id="rId11"/>
+    <p:sldLayoutId id="2147483689" r:id="rId1"/>
+    <p:sldLayoutId id="2147483690" r:id="rId2"/>
+    <p:sldLayoutId id="2147483691" r:id="rId3"/>
+    <p:sldLayoutId id="2147483692" r:id="rId4"/>
+    <p:sldLayoutId id="2147483693" r:id="rId5"/>
+    <p:sldLayoutId id="2147483694" r:id="rId6"/>
+    <p:sldLayoutId id="2147483695" r:id="rId7"/>
+    <p:sldLayoutId id="2147483696" r:id="rId8"/>
+    <p:sldLayoutId id="2147483697" r:id="rId9"/>
+    <p:sldLayoutId id="2147483698" r:id="rId10"/>
+    <p:sldLayoutId id="2147483699" r:id="rId11"/>
   </p:sldLayoutIdLst>
+  <p:transition xmlns:p14="http://schemas.microsoft.com/office/powerpoint/2010/main"/>
+  <p:timing>
+    <p:tnLst>
+      <p:par>
+        <p:cTn xmlns:p14="http://schemas.microsoft.com/office/powerpoint/2010/main" id="1" dur="indefinite" restart="never" nodeType="tmRoot"/>
+      </p:par>
+    </p:tnLst>
+  </p:timing>
   <p:txStyles>
     <p:titleStyle>
-      <a:lvl1pPr algn="ctr" defTabSz="457200" rtl="0" eaLnBrk="1" latinLnBrk="0" hangingPunct="1">
+      <a:lvl1pPr algn="r" defTabSz="914400" rtl="0" eaLnBrk="1" latinLnBrk="0" hangingPunct="1">
         <a:spcBef>
           <a:spcPct val="0"/>
         </a:spcBef>
@@ -2843,143 +8175,309 @@
           <a:solidFill>
             <a:schemeClr val="tx1"/>
           </a:solidFill>
+          <a:effectLst>
+            <a:outerShdw blurRad="38100" dist="38100" dir="2700000" algn="tl">
+              <a:srgbClr val="000000">
+                <a:alpha val="43137"/>
+              </a:srgbClr>
+            </a:outerShdw>
+          </a:effectLst>
           <a:latin typeface="+mj-lt"/>
           <a:ea typeface="+mj-ea"/>
           <a:cs typeface="+mj-cs"/>
         </a:defRPr>
       </a:lvl1pPr>
+      <a:lvl2pPr eaLnBrk="1" hangingPunct="1">
+        <a:defRPr>
+          <a:solidFill>
+            <a:schemeClr val="tx2"/>
+          </a:solidFill>
+        </a:defRPr>
+      </a:lvl2pPr>
+      <a:lvl3pPr eaLnBrk="1" hangingPunct="1">
+        <a:defRPr>
+          <a:solidFill>
+            <a:schemeClr val="tx2"/>
+          </a:solidFill>
+        </a:defRPr>
+      </a:lvl3pPr>
+      <a:lvl4pPr eaLnBrk="1" hangingPunct="1">
+        <a:defRPr>
+          <a:solidFill>
+            <a:schemeClr val="tx2"/>
+          </a:solidFill>
+        </a:defRPr>
+      </a:lvl4pPr>
+      <a:lvl5pPr eaLnBrk="1" hangingPunct="1">
+        <a:defRPr>
+          <a:solidFill>
+            <a:schemeClr val="tx2"/>
+          </a:solidFill>
+        </a:defRPr>
+      </a:lvl5pPr>
+      <a:lvl6pPr eaLnBrk="1" hangingPunct="1">
+        <a:defRPr>
+          <a:solidFill>
+            <a:schemeClr val="tx2"/>
+          </a:solidFill>
+        </a:defRPr>
+      </a:lvl6pPr>
+      <a:lvl7pPr eaLnBrk="1" hangingPunct="1">
+        <a:defRPr>
+          <a:solidFill>
+            <a:schemeClr val="tx2"/>
+          </a:solidFill>
+        </a:defRPr>
+      </a:lvl7pPr>
+      <a:lvl8pPr eaLnBrk="1" hangingPunct="1">
+        <a:defRPr>
+          <a:solidFill>
+            <a:schemeClr val="tx2"/>
+          </a:solidFill>
+        </a:defRPr>
+      </a:lvl8pPr>
+      <a:lvl9pPr eaLnBrk="1" hangingPunct="1">
+        <a:defRPr>
+          <a:solidFill>
+            <a:schemeClr val="tx2"/>
+          </a:solidFill>
+        </a:defRPr>
+      </a:lvl9pPr>
     </p:titleStyle>
     <p:bodyStyle>
-      <a:lvl1pPr marL="342900" indent="-342900" algn="l" defTabSz="457200" rtl="0" eaLnBrk="1" latinLnBrk="0" hangingPunct="1">
+      <a:lvl1pPr marL="365760" indent="-365760" algn="l" defTabSz="914400" rtl="0" eaLnBrk="1" latinLnBrk="0" hangingPunct="1">
         <a:spcBef>
           <a:spcPct val="20000"/>
         </a:spcBef>
-        <a:buFont typeface="Arial"/>
-        <a:buChar char="•"/>
-        <a:defRPr sz="3200" kern="1200">
+        <a:spcAft>
+          <a:spcPts val="600"/>
+        </a:spcAft>
+        <a:buSzPct val="140000"/>
+        <a:buFont typeface="Wingdings" pitchFamily="2" charset="2"/>
+        <a:buChar char=""/>
+        <a:defRPr sz="2800" kern="1200">
           <a:solidFill>
             <a:schemeClr val="tx1"/>
           </a:solidFill>
+          <a:effectLst>
+            <a:outerShdw blurRad="38100" dist="38100" dir="2700000" algn="tl">
+              <a:srgbClr val="000000">
+                <a:alpha val="43137"/>
+              </a:srgbClr>
+            </a:outerShdw>
+          </a:effectLst>
           <a:latin typeface="+mn-lt"/>
           <a:ea typeface="+mn-ea"/>
           <a:cs typeface="+mn-cs"/>
         </a:defRPr>
       </a:lvl1pPr>
-      <a:lvl2pPr marL="742950" indent="-285750" algn="l" defTabSz="457200" rtl="0" eaLnBrk="1" latinLnBrk="0" hangingPunct="1">
+      <a:lvl2pPr marL="731520" indent="-365760" algn="l" defTabSz="914400" rtl="0" eaLnBrk="1" latinLnBrk="0" hangingPunct="1">
         <a:spcBef>
           <a:spcPct val="20000"/>
         </a:spcBef>
-        <a:buFont typeface="Arial"/>
-        <a:buChar char="–"/>
-        <a:defRPr sz="2800" kern="1200">
+        <a:spcAft>
+          <a:spcPts val="600"/>
+        </a:spcAft>
+        <a:buSzPct val="140000"/>
+        <a:buFont typeface="Wingdings" pitchFamily="2" charset="2"/>
+        <a:buChar char=""/>
+        <a:defRPr sz="2400" kern="1200">
           <a:solidFill>
             <a:schemeClr val="tx1"/>
           </a:solidFill>
+          <a:effectLst>
+            <a:outerShdw blurRad="38100" dist="38100" dir="2700000" algn="tl">
+              <a:srgbClr val="000000">
+                <a:alpha val="43137"/>
+              </a:srgbClr>
+            </a:outerShdw>
+          </a:effectLst>
           <a:latin typeface="+mn-lt"/>
           <a:ea typeface="+mn-ea"/>
           <a:cs typeface="+mn-cs"/>
         </a:defRPr>
       </a:lvl2pPr>
-      <a:lvl3pPr marL="1143000" indent="-228600" algn="l" defTabSz="457200" rtl="0" eaLnBrk="1" latinLnBrk="0" hangingPunct="1">
+      <a:lvl3pPr marL="1097280" indent="-320040" algn="l" defTabSz="914400" rtl="0" eaLnBrk="1" latinLnBrk="0" hangingPunct="1">
         <a:spcBef>
           <a:spcPct val="20000"/>
         </a:spcBef>
-        <a:buFont typeface="Arial"/>
-        <a:buChar char="•"/>
-        <a:defRPr sz="2400" kern="1200">
+        <a:spcAft>
+          <a:spcPts val="600"/>
+        </a:spcAft>
+        <a:buSzPct val="140000"/>
+        <a:buFont typeface="Wingdings" pitchFamily="2" charset="2"/>
+        <a:buChar char=""/>
+        <a:defRPr sz="2000" kern="1200">
           <a:solidFill>
             <a:schemeClr val="tx1"/>
           </a:solidFill>
+          <a:effectLst>
+            <a:outerShdw blurRad="38100" dist="38100" dir="2700000" algn="tl">
+              <a:srgbClr val="000000">
+                <a:alpha val="43137"/>
+              </a:srgbClr>
+            </a:outerShdw>
+          </a:effectLst>
           <a:latin typeface="+mn-lt"/>
           <a:ea typeface="+mn-ea"/>
           <a:cs typeface="+mn-cs"/>
         </a:defRPr>
       </a:lvl3pPr>
-      <a:lvl4pPr marL="1600200" indent="-228600" algn="l" defTabSz="457200" rtl="0" eaLnBrk="1" latinLnBrk="0" hangingPunct="1">
+      <a:lvl4pPr marL="1371600" indent="-274320" algn="l" defTabSz="914400" rtl="0" eaLnBrk="1" latinLnBrk="0" hangingPunct="1">
         <a:spcBef>
           <a:spcPct val="20000"/>
         </a:spcBef>
-        <a:buFont typeface="Arial"/>
-        <a:buChar char="–"/>
-        <a:defRPr sz="2000" kern="1200">
+        <a:spcAft>
+          <a:spcPts val="600"/>
+        </a:spcAft>
+        <a:buSzPct val="140000"/>
+        <a:buFont typeface="Wingdings" pitchFamily="2" charset="2"/>
+        <a:buChar char=""/>
+        <a:defRPr sz="1800" kern="1200">
           <a:solidFill>
             <a:schemeClr val="tx1"/>
           </a:solidFill>
+          <a:effectLst>
+            <a:outerShdw blurRad="38100" dist="38100" dir="2700000" algn="tl">
+              <a:srgbClr val="000000">
+                <a:alpha val="43137"/>
+              </a:srgbClr>
+            </a:outerShdw>
+          </a:effectLst>
           <a:latin typeface="+mn-lt"/>
           <a:ea typeface="+mn-ea"/>
           <a:cs typeface="+mn-cs"/>
         </a:defRPr>
       </a:lvl4pPr>
-      <a:lvl5pPr marL="2057400" indent="-228600" algn="l" defTabSz="457200" rtl="0" eaLnBrk="1" latinLnBrk="0" hangingPunct="1">
+      <a:lvl5pPr marL="1645920" indent="-274320" algn="l" defTabSz="914400" rtl="0" eaLnBrk="1" latinLnBrk="0" hangingPunct="1">
         <a:spcBef>
           <a:spcPct val="20000"/>
         </a:spcBef>
-        <a:buFont typeface="Arial"/>
-        <a:buChar char="»"/>
-        <a:defRPr sz="2000" kern="1200">
+        <a:spcAft>
+          <a:spcPts val="600"/>
+        </a:spcAft>
+        <a:buSzPct val="140000"/>
+        <a:buFont typeface="Wingdings" pitchFamily="2" charset="2"/>
+        <a:buChar char=""/>
+        <a:defRPr sz="1800" kern="1200">
           <a:solidFill>
             <a:schemeClr val="tx1"/>
           </a:solidFill>
+          <a:effectLst>
+            <a:outerShdw blurRad="38100" dist="38100" dir="2700000" algn="tl">
+              <a:srgbClr val="000000">
+                <a:alpha val="43137"/>
+              </a:srgbClr>
+            </a:outerShdw>
+          </a:effectLst>
           <a:latin typeface="+mn-lt"/>
           <a:ea typeface="+mn-ea"/>
           <a:cs typeface="+mn-cs"/>
         </a:defRPr>
       </a:lvl5pPr>
-      <a:lvl6pPr marL="2514600" indent="-228600" algn="l" defTabSz="457200" rtl="0" eaLnBrk="1" latinLnBrk="0" hangingPunct="1">
+      <a:lvl6pPr marL="1920240" indent="-228600" algn="l" defTabSz="914400" rtl="0" eaLnBrk="1" latinLnBrk="0" hangingPunct="1">
         <a:spcBef>
-          <a:spcPct val="20000"/>
+          <a:spcPts val="24"/>
         </a:spcBef>
-        <a:buFont typeface="Arial"/>
-        <a:buChar char="•"/>
-        <a:defRPr sz="2000" kern="1200">
+        <a:spcAft>
+          <a:spcPts val="600"/>
+        </a:spcAft>
+        <a:buClrTx/>
+        <a:buSzPct val="130000"/>
+        <a:buFont typeface="Wingdings" pitchFamily="2" charset="2"/>
+        <a:buChar char=""/>
+        <a:defRPr sz="1600" kern="1200">
           <a:solidFill>
             <a:schemeClr val="tx1"/>
           </a:solidFill>
+          <a:effectLst>
+            <a:outerShdw blurRad="38100" dist="38100" dir="2700000" algn="ctr" rotWithShape="0">
+              <a:srgbClr val="000000">
+                <a:alpha val="43000"/>
+              </a:srgbClr>
+            </a:outerShdw>
+          </a:effectLst>
           <a:latin typeface="+mn-lt"/>
           <a:ea typeface="+mn-ea"/>
           <a:cs typeface="+mn-cs"/>
         </a:defRPr>
       </a:lvl6pPr>
-      <a:lvl7pPr marL="2971800" indent="-228600" algn="l" defTabSz="457200" rtl="0" eaLnBrk="1" latinLnBrk="0" hangingPunct="1">
+      <a:lvl7pPr marL="2194560" indent="-228600" algn="l" defTabSz="914400" rtl="0" eaLnBrk="1" latinLnBrk="0" hangingPunct="1">
         <a:spcBef>
-          <a:spcPct val="20000"/>
+          <a:spcPts val="24"/>
         </a:spcBef>
-        <a:buFont typeface="Arial"/>
-        <a:buChar char="•"/>
-        <a:defRPr sz="2000" kern="1200">
+        <a:spcAft>
+          <a:spcPts val="600"/>
+        </a:spcAft>
+        <a:buClrTx/>
+        <a:buSzPct val="130000"/>
+        <a:buFont typeface="Wingdings" pitchFamily="2" charset="2"/>
+        <a:buChar char=""/>
+        <a:defRPr sz="1600" kern="1200">
           <a:solidFill>
             <a:schemeClr val="tx1"/>
           </a:solidFill>
+          <a:effectLst>
+            <a:outerShdw blurRad="38100" dist="38100" dir="2700000" algn="ctr" rotWithShape="0">
+              <a:srgbClr val="000000">
+                <a:alpha val="43000"/>
+              </a:srgbClr>
+            </a:outerShdw>
+          </a:effectLst>
           <a:latin typeface="+mn-lt"/>
           <a:ea typeface="+mn-ea"/>
           <a:cs typeface="+mn-cs"/>
         </a:defRPr>
       </a:lvl7pPr>
-      <a:lvl8pPr marL="3429000" indent="-228600" algn="l" defTabSz="457200" rtl="0" eaLnBrk="1" latinLnBrk="0" hangingPunct="1">
+      <a:lvl8pPr marL="2468880" indent="-228600" algn="l" defTabSz="914400" rtl="0" eaLnBrk="1" latinLnBrk="0" hangingPunct="1">
         <a:spcBef>
-          <a:spcPct val="20000"/>
+          <a:spcPts val="24"/>
         </a:spcBef>
-        <a:buFont typeface="Arial"/>
-        <a:buChar char="•"/>
-        <a:defRPr sz="2000" kern="1200">
+        <a:spcAft>
+          <a:spcPts val="600"/>
+        </a:spcAft>
+        <a:buClrTx/>
+        <a:buSzPct val="130000"/>
+        <a:buFont typeface="Wingdings" pitchFamily="2" charset="2"/>
+        <a:buChar char=""/>
+        <a:defRPr sz="1600" kern="1200">
           <a:solidFill>
             <a:schemeClr val="tx1"/>
           </a:solidFill>
+          <a:effectLst>
+            <a:outerShdw blurRad="38100" dist="38100" dir="2700000" algn="ctr" rotWithShape="0">
+              <a:srgbClr val="000000">
+                <a:alpha val="43000"/>
+              </a:srgbClr>
+            </a:outerShdw>
+          </a:effectLst>
           <a:latin typeface="+mn-lt"/>
           <a:ea typeface="+mn-ea"/>
           <a:cs typeface="+mn-cs"/>
         </a:defRPr>
       </a:lvl8pPr>
-      <a:lvl9pPr marL="3886200" indent="-228600" algn="l" defTabSz="457200" rtl="0" eaLnBrk="1" latinLnBrk="0" hangingPunct="1">
+      <a:lvl9pPr marL="2743200" indent="-228600" algn="l" defTabSz="914400" rtl="0" eaLnBrk="1" latinLnBrk="0" hangingPunct="1">
         <a:spcBef>
-          <a:spcPct val="20000"/>
+          <a:spcPts val="24"/>
         </a:spcBef>
-        <a:buFont typeface="Arial"/>
-        <a:buChar char="•"/>
-        <a:defRPr sz="2000" kern="1200">
+        <a:spcAft>
+          <a:spcPts val="600"/>
+        </a:spcAft>
+        <a:buClrTx/>
+        <a:buSzPct val="130000"/>
+        <a:buFont typeface="Wingdings" pitchFamily="2" charset="2"/>
+        <a:buChar char=""/>
+        <a:defRPr sz="1600" kern="1200">
           <a:solidFill>
             <a:schemeClr val="tx1"/>
           </a:solidFill>
+          <a:effectLst>
+            <a:outerShdw blurRad="38100" dist="38100" dir="2700000" algn="ctr" rotWithShape="0">
+              <a:srgbClr val="000000">
+                <a:alpha val="43000"/>
+              </a:srgbClr>
+            </a:outerShdw>
+          </a:effectLst>
           <a:latin typeface="+mn-lt"/>
           <a:ea typeface="+mn-ea"/>
           <a:cs typeface="+mn-cs"/>
@@ -2990,7 +8488,7 @@
       <a:defPPr>
         <a:defRPr lang="en-US"/>
       </a:defPPr>
-      <a:lvl1pPr marL="0" algn="l" defTabSz="457200" rtl="0" eaLnBrk="1" latinLnBrk="0" hangingPunct="1">
+      <a:lvl1pPr marL="0" algn="l" defTabSz="914400" rtl="0" eaLnBrk="1" latinLnBrk="0" hangingPunct="1">
         <a:defRPr sz="1800" kern="1200">
           <a:solidFill>
             <a:schemeClr val="tx1"/>
@@ -3000,7 +8498,7 @@
           <a:cs typeface="+mn-cs"/>
         </a:defRPr>
       </a:lvl1pPr>
-      <a:lvl2pPr marL="457200" algn="l" defTabSz="457200" rtl="0" eaLnBrk="1" latinLnBrk="0" hangingPunct="1">
+      <a:lvl2pPr marL="457200" algn="l" defTabSz="914400" rtl="0" eaLnBrk="1" latinLnBrk="0" hangingPunct="1">
         <a:defRPr sz="1800" kern="1200">
           <a:solidFill>
             <a:schemeClr val="tx1"/>
@@ -3010,7 +8508,7 @@
           <a:cs typeface="+mn-cs"/>
         </a:defRPr>
       </a:lvl2pPr>
-      <a:lvl3pPr marL="914400" algn="l" defTabSz="457200" rtl="0" eaLnBrk="1" latinLnBrk="0" hangingPunct="1">
+      <a:lvl3pPr marL="914400" algn="l" defTabSz="914400" rtl="0" eaLnBrk="1" latinLnBrk="0" hangingPunct="1">
         <a:defRPr sz="1800" kern="1200">
           <a:solidFill>
             <a:schemeClr val="tx1"/>
@@ -3020,7 +8518,7 @@
           <a:cs typeface="+mn-cs"/>
         </a:defRPr>
       </a:lvl3pPr>
-      <a:lvl4pPr marL="1371600" algn="l" defTabSz="457200" rtl="0" eaLnBrk="1" latinLnBrk="0" hangingPunct="1">
+      <a:lvl4pPr marL="1371600" algn="l" defTabSz="914400" rtl="0" eaLnBrk="1" latinLnBrk="0" hangingPunct="1">
         <a:defRPr sz="1800" kern="1200">
           <a:solidFill>
             <a:schemeClr val="tx1"/>
@@ -3030,7 +8528,7 @@
           <a:cs typeface="+mn-cs"/>
         </a:defRPr>
       </a:lvl4pPr>
-      <a:lvl5pPr marL="1828800" algn="l" defTabSz="457200" rtl="0" eaLnBrk="1" latinLnBrk="0" hangingPunct="1">
+      <a:lvl5pPr marL="1828800" algn="l" defTabSz="914400" rtl="0" eaLnBrk="1" latinLnBrk="0" hangingPunct="1">
         <a:defRPr sz="1800" kern="1200">
           <a:solidFill>
             <a:schemeClr val="tx1"/>
@@ -3040,7 +8538,7 @@
           <a:cs typeface="+mn-cs"/>
         </a:defRPr>
       </a:lvl5pPr>
-      <a:lvl6pPr marL="2286000" algn="l" defTabSz="457200" rtl="0" eaLnBrk="1" latinLnBrk="0" hangingPunct="1">
+      <a:lvl6pPr marL="2286000" algn="l" defTabSz="914400" rtl="0" eaLnBrk="1" latinLnBrk="0" hangingPunct="1">
         <a:defRPr sz="1800" kern="1200">
           <a:solidFill>
             <a:schemeClr val="tx1"/>
@@ -3050,7 +8548,7 @@
           <a:cs typeface="+mn-cs"/>
         </a:defRPr>
       </a:lvl6pPr>
-      <a:lvl7pPr marL="2743200" algn="l" defTabSz="457200" rtl="0" eaLnBrk="1" latinLnBrk="0" hangingPunct="1">
+      <a:lvl7pPr marL="2743200" algn="l" defTabSz="914400" rtl="0" eaLnBrk="1" latinLnBrk="0" hangingPunct="1">
         <a:defRPr sz="1800" kern="1200">
           <a:solidFill>
             <a:schemeClr val="tx1"/>
@@ -3060,7 +8558,7 @@
           <a:cs typeface="+mn-cs"/>
         </a:defRPr>
       </a:lvl7pPr>
-      <a:lvl8pPr marL="3200400" algn="l" defTabSz="457200" rtl="0" eaLnBrk="1" latinLnBrk="0" hangingPunct="1">
+      <a:lvl8pPr marL="3200400" algn="l" defTabSz="914400" rtl="0" eaLnBrk="1" latinLnBrk="0" hangingPunct="1">
         <a:defRPr sz="1800" kern="1200">
           <a:solidFill>
             <a:schemeClr val="tx1"/>
@@ -3070,7 +8568,7 @@
           <a:cs typeface="+mn-cs"/>
         </a:defRPr>
       </a:lvl8pPr>
-      <a:lvl9pPr marL="3657600" algn="l" defTabSz="457200" rtl="0" eaLnBrk="1" latinLnBrk="0" hangingPunct="1">
+      <a:lvl9pPr marL="3657600" algn="l" defTabSz="914400" rtl="0" eaLnBrk="1" latinLnBrk="0" hangingPunct="1">
         <a:defRPr sz="1800" kern="1200">
           <a:solidFill>
             <a:schemeClr val="tx1"/>
@@ -3112,38 +8610,64 @@
             <p:ph type="ctrTitle"/>
           </p:nvPr>
         </p:nvSpPr>
-        <p:spPr/>
+        <p:spPr>
+          <a:xfrm>
+            <a:off x="1373643" y="1218308"/>
+            <a:ext cx="5985159" cy="1606102"/>
+          </a:xfrm>
+        </p:spPr>
         <p:txBody>
           <a:bodyPr/>
           <a:lstStyle/>
           <a:p>
-            <a:r>
-              <a:rPr lang="en-US" dirty="0" smtClean="0"/>
-              <a:t>TEAM SLIDE</a:t>
+            <a:pPr algn="l"/>
+            <a:r>
+              <a:rPr lang="en-US" dirty="0" err="1" smtClean="0"/>
+              <a:t>Remindr</a:t>
             </a:r>
             <a:endParaRPr lang="en-US" dirty="0"/>
           </a:p>
         </p:txBody>
       </p:sp>
-      <p:sp>
-        <p:nvSpPr>
-          <p:cNvPr id="3" name="Subtitle 2"/>
-          <p:cNvSpPr>
-            <a:spLocks noGrp="1"/>
-          </p:cNvSpPr>
-          <p:nvPr>
-            <p:ph type="subTitle" idx="1"/>
-          </p:nvPr>
-        </p:nvSpPr>
-        <p:spPr/>
-        <p:txBody>
-          <a:bodyPr/>
-          <a:lstStyle/>
-          <a:p>
-            <a:endParaRPr lang="en-US" dirty="0"/>
-          </a:p>
-        </p:txBody>
-      </p:sp>
+      <p:pic>
+        <p:nvPicPr>
+          <p:cNvPr id="6" name="Picture 5" descr="logo-nhshackday-long.png"/>
+          <p:cNvPicPr>
+            <a:picLocks noChangeAspect="1"/>
+          </p:cNvPicPr>
+          <p:nvPr/>
+        </p:nvPicPr>
+        <p:blipFill>
+          <a:blip r:embed="rId2">
+            <a:extLst>
+              <a:ext uri="{BEBA8EAE-BF5A-486C-A8C5-ECC9F3942E4B}">
+                <a14:imgProps xmlns:a14="http://schemas.microsoft.com/office/drawing/2010/main">
+                  <a14:imgLayer r:embed="rId3">
+                    <a14:imgEffect>
+                      <a14:brightnessContrast bright="52000" contrast="-63000"/>
+                    </a14:imgEffect>
+                  </a14:imgLayer>
+                </a14:imgProps>
+              </a:ext>
+              <a:ext uri="{28A0092B-C50C-407E-A947-70E740481C1C}">
+                <a14:useLocalDpi xmlns:a14="http://schemas.microsoft.com/office/drawing/2010/main" val="0"/>
+              </a:ext>
+            </a:extLst>
+          </a:blip>
+          <a:stretch>
+            <a:fillRect/>
+          </a:stretch>
+        </p:blipFill>
+        <p:spPr>
+          <a:xfrm>
+            <a:off x="652224" y="5073167"/>
+            <a:ext cx="6337300" cy="1270000"/>
+          </a:xfrm>
+          <a:prstGeom prst="rect">
+            <a:avLst/>
+          </a:prstGeom>
+        </p:spPr>
+      </p:pic>
     </p:spTree>
     <p:extLst>
       <p:ext uri="{BB962C8B-B14F-4D97-AF65-F5344CB8AC3E}">
@@ -3154,6 +8678,7 @@
   <p:clrMapOvr>
     <a:masterClrMapping/>
   </p:clrMapOvr>
+  <p:transition xmlns:p14="http://schemas.microsoft.com/office/powerpoint/2010/main"/>
   <p:timing>
     <p:tnLst>
       <p:par>
@@ -3198,7 +8723,7 @@
           <a:p>
             <a:r>
               <a:rPr lang="en-US" dirty="0" smtClean="0"/>
-              <a:t>Who</a:t>
+              <a:t>Who?</a:t>
             </a:r>
             <a:endParaRPr lang="en-US" dirty="0"/>
           </a:p>
@@ -3214,12 +8739,249 @@
             <p:ph idx="1"/>
           </p:nvPr>
         </p:nvSpPr>
-        <p:spPr/>
+        <p:spPr>
+          <a:xfrm>
+            <a:off x="4485265" y="959716"/>
+            <a:ext cx="4658735" cy="5077623"/>
+          </a:xfrm>
+        </p:spPr>
         <p:txBody>
           <a:bodyPr/>
           <a:lstStyle/>
           <a:p>
-            <a:endParaRPr lang="en-US"/>
+            <a:pPr marL="0" indent="0">
+              <a:buNone/>
+            </a:pPr>
+            <a:r>
+              <a:rPr lang="en-US" dirty="0" smtClean="0">
+                <a:solidFill>
+                  <a:schemeClr val="bg1">
+                    <a:lumMod val="50000"/>
+                    <a:lumOff val="50000"/>
+                  </a:schemeClr>
+                </a:solidFill>
+              </a:rPr>
+              <a:t>@</a:t>
+            </a:r>
+            <a:r>
+              <a:rPr lang="en-US" dirty="0">
+                <a:solidFill>
+                  <a:schemeClr val="bg1">
+                    <a:lumMod val="50000"/>
+                    <a:lumOff val="50000"/>
+                  </a:schemeClr>
+                </a:solidFill>
+              </a:rPr>
+              <a:t>kylethompson86 </a:t>
+            </a:r>
+            <a:endParaRPr lang="en-US" dirty="0" smtClean="0">
+              <a:solidFill>
+                <a:schemeClr val="bg1">
+                  <a:lumMod val="50000"/>
+                  <a:lumOff val="50000"/>
+                </a:schemeClr>
+              </a:solidFill>
+            </a:endParaRPr>
+          </a:p>
+          <a:p>
+            <a:pPr marL="0" indent="0">
+              <a:buNone/>
+            </a:pPr>
+            <a:r>
+              <a:rPr lang="en-US" dirty="0" smtClean="0">
+                <a:solidFill>
+                  <a:schemeClr val="bg1">
+                    <a:lumMod val="50000"/>
+                    <a:lumOff val="50000"/>
+                  </a:schemeClr>
+                </a:solidFill>
+              </a:rPr>
+              <a:t>@</a:t>
+            </a:r>
+            <a:r>
+              <a:rPr lang="en-US" dirty="0" err="1" smtClean="0">
+                <a:solidFill>
+                  <a:schemeClr val="bg1">
+                    <a:lumMod val="50000"/>
+                    <a:lumOff val="50000"/>
+                  </a:schemeClr>
+                </a:solidFill>
+              </a:rPr>
+              <a:t>kouphax</a:t>
+            </a:r>
+            <a:endParaRPr lang="en-US" dirty="0" smtClean="0">
+              <a:solidFill>
+                <a:schemeClr val="bg1">
+                  <a:lumMod val="50000"/>
+                  <a:lumOff val="50000"/>
+                </a:schemeClr>
+              </a:solidFill>
+            </a:endParaRPr>
+          </a:p>
+          <a:p>
+            <a:pPr marL="0" indent="0">
+              <a:buNone/>
+            </a:pPr>
+            <a:r>
+              <a:rPr lang="en-US" dirty="0" smtClean="0">
+                <a:solidFill>
+                  <a:schemeClr val="bg1">
+                    <a:lumMod val="50000"/>
+                    <a:lumOff val="50000"/>
+                  </a:schemeClr>
+                </a:solidFill>
+              </a:rPr>
+              <a:t>@</a:t>
+            </a:r>
+            <a:r>
+              <a:rPr lang="en-US" dirty="0" err="1">
+                <a:solidFill>
+                  <a:schemeClr val="bg1">
+                    <a:lumMod val="50000"/>
+                    <a:lumOff val="50000"/>
+                  </a:schemeClr>
+                </a:solidFill>
+              </a:rPr>
+              <a:t>lukaszbudnik</a:t>
+            </a:r>
+            <a:endParaRPr lang="en-US" dirty="0">
+              <a:solidFill>
+                <a:schemeClr val="bg1">
+                  <a:lumMod val="50000"/>
+                  <a:lumOff val="50000"/>
+                </a:schemeClr>
+              </a:solidFill>
+            </a:endParaRPr>
+          </a:p>
+          <a:p>
+            <a:pPr marL="0" indent="0">
+              <a:buNone/>
+            </a:pPr>
+            <a:r>
+              <a:rPr lang="en-US" dirty="0">
+                <a:solidFill>
+                  <a:schemeClr val="bg1">
+                    <a:lumMod val="50000"/>
+                    <a:lumOff val="50000"/>
+                  </a:schemeClr>
+                </a:solidFill>
+              </a:rPr>
+              <a:t>@</a:t>
+            </a:r>
+            <a:r>
+              <a:rPr lang="en-US" dirty="0" err="1" smtClean="0">
+                <a:solidFill>
+                  <a:schemeClr val="bg1">
+                    <a:lumMod val="50000"/>
+                    <a:lumOff val="50000"/>
+                  </a:schemeClr>
+                </a:solidFill>
+              </a:rPr>
+              <a:t>lukemcneice</a:t>
+            </a:r>
+            <a:endParaRPr lang="en-US" dirty="0" smtClean="0">
+              <a:solidFill>
+                <a:schemeClr val="bg1">
+                  <a:lumMod val="50000"/>
+                  <a:lumOff val="50000"/>
+                </a:schemeClr>
+              </a:solidFill>
+            </a:endParaRPr>
+          </a:p>
+          <a:p>
+            <a:pPr marL="0" indent="0">
+              <a:buNone/>
+            </a:pPr>
+            <a:r>
+              <a:rPr lang="en-US" dirty="0" smtClean="0">
+                <a:solidFill>
+                  <a:schemeClr val="bg1">
+                    <a:lumMod val="50000"/>
+                    <a:lumOff val="50000"/>
+                  </a:schemeClr>
+                </a:solidFill>
+              </a:rPr>
+              <a:t> </a:t>
+            </a:r>
+            <a:r>
+              <a:rPr lang="en-US" dirty="0">
+                <a:solidFill>
+                  <a:schemeClr val="bg1">
+                    <a:lumMod val="50000"/>
+                    <a:lumOff val="50000"/>
+                  </a:schemeClr>
+                </a:solidFill>
+              </a:rPr>
+              <a:t>@</a:t>
+            </a:r>
+            <a:r>
+              <a:rPr lang="en-US" dirty="0" err="1">
+                <a:solidFill>
+                  <a:schemeClr val="bg1">
+                    <a:lumMod val="50000"/>
+                    <a:lumOff val="50000"/>
+                  </a:schemeClr>
+                </a:solidFill>
+              </a:rPr>
+              <a:t>ruairiq</a:t>
+            </a:r>
+            <a:r>
+              <a:rPr lang="en-US" dirty="0">
+                <a:solidFill>
+                  <a:schemeClr val="bg1">
+                    <a:lumMod val="50000"/>
+                    <a:lumOff val="50000"/>
+                  </a:schemeClr>
+                </a:solidFill>
+              </a:rPr>
+              <a:t> </a:t>
+            </a:r>
+            <a:endParaRPr lang="en-US" dirty="0" smtClean="0">
+              <a:solidFill>
+                <a:schemeClr val="bg1">
+                  <a:lumMod val="50000"/>
+                  <a:lumOff val="50000"/>
+                </a:schemeClr>
+              </a:solidFill>
+            </a:endParaRPr>
+          </a:p>
+          <a:p>
+            <a:pPr marL="0" indent="0">
+              <a:buNone/>
+            </a:pPr>
+            <a:r>
+              <a:rPr lang="en-US" dirty="0" smtClean="0">
+                <a:solidFill>
+                  <a:schemeClr val="bg1">
+                    <a:lumMod val="50000"/>
+                    <a:lumOff val="50000"/>
+                  </a:schemeClr>
+                </a:solidFill>
+              </a:rPr>
+              <a:t>@</a:t>
+            </a:r>
+            <a:r>
+              <a:rPr lang="en-US" dirty="0" err="1">
+                <a:solidFill>
+                  <a:schemeClr val="bg1">
+                    <a:lumMod val="50000"/>
+                    <a:lumOff val="50000"/>
+                  </a:schemeClr>
+                </a:solidFill>
+              </a:rPr>
+              <a:t>willhamill</a:t>
+            </a:r>
+            <a:endParaRPr lang="en-US" dirty="0">
+              <a:solidFill>
+                <a:schemeClr val="bg1">
+                  <a:lumMod val="50000"/>
+                  <a:lumOff val="50000"/>
+                </a:schemeClr>
+              </a:solidFill>
+            </a:endParaRPr>
+          </a:p>
+          <a:p>
+            <a:endParaRPr lang="en-US" dirty="0"/>
           </a:p>
         </p:txBody>
       </p:sp>
@@ -3233,6 +8995,7 @@
   <p:clrMapOvr>
     <a:masterClrMapping/>
   </p:clrMapOvr>
+  <p:transition xmlns:p14="http://schemas.microsoft.com/office/powerpoint/2010/main"/>
 </p:sld>
 </file>
 
@@ -3265,14 +9028,28 @@
         </p:nvSpPr>
         <p:spPr/>
         <p:txBody>
-          <a:bodyPr/>
+          <a:bodyPr>
+            <a:normAutofit/>
+          </a:bodyPr>
           <a:lstStyle/>
           <a:p>
             <a:r>
               <a:rPr lang="en-US" dirty="0" smtClean="0"/>
-              <a:t>Problem</a:t>
-            </a:r>
-            <a:endParaRPr lang="en-US" dirty="0"/>
+              <a:t> </a:t>
+            </a:r>
+            <a:r>
+              <a:rPr lang="en-US" dirty="0" smtClean="0">
+                <a:solidFill>
+                  <a:srgbClr val="FFFFFF"/>
+                </a:solidFill>
+              </a:rPr>
+              <a:t>Medication Compliance</a:t>
+            </a:r>
+            <a:endParaRPr lang="en-US" dirty="0">
+              <a:solidFill>
+                <a:srgbClr val="FFFFFF"/>
+              </a:solidFill>
+            </a:endParaRPr>
           </a:p>
         </p:txBody>
       </p:sp>
@@ -3286,12 +9063,23 @@
             <p:ph idx="1"/>
           </p:nvPr>
         </p:nvSpPr>
-        <p:spPr/>
+        <p:spPr>
+          <a:xfrm>
+            <a:off x="3793195" y="959716"/>
+            <a:ext cx="5350806" cy="5077623"/>
+          </a:xfrm>
+        </p:spPr>
         <p:txBody>
           <a:bodyPr/>
           <a:lstStyle/>
           <a:p>
-            <a:endParaRPr lang="en-US" dirty="0"/>
+            <a:pPr marL="0" indent="0">
+              <a:buNone/>
+            </a:pPr>
+            <a:r>
+              <a:rPr lang="en-US" dirty="0"/>
+              <a:t>Noncompliance is one of the biggest issues in healthcare today</a:t>
+            </a:r>
           </a:p>
         </p:txBody>
       </p:sp>
@@ -3305,6 +9093,7 @@
   <p:clrMapOvr>
     <a:masterClrMapping/>
   </p:clrMapOvr>
+  <p:transition xmlns:p14="http://schemas.microsoft.com/office/powerpoint/2010/main"/>
   <p:timing>
     <p:tnLst>
       <p:par>
@@ -3349,7 +9138,7 @@
           <a:p>
             <a:r>
               <a:rPr lang="en-US" dirty="0" smtClean="0"/>
-              <a:t>Competitors</a:t>
+              <a:t>Missed  Appointments</a:t>
             </a:r>
             <a:endParaRPr lang="en-US" dirty="0"/>
           </a:p>
@@ -3365,25 +9154,84 @@
             <p:ph idx="1"/>
           </p:nvPr>
         </p:nvSpPr>
-        <p:spPr/>
+        <p:spPr>
+          <a:xfrm>
+            <a:off x="3673047" y="959716"/>
+            <a:ext cx="5350806" cy="5077623"/>
+          </a:xfrm>
+        </p:spPr>
         <p:txBody>
           <a:bodyPr/>
           <a:lstStyle/>
           <a:p>
-            <a:endParaRPr lang="en-US"/>
+            <a:pPr marL="0" indent="0">
+              <a:buNone/>
+            </a:pPr>
+            <a:r>
+              <a:rPr lang="en-US" dirty="0"/>
+              <a:t>Non-attendance is a major issue for the NHS, increasing waits and costs</a:t>
+            </a:r>
+            <a:r>
+              <a:rPr lang="en-US" dirty="0" smtClean="0"/>
+              <a:t>.</a:t>
+            </a:r>
+          </a:p>
+          <a:p>
+            <a:pPr marL="0" indent="0">
+              <a:buNone/>
+            </a:pPr>
+            <a:endParaRPr lang="en-US" dirty="0"/>
+          </a:p>
+          <a:p>
+            <a:pPr marL="0" indent="0">
+              <a:buNone/>
+            </a:pPr>
+            <a:r>
+              <a:rPr lang="en-US" dirty="0" smtClean="0"/>
+              <a:t>“Patients </a:t>
+            </a:r>
+            <a:r>
+              <a:rPr lang="en-US" dirty="0"/>
+              <a:t>who fail to attend NHS appointments cost the NHS about </a:t>
+            </a:r>
+            <a:r>
+              <a:rPr lang="en-US" b="1" dirty="0">
+                <a:solidFill>
+                  <a:srgbClr val="FF6700"/>
+                </a:solidFill>
+              </a:rPr>
+              <a:t>£700m a year</a:t>
+            </a:r>
+            <a:r>
+              <a:rPr lang="en-US" dirty="0"/>
+              <a:t>, with up to six million appointment slots wasted annually</a:t>
+            </a:r>
+            <a:r>
+              <a:rPr lang="en-US" dirty="0" smtClean="0"/>
+              <a:t>.” BBC News</a:t>
+            </a:r>
+            <a:endParaRPr lang="en-US" dirty="0"/>
           </a:p>
         </p:txBody>
       </p:sp>
     </p:spTree>
     <p:extLst>
       <p:ext uri="{BB962C8B-B14F-4D97-AF65-F5344CB8AC3E}">
-        <p14:creationId xmlns:p14="http://schemas.microsoft.com/office/powerpoint/2010/main" val="3217551008"/>
+        <p14:creationId xmlns:p14="http://schemas.microsoft.com/office/powerpoint/2010/main" val="3237166184"/>
       </p:ext>
     </p:extLst>
   </p:cSld>
   <p:clrMapOvr>
     <a:masterClrMapping/>
   </p:clrMapOvr>
+  <p:transition xmlns:p14="http://schemas.microsoft.com/office/powerpoint/2010/main"/>
+  <p:timing>
+    <p:tnLst>
+      <p:par>
+        <p:cTn xmlns:p14="http://schemas.microsoft.com/office/powerpoint/2010/main" id="1" dur="indefinite" restart="never" nodeType="tmRoot"/>
+      </p:par>
+    </p:tnLst>
+  </p:timing>
 </p:sld>
 </file>
 
@@ -3421,7 +9269,7 @@
           <a:p>
             <a:r>
               <a:rPr lang="en-US" dirty="0" smtClean="0"/>
-              <a:t>Future work</a:t>
+              <a:t>Our Offering</a:t>
             </a:r>
             <a:endParaRPr lang="en-US" dirty="0"/>
           </a:p>
@@ -3437,25 +9285,78 @@
             <p:ph idx="1"/>
           </p:nvPr>
         </p:nvSpPr>
-        <p:spPr/>
+        <p:spPr>
+          <a:xfrm>
+            <a:off x="3479028" y="959716"/>
+            <a:ext cx="4658735" cy="5077623"/>
+          </a:xfrm>
+        </p:spPr>
         <p:txBody>
           <a:bodyPr/>
           <a:lstStyle/>
           <a:p>
-            <a:endParaRPr lang="en-US"/>
+            <a:pPr marL="0" indent="0">
+              <a:buNone/>
+            </a:pPr>
+            <a:r>
+              <a:rPr lang="en-US" dirty="0"/>
+              <a:t>A service for sending scheduled reminder messages about </a:t>
+            </a:r>
+            <a:r>
+              <a:rPr lang="en-US" b="1" dirty="0">
+                <a:solidFill>
+                  <a:schemeClr val="accent3"/>
+                </a:solidFill>
+              </a:rPr>
+              <a:t>medication schemes</a:t>
+            </a:r>
+            <a:r>
+              <a:rPr lang="en-US" dirty="0"/>
+              <a:t>, </a:t>
+            </a:r>
+            <a:r>
+              <a:rPr lang="en-US" b="1" dirty="0">
+                <a:solidFill>
+                  <a:srgbClr val="FF6700"/>
+                </a:solidFill>
+              </a:rPr>
+              <a:t>repeat prescriptions </a:t>
+            </a:r>
+            <a:r>
+              <a:rPr lang="en-US" dirty="0"/>
+              <a:t>and </a:t>
+            </a:r>
+            <a:r>
+              <a:rPr lang="en-US" b="1" dirty="0">
+                <a:solidFill>
+                  <a:srgbClr val="FF6700"/>
+                </a:solidFill>
+              </a:rPr>
+              <a:t>appointments</a:t>
+            </a:r>
+            <a:r>
+              <a:rPr lang="en-US" dirty="0"/>
+              <a:t> to patients via SMS</a:t>
+            </a:r>
+            <a:r>
+              <a:rPr lang="en-US" dirty="0" smtClean="0"/>
+              <a:t>.</a:t>
+            </a:r>
+            <a:endParaRPr lang="en-US" dirty="0"/>
           </a:p>
         </p:txBody>
       </p:sp>
     </p:spTree>
     <p:extLst>
       <p:ext uri="{BB962C8B-B14F-4D97-AF65-F5344CB8AC3E}">
-        <p14:creationId xmlns:p14="http://schemas.microsoft.com/office/powerpoint/2010/main" val="3018118693"/>
+        <p14:creationId xmlns:p14="http://schemas.microsoft.com/office/powerpoint/2010/main" val="2988028421"/>
       </p:ext>
     </p:extLst>
   </p:cSld>
   <p:clrMapOvr>
     <a:masterClrMapping/>
   </p:clrMapOvr>
+  <p:transition xmlns:p14="http://schemas.microsoft.com/office/powerpoint/2010/main"/>
 </p:sld>
 </file>
 
@@ -3491,6 +9392,10 @@
           <a:bodyPr/>
           <a:lstStyle/>
           <a:p>
+            <a:r>
+              <a:rPr lang="en-US" dirty="0" smtClean="0"/>
+              <a:t>Future Ideas</a:t>
+            </a:r>
             <a:endParaRPr lang="en-US" dirty="0"/>
           </a:p>
         </p:txBody>
@@ -3505,14 +9410,37 @@
             <p:ph idx="1"/>
           </p:nvPr>
         </p:nvSpPr>
-        <p:spPr/>
+        <p:spPr>
+          <a:xfrm>
+            <a:off x="4037828" y="959716"/>
+            <a:ext cx="4658735" cy="5077623"/>
+          </a:xfrm>
+        </p:spPr>
         <p:txBody>
           <a:bodyPr/>
           <a:lstStyle/>
           <a:p>
             <a:r>
               <a:rPr lang="en-US" dirty="0" smtClean="0"/>
-              <a:t>How can we build an environment where world class NHS digital services flourish?</a:t>
+              <a:t>Template Wizard</a:t>
+            </a:r>
+          </a:p>
+          <a:p>
+            <a:r>
+              <a:rPr lang="en-US" dirty="0" smtClean="0"/>
+              <a:t>System Integration</a:t>
+            </a:r>
+          </a:p>
+          <a:p>
+            <a:r>
+              <a:rPr lang="en-US" dirty="0" smtClean="0"/>
+              <a:t>Drools</a:t>
+            </a:r>
+          </a:p>
+          <a:p>
+            <a:r>
+              <a:rPr lang="en-US" dirty="0" smtClean="0"/>
+              <a:t>Mobile App</a:t>
             </a:r>
             <a:endParaRPr lang="en-US" dirty="0"/>
           </a:p>
@@ -3521,225 +9449,313 @@
     </p:spTree>
     <p:extLst>
       <p:ext uri="{BB962C8B-B14F-4D97-AF65-F5344CB8AC3E}">
-        <p14:creationId xmlns:p14="http://schemas.microsoft.com/office/powerpoint/2010/main" val="4196077579"/>
+        <p14:creationId xmlns:p14="http://schemas.microsoft.com/office/powerpoint/2010/main" val="3018118693"/>
       </p:ext>
     </p:extLst>
   </p:cSld>
   <p:clrMapOvr>
     <a:masterClrMapping/>
   </p:clrMapOvr>
-  <p:timing>
-    <p:tnLst>
-      <p:par>
-        <p:cTn xmlns:p14="http://schemas.microsoft.com/office/powerpoint/2010/main" id="1" dur="indefinite" restart="never" nodeType="tmRoot"/>
-      </p:par>
-    </p:tnLst>
-  </p:timing>
-</p:sld>
-</file>
-
-<file path=ppt/slides/slide7.xml><?xml version="1.0" encoding="utf-8"?>
-<p:sld xmlns:a="http://schemas.openxmlformats.org/drawingml/2006/main" xmlns:r="http://schemas.openxmlformats.org/officeDocument/2006/relationships" xmlns:p="http://schemas.openxmlformats.org/presentationml/2006/main">
-  <p:cSld>
-    <p:spTree>
-      <p:nvGrpSpPr>
-        <p:cNvPr id="1" name=""/>
-        <p:cNvGrpSpPr/>
-        <p:nvPr/>
-      </p:nvGrpSpPr>
-      <p:grpSpPr>
-        <a:xfrm>
-          <a:off x="0" y="0"/>
-          <a:ext cx="0" cy="0"/>
-          <a:chOff x="0" y="0"/>
-          <a:chExt cx="0" cy="0"/>
-        </a:xfrm>
-      </p:grpSpPr>
-      <p:sp>
-        <p:nvSpPr>
-          <p:cNvPr id="2" name="Title 1"/>
-          <p:cNvSpPr>
-            <a:spLocks noGrp="1"/>
-          </p:cNvSpPr>
-          <p:nvPr>
-            <p:ph type="title"/>
-          </p:nvPr>
-        </p:nvSpPr>
-        <p:spPr/>
-        <p:txBody>
-          <a:bodyPr/>
-          <a:lstStyle/>
-          <a:p>
-            <a:r>
-              <a:rPr lang="en-US" dirty="0" smtClean="0"/>
-              <a:t>Something usable must exist</a:t>
-            </a:r>
-            <a:endParaRPr lang="en-US" dirty="0"/>
-          </a:p>
-        </p:txBody>
-      </p:sp>
-      <p:sp>
-        <p:nvSpPr>
-          <p:cNvPr id="3" name="Content Placeholder 2"/>
-          <p:cNvSpPr>
-            <a:spLocks noGrp="1"/>
-          </p:cNvSpPr>
-          <p:nvPr>
-            <p:ph idx="1"/>
-          </p:nvPr>
-        </p:nvSpPr>
-        <p:spPr/>
-        <p:txBody>
-          <a:bodyPr/>
-          <a:lstStyle/>
-          <a:p>
-            <a:r>
-              <a:rPr lang="en-US" dirty="0" smtClean="0"/>
-              <a:t>Usable?</a:t>
-            </a:r>
-          </a:p>
-          <a:p>
-            <a:r>
-              <a:rPr lang="en-US" dirty="0" smtClean="0"/>
-              <a:t>Actually work?</a:t>
-            </a:r>
-          </a:p>
-          <a:p>
-            <a:r>
-              <a:rPr lang="en-US" dirty="0" smtClean="0"/>
-              <a:t>It was done over the weekend?</a:t>
-            </a:r>
-          </a:p>
-          <a:p>
-            <a:r>
-              <a:rPr lang="en-US" dirty="0" smtClean="0"/>
-              <a:t>Source link</a:t>
-            </a:r>
-          </a:p>
-          <a:p>
-            <a:r>
-              <a:rPr lang="en-US" dirty="0" smtClean="0"/>
-              <a:t>Future?</a:t>
-            </a:r>
-          </a:p>
-          <a:p>
-            <a:endParaRPr lang="en-US" dirty="0"/>
-          </a:p>
-        </p:txBody>
-      </p:sp>
-    </p:spTree>
-    <p:extLst>
-      <p:ext uri="{BB962C8B-B14F-4D97-AF65-F5344CB8AC3E}">
-        <p14:creationId xmlns:p14="http://schemas.microsoft.com/office/powerpoint/2010/main" val="2802379310"/>
-      </p:ext>
-    </p:extLst>
-  </p:cSld>
-  <p:clrMapOvr>
-    <a:masterClrMapping/>
-  </p:clrMapOvr>
-</p:sld>
-</file>
-
-<file path=ppt/slides/slide8.xml><?xml version="1.0" encoding="utf-8"?>
-<p:sld xmlns:a="http://schemas.openxmlformats.org/drawingml/2006/main" xmlns:r="http://schemas.openxmlformats.org/officeDocument/2006/relationships" xmlns:p="http://schemas.openxmlformats.org/presentationml/2006/main">
-  <p:cSld>
-    <p:spTree>
-      <p:nvGrpSpPr>
-        <p:cNvPr id="1" name=""/>
-        <p:cNvGrpSpPr/>
-        <p:nvPr/>
-      </p:nvGrpSpPr>
-      <p:grpSpPr>
-        <a:xfrm>
-          <a:off x="0" y="0"/>
-          <a:ext cx="0" cy="0"/>
-          <a:chOff x="0" y="0"/>
-          <a:chExt cx="0" cy="0"/>
-        </a:xfrm>
-      </p:grpSpPr>
-      <p:sp>
-        <p:nvSpPr>
-          <p:cNvPr id="2" name="Title 1"/>
-          <p:cNvSpPr>
-            <a:spLocks noGrp="1"/>
-          </p:cNvSpPr>
-          <p:nvPr>
-            <p:ph type="title"/>
-          </p:nvPr>
-        </p:nvSpPr>
-        <p:spPr/>
-        <p:txBody>
-          <a:bodyPr/>
-          <a:lstStyle/>
-          <a:p>
-            <a:r>
-              <a:rPr lang="en-US" dirty="0" smtClean="0"/>
-              <a:t>buzzwords</a:t>
-            </a:r>
-            <a:endParaRPr lang="en-US" dirty="0"/>
-          </a:p>
-        </p:txBody>
-      </p:sp>
-      <p:sp>
-        <p:nvSpPr>
-          <p:cNvPr id="3" name="Content Placeholder 2"/>
-          <p:cNvSpPr>
-            <a:spLocks noGrp="1"/>
-          </p:cNvSpPr>
-          <p:nvPr>
-            <p:ph idx="1"/>
-          </p:nvPr>
-        </p:nvSpPr>
-        <p:spPr/>
-        <p:txBody>
-          <a:bodyPr/>
-          <a:lstStyle/>
-          <a:p>
-            <a:r>
-              <a:rPr lang="en-US" dirty="0" smtClean="0"/>
-              <a:t>the NHS can't afford to lag behind</a:t>
-            </a:r>
-          </a:p>
-          <a:p>
-            <a:r>
-              <a:rPr lang="en-US" dirty="0" smtClean="0"/>
-              <a:t>digital and so is health</a:t>
-            </a:r>
-          </a:p>
-          <a:p>
-            <a:r>
-              <a:rPr lang="en-US" dirty="0" smtClean="0"/>
-              <a:t>open governance and open source</a:t>
-            </a:r>
-          </a:p>
-          <a:p>
-            <a:r>
-              <a:rPr lang="en-US" dirty="0" smtClean="0"/>
-              <a:t>lower costs, higher quality</a:t>
-            </a:r>
-          </a:p>
-          <a:p>
-            <a:r>
-              <a:rPr lang="en-US" dirty="0" smtClean="0"/>
-              <a:t>NHS Information Strategy</a:t>
-            </a:r>
-          </a:p>
-        </p:txBody>
-      </p:sp>
-    </p:spTree>
-    <p:extLst>
-      <p:ext uri="{BB962C8B-B14F-4D97-AF65-F5344CB8AC3E}">
-        <p14:creationId xmlns:p14="http://schemas.microsoft.com/office/powerpoint/2010/main" val="2278230563"/>
-      </p:ext>
-    </p:extLst>
-  </p:cSld>
-  <p:clrMapOvr>
-    <a:masterClrMapping/>
-  </p:clrMapOvr>
+  <p:transition xmlns:p14="http://schemas.microsoft.com/office/powerpoint/2010/main"/>
 </p:sld>
 </file>
 
 <file path=ppt/theme/theme1.xml><?xml version="1.0" encoding="utf-8"?>
+<a:theme xmlns:a="http://schemas.openxmlformats.org/drawingml/2006/main" name="Kilter">
+  <a:themeElements>
+    <a:clrScheme name="Kilter">
+      <a:dk1>
+        <a:sysClr val="windowText" lastClr="000000"/>
+      </a:dk1>
+      <a:lt1>
+        <a:sysClr val="window" lastClr="FFFFFF"/>
+      </a:lt1>
+      <a:dk2>
+        <a:srgbClr val="318FC5"/>
+      </a:dk2>
+      <a:lt2>
+        <a:srgbClr val="AEE8FB"/>
+      </a:lt2>
+      <a:accent1>
+        <a:srgbClr val="76C5EF"/>
+      </a:accent1>
+      <a:accent2>
+        <a:srgbClr val="FEA022"/>
+      </a:accent2>
+      <a:accent3>
+        <a:srgbClr val="FF6700"/>
+      </a:accent3>
+      <a:accent4>
+        <a:srgbClr val="70A525"/>
+      </a:accent4>
+      <a:accent5>
+        <a:srgbClr val="A5D848"/>
+      </a:accent5>
+      <a:accent6>
+        <a:srgbClr val="20768C"/>
+      </a:accent6>
+      <a:hlink>
+        <a:srgbClr val="7AB6E8"/>
+      </a:hlink>
+      <a:folHlink>
+        <a:srgbClr val="83B0D3"/>
+      </a:folHlink>
+    </a:clrScheme>
+    <a:fontScheme name="Kilter">
+      <a:majorFont>
+        <a:latin typeface="Rockwell"/>
+        <a:ea typeface=""/>
+        <a:cs typeface=""/>
+        <a:font script="Grek" typeface="Cambria"/>
+        <a:font script="Cyrl" typeface="Cambria"/>
+        <a:font script="Jpan" typeface="ＭＳ 明朝"/>
+        <a:font script="Hang" typeface="바탕"/>
+        <a:font script="Hans" typeface="华文新魏"/>
+        <a:font script="Hant" typeface="微軟正黑體"/>
+        <a:font script="Arab" typeface="Times New Roman"/>
+        <a:font script="Hebr" typeface="David"/>
+        <a:font script="Thai" typeface="JasmineUPC"/>
+        <a:font script="Ethi" typeface="Nyala"/>
+        <a:font script="Beng" typeface="Vrinda"/>
+        <a:font script="Gujr" typeface="Shruti"/>
+        <a:font script="Khmr" typeface="MoolBoran"/>
+        <a:font script="Knda" typeface="Tunga"/>
+        <a:font script="Guru" typeface="Raavi"/>
+        <a:font script="Cans" typeface="Euphemia"/>
+        <a:font script="Cher" typeface="Plantagenet Cherokee"/>
+        <a:font script="Yiii" typeface="Microsoft Yi Baiti"/>
+        <a:font script="Tibt" typeface="Microsoft Himalaya"/>
+        <a:font script="Thaa" typeface="MV Boli"/>
+        <a:font script="Deva" typeface="Mangal"/>
+        <a:font script="Telu" typeface="Gautami"/>
+        <a:font script="Taml" typeface="Latha"/>
+        <a:font script="Syrc" typeface="Estrangelo Edessa"/>
+        <a:font script="Orya" typeface="Kalinga"/>
+        <a:font script="Mlym" typeface="Kartika"/>
+        <a:font script="Laoo" typeface="DokChampa"/>
+        <a:font script="Sinh" typeface="Iskoola Pota"/>
+        <a:font script="Mong" typeface="Mongolian Baiti"/>
+        <a:font script="Viet" typeface="Arial"/>
+        <a:font script="Uigh" typeface="Microsoft Uighur"/>
+      </a:majorFont>
+      <a:minorFont>
+        <a:latin typeface="Rockwell"/>
+        <a:ea typeface=""/>
+        <a:cs typeface=""/>
+        <a:font script="Grek" typeface="Cambria"/>
+        <a:font script="Cyrl" typeface="Cambria"/>
+        <a:font script="Jpan" typeface="ＭＳ 明朝"/>
+        <a:font script="Hang" typeface="바탕"/>
+        <a:font script="Hans" typeface="华文新魏"/>
+        <a:font script="Hant" typeface="標楷體"/>
+        <a:font script="Arab" typeface="Times New Roman"/>
+        <a:font script="Hebr" typeface="David"/>
+        <a:font script="Thai" typeface="JasmineUPC"/>
+        <a:font script="Ethi" typeface="Nyala"/>
+        <a:font script="Beng" typeface="Vrinda"/>
+        <a:font script="Gujr" typeface="Shruti"/>
+        <a:font script="Khmr" typeface="MoolBoran"/>
+        <a:font script="Knda" typeface="Tunga"/>
+        <a:font script="Guru" typeface="Raavi"/>
+        <a:font script="Cans" typeface="Euphemia"/>
+        <a:font script="Cher" typeface="Plantagenet Cherokee"/>
+        <a:font script="Yiii" typeface="Microsoft Yi Baiti"/>
+        <a:font script="Tibt" typeface="Microsoft Himalaya"/>
+        <a:font script="Thaa" typeface="MV Boli"/>
+        <a:font script="Deva" typeface="Mangal"/>
+        <a:font script="Telu" typeface="Gautami"/>
+        <a:font script="Taml" typeface="Latha"/>
+        <a:font script="Syrc" typeface="Estrangelo Edessa"/>
+        <a:font script="Orya" typeface="Kalinga"/>
+        <a:font script="Mlym" typeface="Kartika"/>
+        <a:font script="Laoo" typeface="DokChampa"/>
+        <a:font script="Sinh" typeface="Iskoola Pota"/>
+        <a:font script="Mong" typeface="Mongolian Baiti"/>
+        <a:font script="Viet" typeface="Times New Roman"/>
+        <a:font script="Uigh" typeface="Microsoft Uighur"/>
+      </a:minorFont>
+    </a:fontScheme>
+    <a:fmtScheme name="Kilter">
+      <a:fillStyleLst>
+        <a:solidFill>
+          <a:schemeClr val="phClr"/>
+        </a:solidFill>
+        <a:gradFill rotWithShape="1">
+          <a:gsLst>
+            <a:gs pos="0">
+              <a:schemeClr val="phClr">
+                <a:tint val="14000"/>
+                <a:satMod val="180000"/>
+                <a:lumMod val="100000"/>
+              </a:schemeClr>
+            </a:gs>
+            <a:gs pos="42000">
+              <a:schemeClr val="phClr">
+                <a:tint val="40000"/>
+                <a:satMod val="160000"/>
+                <a:lumMod val="94000"/>
+              </a:schemeClr>
+            </a:gs>
+            <a:gs pos="100000">
+              <a:schemeClr val="phClr">
+                <a:tint val="94000"/>
+                <a:satMod val="140000"/>
+              </a:schemeClr>
+            </a:gs>
+          </a:gsLst>
+          <a:lin ang="5160000" scaled="1"/>
+        </a:gradFill>
+        <a:gradFill rotWithShape="1">
+          <a:gsLst>
+            <a:gs pos="38000">
+              <a:schemeClr val="phClr">
+                <a:satMod val="120000"/>
+              </a:schemeClr>
+            </a:gs>
+            <a:gs pos="100000">
+              <a:schemeClr val="phClr">
+                <a:shade val="60000"/>
+                <a:satMod val="180000"/>
+                <a:lumMod val="70000"/>
+              </a:schemeClr>
+            </a:gs>
+          </a:gsLst>
+          <a:lin ang="4680000" scaled="0"/>
+        </a:gradFill>
+      </a:fillStyleLst>
+      <a:lnStyleLst>
+        <a:ln w="12700" cap="flat" cmpd="sng" algn="ctr">
+          <a:solidFill>
+            <a:schemeClr val="phClr">
+              <a:shade val="50000"/>
+            </a:schemeClr>
+          </a:solidFill>
+          <a:prstDash val="solid"/>
+        </a:ln>
+        <a:ln w="25400" cap="flat" cmpd="sng" algn="ctr">
+          <a:solidFill>
+            <a:schemeClr val="phClr">
+              <a:shade val="75000"/>
+              <a:lumMod val="90000"/>
+            </a:schemeClr>
+          </a:solidFill>
+          <a:prstDash val="solid"/>
+        </a:ln>
+        <a:ln w="38100" cap="flat" cmpd="sng" algn="ctr">
+          <a:solidFill>
+            <a:schemeClr val="phClr"/>
+          </a:solidFill>
+          <a:prstDash val="solid"/>
+        </a:ln>
+      </a:lnStyleLst>
+      <a:effectStyleLst>
+        <a:effectStyle>
+          <a:effectLst>
+            <a:outerShdw blurRad="63500" dist="12700" dir="5400000" sx="102000" sy="102000" rotWithShape="0">
+              <a:srgbClr val="000000">
+                <a:alpha val="20000"/>
+              </a:srgbClr>
+            </a:outerShdw>
+          </a:effectLst>
+        </a:effectStyle>
+        <a:effectStyle>
+          <a:effectLst>
+            <a:outerShdw blurRad="76200" dist="25400" dir="5400000" rotWithShape="0">
+              <a:srgbClr val="000000">
+                <a:alpha val="50000"/>
+              </a:srgbClr>
+            </a:outerShdw>
+          </a:effectLst>
+          <a:scene3d>
+            <a:camera prst="orthographicFront">
+              <a:rot lat="0" lon="0" rev="0"/>
+            </a:camera>
+            <a:lightRig rig="glow" dir="tl">
+              <a:rot lat="0" lon="0" rev="19800000"/>
+            </a:lightRig>
+          </a:scene3d>
+          <a:sp3d prstMaterial="metal">
+            <a:bevelT w="152400" h="63500" prst="softRound"/>
+          </a:sp3d>
+        </a:effectStyle>
+        <a:effectStyle>
+          <a:effectLst>
+            <a:outerShdw blurRad="107950" dist="12700" dir="5040000" rotWithShape="0">
+              <a:srgbClr val="000000">
+                <a:alpha val="54000"/>
+              </a:srgbClr>
+            </a:outerShdw>
+          </a:effectLst>
+          <a:scene3d>
+            <a:camera prst="orthographicFront">
+              <a:rot lat="0" lon="0" rev="0"/>
+            </a:camera>
+            <a:lightRig rig="threePt" dir="tl">
+              <a:rot lat="0" lon="0" rev="19800000"/>
+            </a:lightRig>
+          </a:scene3d>
+          <a:sp3d prstMaterial="plastic">
+            <a:bevelT h="63500" prst="softRound"/>
+          </a:sp3d>
+        </a:effectStyle>
+      </a:effectStyleLst>
+      <a:bgFillStyleLst>
+        <a:solidFill>
+          <a:schemeClr val="phClr"/>
+        </a:solidFill>
+        <a:gradFill rotWithShape="1">
+          <a:gsLst>
+            <a:gs pos="0">
+              <a:schemeClr val="phClr">
+                <a:tint val="95000"/>
+                <a:satMod val="140000"/>
+                <a:lumMod val="120000"/>
+              </a:schemeClr>
+            </a:gs>
+            <a:gs pos="100000">
+              <a:schemeClr val="phClr">
+                <a:tint val="95000"/>
+                <a:shade val="70000"/>
+                <a:satMod val="180000"/>
+                <a:lumMod val="82000"/>
+              </a:schemeClr>
+            </a:gs>
+          </a:gsLst>
+          <a:path path="circle">
+            <a:fillToRect l="25000" t="25000" r="25000" b="25000"/>
+          </a:path>
+        </a:gradFill>
+        <a:gradFill rotWithShape="1">
+          <a:gsLst>
+            <a:gs pos="0">
+              <a:schemeClr val="phClr">
+                <a:tint val="94000"/>
+                <a:satMod val="140000"/>
+                <a:lumMod val="120000"/>
+              </a:schemeClr>
+            </a:gs>
+            <a:gs pos="100000">
+              <a:schemeClr val="phClr">
+                <a:tint val="97000"/>
+                <a:shade val="70000"/>
+                <a:satMod val="190000"/>
+                <a:lumMod val="72000"/>
+              </a:schemeClr>
+            </a:gs>
+          </a:gsLst>
+          <a:path path="circle">
+            <a:fillToRect l="50000" t="50000" r="50000"/>
+          </a:path>
+        </a:gradFill>
+      </a:bgFillStyleLst>
+    </a:fmtScheme>
+  </a:themeElements>
+  <a:objectDefaults/>
+  <a:extraClrSchemeLst/>
+</a:theme>
+</file>
+
+<file path=ppt/theme/theme2.xml><?xml version="1.0" encoding="utf-8"?>
 <a:theme xmlns:a="http://schemas.openxmlformats.org/drawingml/2006/main" name="Office Theme">
   <a:themeElements>
     <a:clrScheme name="Office">
